--- a/PixarGPUSiggraphAsia2012.pptx
+++ b/PixarGPUSiggraphAsia2012.pptx
@@ -244,7 +244,7 @@
           <a:p>
             <a:fld id="{48917AE9-D1E6-42BE-AB65-4DE8C00F1A07}" type="datetimeFigureOut">
               <a:rPr lang="en-US" smtClean="0"/>
-              <a:t>11/29/2012</a:t>
+              <a:t>11/30/2012</a:t>
             </a:fld>
             <a:endParaRPr lang="en-US"/>
           </a:p>
@@ -1617,29 +1617,17 @@
             </a:r>
             <a:r>
               <a:rPr lang="en-US" baseline="0" dirty="0" smtClean="0"/>
-              <a:t> out of </a:t>
+              <a:t> out of date.</a:t>
+            </a:r>
+          </a:p>
+          <a:p>
+            <a:r>
+              <a:rPr lang="en-US" dirty="0" smtClean="0"/>
+              <a:t>This will be updated</a:t>
             </a:r>
             <a:r>
               <a:rPr lang="en-US" baseline="0" dirty="0" smtClean="0"/>
-              <a:t>date.</a:t>
-            </a:r>
-          </a:p>
-          <a:p>
-            <a:r>
-              <a:rPr lang="en-US" dirty="0" smtClean="0"/>
-              <a:t>This </a:t>
-            </a:r>
-            <a:r>
-              <a:rPr lang="en-US" dirty="0" smtClean="0"/>
-              <a:t>will be updated</a:t>
-            </a:r>
-            <a:r>
-              <a:rPr lang="en-US" baseline="0" dirty="0" smtClean="0"/>
-              <a:t> tomorrow with the source currently on my machine</a:t>
-            </a:r>
-            <a:r>
-              <a:rPr lang="en-US" baseline="0" dirty="0" smtClean="0"/>
-              <a:t>.</a:t>
+              <a:t> tomorrow with the source currently on my machine.</a:t>
             </a:r>
           </a:p>
           <a:p>
@@ -6621,7 +6609,7 @@
           <a:p>
             <a:fld id="{26EF8D39-A139-4B16-8E4B-A36B31699D6A}" type="datetimeFigureOut">
               <a:rPr lang="en-US" smtClean="0"/>
-              <a:t>11/29/2012</a:t>
+              <a:t>11/30/2012</a:t>
             </a:fld>
             <a:endParaRPr lang="en-US"/>
           </a:p>
@@ -6791,7 +6779,7 @@
           <a:p>
             <a:fld id="{26EF8D39-A139-4B16-8E4B-A36B31699D6A}" type="datetimeFigureOut">
               <a:rPr lang="en-US" smtClean="0"/>
-              <a:t>11/29/2012</a:t>
+              <a:t>11/30/2012</a:t>
             </a:fld>
             <a:endParaRPr lang="en-US"/>
           </a:p>
@@ -6971,7 +6959,7 @@
           <a:p>
             <a:fld id="{26EF8D39-A139-4B16-8E4B-A36B31699D6A}" type="datetimeFigureOut">
               <a:rPr lang="en-US" smtClean="0"/>
-              <a:t>11/29/2012</a:t>
+              <a:t>11/30/2012</a:t>
             </a:fld>
             <a:endParaRPr lang="en-US"/>
           </a:p>
@@ -7141,7 +7129,7 @@
           <a:p>
             <a:fld id="{26EF8D39-A139-4B16-8E4B-A36B31699D6A}" type="datetimeFigureOut">
               <a:rPr lang="en-US" smtClean="0"/>
-              <a:t>11/29/2012</a:t>
+              <a:t>11/30/2012</a:t>
             </a:fld>
             <a:endParaRPr lang="en-US"/>
           </a:p>
@@ -7387,7 +7375,7 @@
           <a:p>
             <a:fld id="{26EF8D39-A139-4B16-8E4B-A36B31699D6A}" type="datetimeFigureOut">
               <a:rPr lang="en-US" smtClean="0"/>
-              <a:t>11/29/2012</a:t>
+              <a:t>11/30/2012</a:t>
             </a:fld>
             <a:endParaRPr lang="en-US"/>
           </a:p>
@@ -7675,7 +7663,7 @@
           <a:p>
             <a:fld id="{26EF8D39-A139-4B16-8E4B-A36B31699D6A}" type="datetimeFigureOut">
               <a:rPr lang="en-US" smtClean="0"/>
-              <a:t>11/29/2012</a:t>
+              <a:t>11/30/2012</a:t>
             </a:fld>
             <a:endParaRPr lang="en-US"/>
           </a:p>
@@ -8097,7 +8085,7 @@
           <a:p>
             <a:fld id="{26EF8D39-A139-4B16-8E4B-A36B31699D6A}" type="datetimeFigureOut">
               <a:rPr lang="en-US" smtClean="0"/>
-              <a:t>11/29/2012</a:t>
+              <a:t>11/30/2012</a:t>
             </a:fld>
             <a:endParaRPr lang="en-US"/>
           </a:p>
@@ -8215,7 +8203,7 @@
           <a:p>
             <a:fld id="{26EF8D39-A139-4B16-8E4B-A36B31699D6A}" type="datetimeFigureOut">
               <a:rPr lang="en-US" smtClean="0"/>
-              <a:t>11/29/2012</a:t>
+              <a:t>11/30/2012</a:t>
             </a:fld>
             <a:endParaRPr lang="en-US"/>
           </a:p>
@@ -8310,7 +8298,7 @@
           <a:p>
             <a:fld id="{26EF8D39-A139-4B16-8E4B-A36B31699D6A}" type="datetimeFigureOut">
               <a:rPr lang="en-US" smtClean="0"/>
-              <a:t>11/29/2012</a:t>
+              <a:t>11/30/2012</a:t>
             </a:fld>
             <a:endParaRPr lang="en-US"/>
           </a:p>
@@ -8587,7 +8575,7 @@
           <a:p>
             <a:fld id="{26EF8D39-A139-4B16-8E4B-A36B31699D6A}" type="datetimeFigureOut">
               <a:rPr lang="en-US" smtClean="0"/>
-              <a:t>11/29/2012</a:t>
+              <a:t>11/30/2012</a:t>
             </a:fld>
             <a:endParaRPr lang="en-US"/>
           </a:p>
@@ -8840,7 +8828,7 @@
           <a:p>
             <a:fld id="{26EF8D39-A139-4B16-8E4B-A36B31699D6A}" type="datetimeFigureOut">
               <a:rPr lang="en-US" smtClean="0"/>
-              <a:t>11/29/2012</a:t>
+              <a:t>11/30/2012</a:t>
             </a:fld>
             <a:endParaRPr lang="en-US"/>
           </a:p>
@@ -9068,7 +9056,7 @@
           <a:p>
             <a:fld id="{26EF8D39-A139-4B16-8E4B-A36B31699D6A}" type="datetimeFigureOut">
               <a:rPr lang="en-US" smtClean="0"/>
-              <a:t>11/29/2012</a:t>
+              <a:t>11/30/2012</a:t>
             </a:fld>
             <a:endParaRPr lang="en-US"/>
           </a:p>
@@ -10996,11 +10984,7 @@
           <a:p>
             <a:r>
               <a:rPr lang="en-US" dirty="0" smtClean="0"/>
-              <a:t>GNU GPL </a:t>
-            </a:r>
-            <a:r>
-              <a:rPr lang="en-US" dirty="0" smtClean="0"/>
-              <a:t>License</a:t>
+              <a:t>GNU GPL License</a:t>
             </a:r>
           </a:p>
         </p:txBody>
@@ -16848,25 +16832,13 @@
         <p:spPr/>
         <p:txBody>
           <a:bodyPr>
-            <a:normAutofit fontScale="85000" lnSpcReduction="10000"/>
+            <a:normAutofit fontScale="77500" lnSpcReduction="20000"/>
           </a:bodyPr>
           <a:lstStyle/>
           <a:p>
             <a:r>
               <a:rPr lang="en-US" dirty="0" smtClean="0"/>
-              <a:t>Runs </a:t>
-            </a:r>
-            <a:r>
-              <a:rPr lang="en-US" dirty="0" smtClean="0"/>
-              <a:t>at 30 fps</a:t>
-            </a:r>
-            <a:r>
-              <a:rPr lang="en-US" dirty="0" smtClean="0"/>
-              <a:t> </a:t>
-            </a:r>
-            <a:r>
-              <a:rPr lang="en-US" dirty="0" smtClean="0"/>
-              <a:t>on a </a:t>
+              <a:t>Runs at 30 fps on a </a:t>
             </a:r>
             <a:r>
               <a:rPr lang="en-US" dirty="0" err="1" smtClean="0"/>
@@ -16879,6 +16851,19 @@
             <a:r>
               <a:rPr lang="en-US" dirty="0" smtClean="0"/>
               <a:t>springs</a:t>
+            </a:r>
+          </a:p>
+          <a:p>
+            <a:endParaRPr lang="en-US" dirty="0"/>
+          </a:p>
+          <a:p>
+            <a:r>
+              <a:rPr lang="en-US" dirty="0" smtClean="0"/>
+              <a:t>Creates a plausible real-time simulation with </a:t>
+            </a:r>
+            <a:r>
+              <a:rPr lang="en-US" smtClean="0"/>
+              <a:t>50k springs</a:t>
             </a:r>
             <a:endParaRPr lang="en-US" dirty="0"/>
           </a:p>

--- a/PixarGPUSiggraphAsia2012.pptx
+++ b/PixarGPUSiggraphAsia2012.pptx
@@ -244,7 +244,7 @@
           <a:p>
             <a:fld id="{48917AE9-D1E6-42BE-AB65-4DE8C00F1A07}" type="datetimeFigureOut">
               <a:rPr lang="en-US" smtClean="0"/>
-              <a:t>11/30/2012</a:t>
+              <a:t>12/1/2012</a:t>
             </a:fld>
             <a:endParaRPr lang="en-US"/>
           </a:p>
@@ -6609,7 +6609,7 @@
           <a:p>
             <a:fld id="{26EF8D39-A139-4B16-8E4B-A36B31699D6A}" type="datetimeFigureOut">
               <a:rPr lang="en-US" smtClean="0"/>
-              <a:t>11/30/2012</a:t>
+              <a:t>12/1/2012</a:t>
             </a:fld>
             <a:endParaRPr lang="en-US"/>
           </a:p>
@@ -6779,7 +6779,7 @@
           <a:p>
             <a:fld id="{26EF8D39-A139-4B16-8E4B-A36B31699D6A}" type="datetimeFigureOut">
               <a:rPr lang="en-US" smtClean="0"/>
-              <a:t>11/30/2012</a:t>
+              <a:t>12/1/2012</a:t>
             </a:fld>
             <a:endParaRPr lang="en-US"/>
           </a:p>
@@ -6959,7 +6959,7 @@
           <a:p>
             <a:fld id="{26EF8D39-A139-4B16-8E4B-A36B31699D6A}" type="datetimeFigureOut">
               <a:rPr lang="en-US" smtClean="0"/>
-              <a:t>11/30/2012</a:t>
+              <a:t>12/1/2012</a:t>
             </a:fld>
             <a:endParaRPr lang="en-US"/>
           </a:p>
@@ -7129,7 +7129,7 @@
           <a:p>
             <a:fld id="{26EF8D39-A139-4B16-8E4B-A36B31699D6A}" type="datetimeFigureOut">
               <a:rPr lang="en-US" smtClean="0"/>
-              <a:t>11/30/2012</a:t>
+              <a:t>12/1/2012</a:t>
             </a:fld>
             <a:endParaRPr lang="en-US"/>
           </a:p>
@@ -7375,7 +7375,7 @@
           <a:p>
             <a:fld id="{26EF8D39-A139-4B16-8E4B-A36B31699D6A}" type="datetimeFigureOut">
               <a:rPr lang="en-US" smtClean="0"/>
-              <a:t>11/30/2012</a:t>
+              <a:t>12/1/2012</a:t>
             </a:fld>
             <a:endParaRPr lang="en-US"/>
           </a:p>
@@ -7663,7 +7663,7 @@
           <a:p>
             <a:fld id="{26EF8D39-A139-4B16-8E4B-A36B31699D6A}" type="datetimeFigureOut">
               <a:rPr lang="en-US" smtClean="0"/>
-              <a:t>11/30/2012</a:t>
+              <a:t>12/1/2012</a:t>
             </a:fld>
             <a:endParaRPr lang="en-US"/>
           </a:p>
@@ -8085,7 +8085,7 @@
           <a:p>
             <a:fld id="{26EF8D39-A139-4B16-8E4B-A36B31699D6A}" type="datetimeFigureOut">
               <a:rPr lang="en-US" smtClean="0"/>
-              <a:t>11/30/2012</a:t>
+              <a:t>12/1/2012</a:t>
             </a:fld>
             <a:endParaRPr lang="en-US"/>
           </a:p>
@@ -8203,7 +8203,7 @@
           <a:p>
             <a:fld id="{26EF8D39-A139-4B16-8E4B-A36B31699D6A}" type="datetimeFigureOut">
               <a:rPr lang="en-US" smtClean="0"/>
-              <a:t>11/30/2012</a:t>
+              <a:t>12/1/2012</a:t>
             </a:fld>
             <a:endParaRPr lang="en-US"/>
           </a:p>
@@ -8298,7 +8298,7 @@
           <a:p>
             <a:fld id="{26EF8D39-A139-4B16-8E4B-A36B31699D6A}" type="datetimeFigureOut">
               <a:rPr lang="en-US" smtClean="0"/>
-              <a:t>11/30/2012</a:t>
+              <a:t>12/1/2012</a:t>
             </a:fld>
             <a:endParaRPr lang="en-US"/>
           </a:p>
@@ -8575,7 +8575,7 @@
           <a:p>
             <a:fld id="{26EF8D39-A139-4B16-8E4B-A36B31699D6A}" type="datetimeFigureOut">
               <a:rPr lang="en-US" smtClean="0"/>
-              <a:t>11/30/2012</a:t>
+              <a:t>12/1/2012</a:t>
             </a:fld>
             <a:endParaRPr lang="en-US"/>
           </a:p>
@@ -8828,7 +8828,7 @@
           <a:p>
             <a:fld id="{26EF8D39-A139-4B16-8E4B-A36B31699D6A}" type="datetimeFigureOut">
               <a:rPr lang="en-US" smtClean="0"/>
-              <a:t>11/30/2012</a:t>
+              <a:t>12/1/2012</a:t>
             </a:fld>
             <a:endParaRPr lang="en-US"/>
           </a:p>
@@ -9056,7 +9056,7 @@
           <a:p>
             <a:fld id="{26EF8D39-A139-4B16-8E4B-A36B31699D6A}" type="datetimeFigureOut">
               <a:rPr lang="en-US" smtClean="0"/>
-              <a:t>11/30/2012</a:t>
+              <a:t>12/1/2012</a:t>
             </a:fld>
             <a:endParaRPr lang="en-US"/>
           </a:p>
@@ -16846,11 +16846,7 @@
             </a:r>
             <a:r>
               <a:rPr lang="en-US" dirty="0" smtClean="0"/>
-              <a:t> 670M with 140k </a:t>
-            </a:r>
-            <a:r>
-              <a:rPr lang="en-US" dirty="0" smtClean="0"/>
-              <a:t>springs</a:t>
+              <a:t> 670M with 140k springs</a:t>
             </a:r>
           </a:p>
           <a:p>
@@ -17256,6 +17252,10 @@
             <a:r>
               <a:rPr lang="en-US" dirty="0" err="1" smtClean="0"/>
               <a:t>Quilez</a:t>
+            </a:r>
+            <a:r>
+              <a:rPr lang="en-US"/>
+              <a:t> - http://www.iquilezles.org/</a:t>
             </a:r>
             <a:endParaRPr lang="en-US" dirty="0" smtClean="0"/>
           </a:p>

--- a/PixarGPUSiggraphAsia2012.pptx
+++ b/PixarGPUSiggraphAsia2012.pptx
@@ -244,7 +244,7 @@
           <a:p>
             <a:fld id="{48917AE9-D1E6-42BE-AB65-4DE8C00F1A07}" type="datetimeFigureOut">
               <a:rPr lang="en-US" smtClean="0"/>
-              <a:t>12/1/2012</a:t>
+              <a:t>12/20/2012</a:t>
             </a:fld>
             <a:endParaRPr lang="en-US"/>
           </a:p>
@@ -5437,14 +5437,40 @@
             </a:r>
             <a:r>
               <a:rPr lang="en-US" baseline="0" dirty="0" smtClean="0"/>
-              <a:t> the maximum number of active threads on a GPU.</a:t>
-            </a:r>
-          </a:p>
-          <a:p>
+              <a:t> the maximum number of active threads on a GPU</a:t>
+            </a:r>
             <a:r>
               <a:rPr lang="en-US" baseline="0" dirty="0" smtClean="0"/>
-              <a:t>Occupancy is limited by the number of registers required by a kernel and maximum number of blocks which can be assigned to a streaming multiprocessor.</a:t>
-            </a:r>
+              <a:t>.</a:t>
+            </a:r>
+          </a:p>
+          <a:p>
+            <a:r>
+              <a:rPr lang="en-US" baseline="0" dirty="0" smtClean="0"/>
+              <a:t>Occupancy is determined by the number of threads assigned to a block (max 1536 on Fermi) and the number of blocks per streaming multiprocessor (max 8 on Fermi).</a:t>
+            </a:r>
+          </a:p>
+          <a:p>
+            <a:endParaRPr lang="en-US" baseline="0" dirty="0" smtClean="0"/>
+          </a:p>
+          <a:p>
+            <a:r>
+              <a:rPr lang="en-US" baseline="0" smtClean="0"/>
+              <a:t>Performance is also </a:t>
+            </a:r>
+            <a:r>
+              <a:rPr lang="en-US" baseline="0" dirty="0" smtClean="0"/>
+              <a:t>limited by the number of registers required by a </a:t>
+            </a:r>
+            <a:r>
+              <a:rPr lang="en-US" baseline="0" dirty="0" smtClean="0"/>
+              <a:t>kernel, causing </a:t>
+            </a:r>
+            <a:r>
+              <a:rPr lang="en-US" baseline="0" smtClean="0"/>
+              <a:t>register spills.</a:t>
+            </a:r>
+            <a:endParaRPr lang="en-US" baseline="0" dirty="0" smtClean="0"/>
           </a:p>
           <a:p>
             <a:endParaRPr lang="en-US" baseline="0" dirty="0" smtClean="0"/>
@@ -6609,7 +6635,7 @@
           <a:p>
             <a:fld id="{26EF8D39-A139-4B16-8E4B-A36B31699D6A}" type="datetimeFigureOut">
               <a:rPr lang="en-US" smtClean="0"/>
-              <a:t>12/1/2012</a:t>
+              <a:t>12/20/2012</a:t>
             </a:fld>
             <a:endParaRPr lang="en-US"/>
           </a:p>
@@ -6779,7 +6805,7 @@
           <a:p>
             <a:fld id="{26EF8D39-A139-4B16-8E4B-A36B31699D6A}" type="datetimeFigureOut">
               <a:rPr lang="en-US" smtClean="0"/>
-              <a:t>12/1/2012</a:t>
+              <a:t>12/20/2012</a:t>
             </a:fld>
             <a:endParaRPr lang="en-US"/>
           </a:p>
@@ -6959,7 +6985,7 @@
           <a:p>
             <a:fld id="{26EF8D39-A139-4B16-8E4B-A36B31699D6A}" type="datetimeFigureOut">
               <a:rPr lang="en-US" smtClean="0"/>
-              <a:t>12/1/2012</a:t>
+              <a:t>12/20/2012</a:t>
             </a:fld>
             <a:endParaRPr lang="en-US"/>
           </a:p>
@@ -7129,7 +7155,7 @@
           <a:p>
             <a:fld id="{26EF8D39-A139-4B16-8E4B-A36B31699D6A}" type="datetimeFigureOut">
               <a:rPr lang="en-US" smtClean="0"/>
-              <a:t>12/1/2012</a:t>
+              <a:t>12/20/2012</a:t>
             </a:fld>
             <a:endParaRPr lang="en-US"/>
           </a:p>
@@ -7375,7 +7401,7 @@
           <a:p>
             <a:fld id="{26EF8D39-A139-4B16-8E4B-A36B31699D6A}" type="datetimeFigureOut">
               <a:rPr lang="en-US" smtClean="0"/>
-              <a:t>12/1/2012</a:t>
+              <a:t>12/20/2012</a:t>
             </a:fld>
             <a:endParaRPr lang="en-US"/>
           </a:p>
@@ -7663,7 +7689,7 @@
           <a:p>
             <a:fld id="{26EF8D39-A139-4B16-8E4B-A36B31699D6A}" type="datetimeFigureOut">
               <a:rPr lang="en-US" smtClean="0"/>
-              <a:t>12/1/2012</a:t>
+              <a:t>12/20/2012</a:t>
             </a:fld>
             <a:endParaRPr lang="en-US"/>
           </a:p>
@@ -8085,7 +8111,7 @@
           <a:p>
             <a:fld id="{26EF8D39-A139-4B16-8E4B-A36B31699D6A}" type="datetimeFigureOut">
               <a:rPr lang="en-US" smtClean="0"/>
-              <a:t>12/1/2012</a:t>
+              <a:t>12/20/2012</a:t>
             </a:fld>
             <a:endParaRPr lang="en-US"/>
           </a:p>
@@ -8203,7 +8229,7 @@
           <a:p>
             <a:fld id="{26EF8D39-A139-4B16-8E4B-A36B31699D6A}" type="datetimeFigureOut">
               <a:rPr lang="en-US" smtClean="0"/>
-              <a:t>12/1/2012</a:t>
+              <a:t>12/20/2012</a:t>
             </a:fld>
             <a:endParaRPr lang="en-US"/>
           </a:p>
@@ -8298,7 +8324,7 @@
           <a:p>
             <a:fld id="{26EF8D39-A139-4B16-8E4B-A36B31699D6A}" type="datetimeFigureOut">
               <a:rPr lang="en-US" smtClean="0"/>
-              <a:t>12/1/2012</a:t>
+              <a:t>12/20/2012</a:t>
             </a:fld>
             <a:endParaRPr lang="en-US"/>
           </a:p>
@@ -8575,7 +8601,7 @@
           <a:p>
             <a:fld id="{26EF8D39-A139-4B16-8E4B-A36B31699D6A}" type="datetimeFigureOut">
               <a:rPr lang="en-US" smtClean="0"/>
-              <a:t>12/1/2012</a:t>
+              <a:t>12/20/2012</a:t>
             </a:fld>
             <a:endParaRPr lang="en-US"/>
           </a:p>
@@ -8828,7 +8854,7 @@
           <a:p>
             <a:fld id="{26EF8D39-A139-4B16-8E4B-A36B31699D6A}" type="datetimeFigureOut">
               <a:rPr lang="en-US" smtClean="0"/>
-              <a:t>12/1/2012</a:t>
+              <a:t>12/20/2012</a:t>
             </a:fld>
             <a:endParaRPr lang="en-US"/>
           </a:p>
@@ -9056,7 +9082,7 @@
           <a:p>
             <a:fld id="{26EF8D39-A139-4B16-8E4B-A36B31699D6A}" type="datetimeFigureOut">
               <a:rPr lang="en-US" smtClean="0"/>
-              <a:t>12/1/2012</a:t>
+              <a:t>12/20/2012</a:t>
             </a:fld>
             <a:endParaRPr lang="en-US"/>
           </a:p>

--- a/PixarGPUSiggraphAsia2012.pptx
+++ b/PixarGPUSiggraphAsia2012.pptx
@@ -5,7 +5,7 @@
     <p:sldMasterId id="2147483960" r:id="rId1"/>
   </p:sldMasterIdLst>
   <p:notesMasterIdLst>
-    <p:notesMasterId r:id="rId49"/>
+    <p:notesMasterId r:id="rId50"/>
   </p:notesMasterIdLst>
   <p:sldIdLst>
     <p:sldId id="256" r:id="rId2"/>
@@ -26,35 +26,36 @@
     <p:sldId id="301" r:id="rId17"/>
     <p:sldId id="266" r:id="rId18"/>
     <p:sldId id="278" r:id="rId19"/>
-    <p:sldId id="268" r:id="rId20"/>
-    <p:sldId id="271" r:id="rId21"/>
-    <p:sldId id="270" r:id="rId22"/>
-    <p:sldId id="299" r:id="rId23"/>
-    <p:sldId id="295" r:id="rId24"/>
-    <p:sldId id="300" r:id="rId25"/>
-    <p:sldId id="272" r:id="rId26"/>
-    <p:sldId id="293" r:id="rId27"/>
-    <p:sldId id="294" r:id="rId28"/>
-    <p:sldId id="267" r:id="rId29"/>
-    <p:sldId id="285" r:id="rId30"/>
-    <p:sldId id="269" r:id="rId31"/>
-    <p:sldId id="281" r:id="rId32"/>
-    <p:sldId id="291" r:id="rId33"/>
-    <p:sldId id="286" r:id="rId34"/>
-    <p:sldId id="287" r:id="rId35"/>
-    <p:sldId id="288" r:id="rId36"/>
-    <p:sldId id="289" r:id="rId37"/>
-    <p:sldId id="282" r:id="rId38"/>
-    <p:sldId id="273" r:id="rId39"/>
-    <p:sldId id="292" r:id="rId40"/>
-    <p:sldId id="274" r:id="rId41"/>
-    <p:sldId id="296" r:id="rId42"/>
-    <p:sldId id="280" r:id="rId43"/>
-    <p:sldId id="290" r:id="rId44"/>
-    <p:sldId id="279" r:id="rId45"/>
-    <p:sldId id="283" r:id="rId46"/>
-    <p:sldId id="284" r:id="rId47"/>
-    <p:sldId id="304" r:id="rId48"/>
+    <p:sldId id="305" r:id="rId20"/>
+    <p:sldId id="268" r:id="rId21"/>
+    <p:sldId id="271" r:id="rId22"/>
+    <p:sldId id="270" r:id="rId23"/>
+    <p:sldId id="299" r:id="rId24"/>
+    <p:sldId id="295" r:id="rId25"/>
+    <p:sldId id="300" r:id="rId26"/>
+    <p:sldId id="272" r:id="rId27"/>
+    <p:sldId id="293" r:id="rId28"/>
+    <p:sldId id="294" r:id="rId29"/>
+    <p:sldId id="267" r:id="rId30"/>
+    <p:sldId id="285" r:id="rId31"/>
+    <p:sldId id="269" r:id="rId32"/>
+    <p:sldId id="281" r:id="rId33"/>
+    <p:sldId id="291" r:id="rId34"/>
+    <p:sldId id="286" r:id="rId35"/>
+    <p:sldId id="287" r:id="rId36"/>
+    <p:sldId id="288" r:id="rId37"/>
+    <p:sldId id="289" r:id="rId38"/>
+    <p:sldId id="282" r:id="rId39"/>
+    <p:sldId id="273" r:id="rId40"/>
+    <p:sldId id="292" r:id="rId41"/>
+    <p:sldId id="274" r:id="rId42"/>
+    <p:sldId id="296" r:id="rId43"/>
+    <p:sldId id="280" r:id="rId44"/>
+    <p:sldId id="290" r:id="rId45"/>
+    <p:sldId id="279" r:id="rId46"/>
+    <p:sldId id="283" r:id="rId47"/>
+    <p:sldId id="284" r:id="rId48"/>
+    <p:sldId id="304" r:id="rId49"/>
   </p:sldIdLst>
   <p:sldSz cx="9144000" cy="6858000" type="screen4x3"/>
   <p:notesSz cx="6858000" cy="9144000"/>
@@ -244,7 +245,7 @@
           <a:p>
             <a:fld id="{48917AE9-D1E6-42BE-AB65-4DE8C00F1A07}" type="datetimeFigureOut">
               <a:rPr lang="en-US" smtClean="0"/>
-              <a:t>12/20/2012</a:t>
+              <a:t>2/2/2013</a:t>
             </a:fld>
             <a:endParaRPr lang="en-US"/>
           </a:p>
@@ -1636,11 +1637,20 @@
           <a:p>
             <a:r>
               <a:rPr lang="en-US" baseline="0" dirty="0" smtClean="0"/>
-              <a:t>The simulation is explicit which means that it won’t run with large time steps. As a result it won’t scale to real-time on a </a:t>
-            </a:r>
-            <a:r>
-              <a:rPr lang="en-US" baseline="0" smtClean="0"/>
-              <a:t>laptop GPU.</a:t>
+              <a:t>The simulation is explicit which means that it won’t run with large time steps. As a result it won’t scale to real-time on a laptop GPU</a:t>
+            </a:r>
+            <a:r>
+              <a:rPr lang="en-US" baseline="0" dirty="0" smtClean="0"/>
+              <a:t>.</a:t>
+            </a:r>
+          </a:p>
+          <a:p>
+            <a:endParaRPr lang="en-US" baseline="0" dirty="0" smtClean="0"/>
+          </a:p>
+          <a:p>
+            <a:r>
+              <a:rPr lang="en-US" baseline="0" dirty="0" smtClean="0"/>
+              <a:t>QR code of URL on next slide.</a:t>
             </a:r>
             <a:endParaRPr lang="en-US" dirty="0"/>
           </a:p>
@@ -1812,7 +1822,7 @@
           <a:p>
             <a:fld id="{A04C706A-331C-46B7-9A6A-597642FCF23B}" type="slidenum">
               <a:rPr lang="en-US" smtClean="0"/>
-              <a:t>19</a:t>
+              <a:t>20</a:t>
             </a:fld>
             <a:endParaRPr lang="en-US"/>
           </a:p>
@@ -1920,7 +1930,7 @@
           <a:p>
             <a:fld id="{A04C706A-331C-46B7-9A6A-597642FCF23B}" type="slidenum">
               <a:rPr lang="en-US" smtClean="0"/>
-              <a:t>20</a:t>
+              <a:t>21</a:t>
             </a:fld>
             <a:endParaRPr lang="en-US"/>
           </a:p>
@@ -2348,7 +2358,7 @@
           <a:p>
             <a:fld id="{A04C706A-331C-46B7-9A6A-597642FCF23B}" type="slidenum">
               <a:rPr lang="en-US" smtClean="0"/>
-              <a:t>21</a:t>
+              <a:t>22</a:t>
             </a:fld>
             <a:endParaRPr lang="en-US"/>
           </a:p>
@@ -2463,7 +2473,7 @@
           <a:p>
             <a:fld id="{A04C706A-331C-46B7-9A6A-597642FCF23B}" type="slidenum">
               <a:rPr lang="en-US" smtClean="0"/>
-              <a:t>22</a:t>
+              <a:t>23</a:t>
             </a:fld>
             <a:endParaRPr lang="en-US"/>
           </a:p>
@@ -2565,7 +2575,7 @@
           <a:p>
             <a:fld id="{A04C706A-331C-46B7-9A6A-597642FCF23B}" type="slidenum">
               <a:rPr lang="en-US" smtClean="0"/>
-              <a:t>23</a:t>
+              <a:t>24</a:t>
             </a:fld>
             <a:endParaRPr lang="en-US"/>
           </a:p>
@@ -2675,7 +2685,7 @@
           <a:p>
             <a:fld id="{A04C706A-331C-46B7-9A6A-597642FCF23B}" type="slidenum">
               <a:rPr lang="en-US" smtClean="0"/>
-              <a:t>24</a:t>
+              <a:t>25</a:t>
             </a:fld>
             <a:endParaRPr lang="en-US"/>
           </a:p>
@@ -2856,7 +2866,7 @@
           <a:p>
             <a:fld id="{A04C706A-331C-46B7-9A6A-597642FCF23B}" type="slidenum">
               <a:rPr lang="en-US" smtClean="0"/>
-              <a:t>25</a:t>
+              <a:t>26</a:t>
             </a:fld>
             <a:endParaRPr lang="en-US"/>
           </a:p>
@@ -2957,7 +2967,7 @@
           <a:p>
             <a:fld id="{A04C706A-331C-46B7-9A6A-597642FCF23B}" type="slidenum">
               <a:rPr lang="en-US" smtClean="0"/>
-              <a:t>26</a:t>
+              <a:t>27</a:t>
             </a:fld>
             <a:endParaRPr lang="en-US"/>
           </a:p>
@@ -3109,7 +3119,7 @@
           <a:p>
             <a:fld id="{A04C706A-331C-46B7-9A6A-597642FCF23B}" type="slidenum">
               <a:rPr lang="en-US" smtClean="0"/>
-              <a:t>27</a:t>
+              <a:t>28</a:t>
             </a:fld>
             <a:endParaRPr lang="en-US"/>
           </a:p>
@@ -3215,7 +3225,7 @@
           <a:p>
             <a:fld id="{A04C706A-331C-46B7-9A6A-597642FCF23B}" type="slidenum">
               <a:rPr lang="en-US" smtClean="0"/>
-              <a:t>28</a:t>
+              <a:t>29</a:t>
             </a:fld>
             <a:endParaRPr lang="en-US"/>
           </a:p>
@@ -3307,7 +3317,7 @@
           <a:p>
             <a:fld id="{A04C706A-331C-46B7-9A6A-597642FCF23B}" type="slidenum">
               <a:rPr lang="en-US" smtClean="0"/>
-              <a:t>30</a:t>
+              <a:t>31</a:t>
             </a:fld>
             <a:endParaRPr lang="en-US"/>
           </a:p>
@@ -3506,7 +3516,7 @@
           <a:p>
             <a:fld id="{A04C706A-331C-46B7-9A6A-597642FCF23B}" type="slidenum">
               <a:rPr lang="en-US" smtClean="0"/>
-              <a:t>31</a:t>
+              <a:t>32</a:t>
             </a:fld>
             <a:endParaRPr lang="en-US"/>
           </a:p>
@@ -3709,7 +3719,7 @@
           <a:p>
             <a:fld id="{A04C706A-331C-46B7-9A6A-597642FCF23B}" type="slidenum">
               <a:rPr lang="en-US" smtClean="0"/>
-              <a:t>32</a:t>
+              <a:t>33</a:t>
             </a:fld>
             <a:endParaRPr lang="en-US"/>
           </a:p>
@@ -3810,7 +3820,7 @@
           <a:p>
             <a:fld id="{A04C706A-331C-46B7-9A6A-597642FCF23B}" type="slidenum">
               <a:rPr lang="en-US" smtClean="0"/>
-              <a:t>34</a:t>
+              <a:t>35</a:t>
             </a:fld>
             <a:endParaRPr lang="en-US"/>
           </a:p>
@@ -3902,7 +3912,7 @@
           <a:p>
             <a:fld id="{A04C706A-331C-46B7-9A6A-597642FCF23B}" type="slidenum">
               <a:rPr lang="en-US" smtClean="0"/>
-              <a:t>35</a:t>
+              <a:t>36</a:t>
             </a:fld>
             <a:endParaRPr lang="en-US"/>
           </a:p>
@@ -3990,7 +4000,7 @@
           <a:p>
             <a:fld id="{A04C706A-331C-46B7-9A6A-597642FCF23B}" type="slidenum">
               <a:rPr lang="en-US" smtClean="0"/>
-              <a:t>36</a:t>
+              <a:t>37</a:t>
             </a:fld>
             <a:endParaRPr lang="en-US"/>
           </a:p>
@@ -4082,7 +4092,7 @@
           <a:p>
             <a:fld id="{A04C706A-331C-46B7-9A6A-597642FCF23B}" type="slidenum">
               <a:rPr lang="en-US" smtClean="0"/>
-              <a:t>37</a:t>
+              <a:t>38</a:t>
             </a:fld>
             <a:endParaRPr lang="en-US"/>
           </a:p>
@@ -4394,7 +4404,7 @@
           <a:p>
             <a:fld id="{A04C706A-331C-46B7-9A6A-597642FCF23B}" type="slidenum">
               <a:rPr lang="en-US" smtClean="0"/>
-              <a:t>38</a:t>
+              <a:t>39</a:t>
             </a:fld>
             <a:endParaRPr lang="en-US"/>
           </a:p>
@@ -4486,7 +4496,7 @@
           <a:p>
             <a:fld id="{A04C706A-331C-46B7-9A6A-597642FCF23B}" type="slidenum">
               <a:rPr lang="en-US" smtClean="0"/>
-              <a:t>39</a:t>
+              <a:t>40</a:t>
             </a:fld>
             <a:endParaRPr lang="en-US"/>
           </a:p>
@@ -4638,7 +4648,7 @@
           <a:p>
             <a:fld id="{A04C706A-331C-46B7-9A6A-597642FCF23B}" type="slidenum">
               <a:rPr lang="en-US" smtClean="0"/>
-              <a:t>40</a:t>
+              <a:t>41</a:t>
             </a:fld>
             <a:endParaRPr lang="en-US"/>
           </a:p>
@@ -4752,7 +4762,7 @@
           <a:p>
             <a:fld id="{A04C706A-331C-46B7-9A6A-597642FCF23B}" type="slidenum">
               <a:rPr lang="en-US" smtClean="0"/>
-              <a:t>41</a:t>
+              <a:t>42</a:t>
             </a:fld>
             <a:endParaRPr lang="en-US"/>
           </a:p>
@@ -4871,7 +4881,7 @@
           <a:p>
             <a:fld id="{A04C706A-331C-46B7-9A6A-597642FCF23B}" type="slidenum">
               <a:rPr lang="en-US" smtClean="0"/>
-              <a:t>42</a:t>
+              <a:t>43</a:t>
             </a:fld>
             <a:endParaRPr lang="en-US"/>
           </a:p>
@@ -5346,7 +5356,7 @@
           <a:p>
             <a:fld id="{A04C706A-331C-46B7-9A6A-597642FCF23B}" type="slidenum">
               <a:rPr lang="en-US" smtClean="0"/>
-              <a:t>43</a:t>
+              <a:t>44</a:t>
             </a:fld>
             <a:endParaRPr lang="en-US"/>
           </a:p>
@@ -5415,7 +5425,15 @@
             </a:r>
             <a:r>
               <a:rPr lang="en-US" baseline="0" dirty="0" smtClean="0"/>
-              <a:t> real time on this laptop but is much faster on a desktop GPU, around 50 fps, due to more cores and better memory bandwidth.</a:t>
+              <a:t> </a:t>
+            </a:r>
+            <a:r>
+              <a:rPr lang="en-US" baseline="0" dirty="0" smtClean="0"/>
+              <a:t>interactively on </a:t>
+            </a:r>
+            <a:r>
+              <a:rPr lang="en-US" baseline="0" dirty="0" smtClean="0"/>
+              <a:t>this laptop but is much faster on a desktop GPU, around 50 fps, due to more cores and better memory bandwidth.</a:t>
             </a:r>
             <a:endParaRPr lang="en-US" dirty="0" smtClean="0"/>
           </a:p>
@@ -5437,11 +5455,7 @@
             </a:r>
             <a:r>
               <a:rPr lang="en-US" baseline="0" dirty="0" smtClean="0"/>
-              <a:t> the maximum number of active threads on a GPU</a:t>
-            </a:r>
-            <a:r>
-              <a:rPr lang="en-US" baseline="0" dirty="0" smtClean="0"/>
-              <a:t>.</a:t>
+              <a:t> the maximum number of active threads on a GPU.</a:t>
             </a:r>
           </a:p>
           <a:p>
@@ -5455,22 +5469,9 @@
           </a:p>
           <a:p>
             <a:r>
-              <a:rPr lang="en-US" baseline="0" smtClean="0"/>
-              <a:t>Performance is also </a:t>
-            </a:r>
-            <a:r>
               <a:rPr lang="en-US" baseline="0" dirty="0" smtClean="0"/>
-              <a:t>limited by the number of registers required by a </a:t>
-            </a:r>
-            <a:r>
-              <a:rPr lang="en-US" baseline="0" dirty="0" smtClean="0"/>
-              <a:t>kernel, causing </a:t>
-            </a:r>
-            <a:r>
-              <a:rPr lang="en-US" baseline="0" smtClean="0"/>
-              <a:t>register spills.</a:t>
-            </a:r>
-            <a:endParaRPr lang="en-US" baseline="0" dirty="0" smtClean="0"/>
+              <a:t>Performance is also limited by the number of registers required by a kernel, causing register spills.</a:t>
+            </a:r>
           </a:p>
           <a:p>
             <a:endParaRPr lang="en-US" baseline="0" dirty="0" smtClean="0"/>
@@ -5543,7 +5544,7 @@
           <a:p>
             <a:fld id="{A04C706A-331C-46B7-9A6A-597642FCF23B}" type="slidenum">
               <a:rPr lang="en-US" smtClean="0"/>
-              <a:t>44</a:t>
+              <a:t>45</a:t>
             </a:fld>
             <a:endParaRPr lang="en-US"/>
           </a:p>
@@ -5647,7 +5648,7 @@
           <a:p>
             <a:fld id="{A04C706A-331C-46B7-9A6A-597642FCF23B}" type="slidenum">
               <a:rPr lang="en-US" smtClean="0"/>
-              <a:t>45</a:t>
+              <a:t>46</a:t>
             </a:fld>
             <a:endParaRPr lang="en-US"/>
           </a:p>
@@ -5731,7 +5732,7 @@
           <a:p>
             <a:fld id="{A04C706A-331C-46B7-9A6A-597642FCF23B}" type="slidenum">
               <a:rPr lang="en-US" smtClean="0"/>
-              <a:t>46</a:t>
+              <a:t>47</a:t>
             </a:fld>
             <a:endParaRPr lang="en-US"/>
           </a:p>
@@ -6635,7 +6636,7 @@
           <a:p>
             <a:fld id="{26EF8D39-A139-4B16-8E4B-A36B31699D6A}" type="datetimeFigureOut">
               <a:rPr lang="en-US" smtClean="0"/>
-              <a:t>12/20/2012</a:t>
+              <a:t>2/2/2013</a:t>
             </a:fld>
             <a:endParaRPr lang="en-US"/>
           </a:p>
@@ -6805,7 +6806,7 @@
           <a:p>
             <a:fld id="{26EF8D39-A139-4B16-8E4B-A36B31699D6A}" type="datetimeFigureOut">
               <a:rPr lang="en-US" smtClean="0"/>
-              <a:t>12/20/2012</a:t>
+              <a:t>2/2/2013</a:t>
             </a:fld>
             <a:endParaRPr lang="en-US"/>
           </a:p>
@@ -6985,7 +6986,7 @@
           <a:p>
             <a:fld id="{26EF8D39-A139-4B16-8E4B-A36B31699D6A}" type="datetimeFigureOut">
               <a:rPr lang="en-US" smtClean="0"/>
-              <a:t>12/20/2012</a:t>
+              <a:t>2/2/2013</a:t>
             </a:fld>
             <a:endParaRPr lang="en-US"/>
           </a:p>
@@ -7155,7 +7156,7 @@
           <a:p>
             <a:fld id="{26EF8D39-A139-4B16-8E4B-A36B31699D6A}" type="datetimeFigureOut">
               <a:rPr lang="en-US" smtClean="0"/>
-              <a:t>12/20/2012</a:t>
+              <a:t>2/2/2013</a:t>
             </a:fld>
             <a:endParaRPr lang="en-US"/>
           </a:p>
@@ -7401,7 +7402,7 @@
           <a:p>
             <a:fld id="{26EF8D39-A139-4B16-8E4B-A36B31699D6A}" type="datetimeFigureOut">
               <a:rPr lang="en-US" smtClean="0"/>
-              <a:t>12/20/2012</a:t>
+              <a:t>2/2/2013</a:t>
             </a:fld>
             <a:endParaRPr lang="en-US"/>
           </a:p>
@@ -7689,7 +7690,7 @@
           <a:p>
             <a:fld id="{26EF8D39-A139-4B16-8E4B-A36B31699D6A}" type="datetimeFigureOut">
               <a:rPr lang="en-US" smtClean="0"/>
-              <a:t>12/20/2012</a:t>
+              <a:t>2/2/2013</a:t>
             </a:fld>
             <a:endParaRPr lang="en-US"/>
           </a:p>
@@ -8111,7 +8112,7 @@
           <a:p>
             <a:fld id="{26EF8D39-A139-4B16-8E4B-A36B31699D6A}" type="datetimeFigureOut">
               <a:rPr lang="en-US" smtClean="0"/>
-              <a:t>12/20/2012</a:t>
+              <a:t>2/2/2013</a:t>
             </a:fld>
             <a:endParaRPr lang="en-US"/>
           </a:p>
@@ -8229,7 +8230,7 @@
           <a:p>
             <a:fld id="{26EF8D39-A139-4B16-8E4B-A36B31699D6A}" type="datetimeFigureOut">
               <a:rPr lang="en-US" smtClean="0"/>
-              <a:t>12/20/2012</a:t>
+              <a:t>2/2/2013</a:t>
             </a:fld>
             <a:endParaRPr lang="en-US"/>
           </a:p>
@@ -8324,7 +8325,7 @@
           <a:p>
             <a:fld id="{26EF8D39-A139-4B16-8E4B-A36B31699D6A}" type="datetimeFigureOut">
               <a:rPr lang="en-US" smtClean="0"/>
-              <a:t>12/20/2012</a:t>
+              <a:t>2/2/2013</a:t>
             </a:fld>
             <a:endParaRPr lang="en-US"/>
           </a:p>
@@ -8601,7 +8602,7 @@
           <a:p>
             <a:fld id="{26EF8D39-A139-4B16-8E4B-A36B31699D6A}" type="datetimeFigureOut">
               <a:rPr lang="en-US" smtClean="0"/>
-              <a:t>12/20/2012</a:t>
+              <a:t>2/2/2013</a:t>
             </a:fld>
             <a:endParaRPr lang="en-US"/>
           </a:p>
@@ -8854,7 +8855,7 @@
           <a:p>
             <a:fld id="{26EF8D39-A139-4B16-8E4B-A36B31699D6A}" type="datetimeFigureOut">
               <a:rPr lang="en-US" smtClean="0"/>
-              <a:t>12/20/2012</a:t>
+              <a:t>2/2/2013</a:t>
             </a:fld>
             <a:endParaRPr lang="en-US"/>
           </a:p>
@@ -9082,7 +9083,7 @@
           <a:p>
             <a:fld id="{26EF8D39-A139-4B16-8E4B-A36B31699D6A}" type="datetimeFigureOut">
               <a:rPr lang="en-US" smtClean="0"/>
-              <a:t>12/20/2012</a:t>
+              <a:t>2/2/2013</a:t>
             </a:fld>
             <a:endParaRPr lang="en-US"/>
           </a:p>
@@ -10330,17 +10331,13 @@
           <a:p>
             <a:r>
               <a:rPr lang="en-US" dirty="0" smtClean="0"/>
-              <a:t>Hybrid CPU/GPU libraries</a:t>
-            </a:r>
-          </a:p>
-          <a:p>
+              <a:t>Hybrid CPU/GPU </a:t>
+            </a:r>
+            <a:r>
+              <a:rPr lang="en-US" dirty="0" smtClean="0"/>
+              <a:t>libraries</a:t>
+            </a:r>
             <a:endParaRPr lang="en-US" dirty="0" smtClean="0"/>
-          </a:p>
-          <a:p>
-            <a:r>
-              <a:rPr lang="en-US" dirty="0" smtClean="0"/>
-              <a:t>Attend our talk later for more details!</a:t>
-            </a:r>
           </a:p>
         </p:txBody>
       </p:sp>
@@ -11123,105 +11120,16 @@
           <a:chExt cx="0" cy="0"/>
         </a:xfrm>
       </p:grpSpPr>
-      <p:sp>
-        <p:nvSpPr>
-          <p:cNvPr id="2" name="Title 1"/>
-          <p:cNvSpPr>
-            <a:spLocks noGrp="1"/>
-          </p:cNvSpPr>
-          <p:nvPr>
-            <p:ph type="title"/>
-          </p:nvPr>
-        </p:nvSpPr>
-        <p:spPr/>
-        <p:txBody>
-          <a:bodyPr/>
-          <a:lstStyle/>
-          <a:p>
-            <a:r>
-              <a:rPr lang="en-US" dirty="0" smtClean="0"/>
-              <a:t>CUDA</a:t>
-            </a:r>
-            <a:endParaRPr lang="en-US" dirty="0"/>
-          </a:p>
-        </p:txBody>
-      </p:sp>
-      <p:sp>
-        <p:nvSpPr>
-          <p:cNvPr id="3" name="Content Placeholder 2"/>
-          <p:cNvSpPr>
-            <a:spLocks noGrp="1"/>
-          </p:cNvSpPr>
-          <p:nvPr>
-            <p:ph sz="half" idx="1"/>
-          </p:nvPr>
-        </p:nvSpPr>
-        <p:spPr/>
-        <p:txBody>
-          <a:bodyPr>
-            <a:normAutofit fontScale="92500" lnSpcReduction="10000"/>
-          </a:bodyPr>
-          <a:lstStyle/>
-          <a:p>
-            <a:r>
-              <a:rPr lang="en-US" dirty="0" smtClean="0"/>
-              <a:t>General purpose GPU programming</a:t>
-            </a:r>
-          </a:p>
-          <a:p>
-            <a:pPr lvl="1"/>
-            <a:r>
-              <a:rPr lang="en-US" dirty="0" smtClean="0"/>
-              <a:t>CPU = Host</a:t>
-            </a:r>
-          </a:p>
-          <a:p>
-            <a:pPr lvl="1"/>
-            <a:r>
-              <a:rPr lang="en-US" dirty="0" smtClean="0"/>
-              <a:t>GPU = Device</a:t>
-            </a:r>
-          </a:p>
-          <a:p>
-            <a:endParaRPr lang="en-US" dirty="0" smtClean="0"/>
-          </a:p>
-          <a:p>
-            <a:r>
-              <a:rPr lang="en-US" dirty="0" smtClean="0"/>
-              <a:t>Good for </a:t>
-            </a:r>
-            <a:r>
-              <a:rPr lang="en-US" b="1" dirty="0" smtClean="0"/>
-              <a:t>data parallel </a:t>
-            </a:r>
-            <a:r>
-              <a:rPr lang="en-US" dirty="0" smtClean="0"/>
-              <a:t>algorithms</a:t>
-            </a:r>
-          </a:p>
-          <a:p>
-            <a:endParaRPr lang="en-US" dirty="0"/>
-          </a:p>
-          <a:p>
-            <a:r>
-              <a:rPr lang="en-US" dirty="0" smtClean="0"/>
-              <a:t>Run on Streaming Multiprocessors (SM) in GPU.</a:t>
-            </a:r>
-          </a:p>
-        </p:txBody>
-      </p:sp>
       <p:pic>
         <p:nvPicPr>
-          <p:cNvPr id="5" name="Content Placeholder 4"/>
+          <p:cNvPr id="2" name="Picture 1"/>
           <p:cNvPicPr>
-            <a:picLocks noGrp="1" noChangeAspect="1"/>
+            <a:picLocks noChangeAspect="1"/>
           </p:cNvPicPr>
-          <p:nvPr>
-            <p:ph sz="half" idx="2"/>
-          </p:nvPr>
+          <p:nvPr/>
         </p:nvPicPr>
         <p:blipFill>
-          <a:blip r:embed="rId3">
+          <a:blip r:embed="rId2">
             <a:extLst>
               <a:ext uri="{28A0092B-C50C-407E-A947-70E740481C1C}">
                 <a14:useLocalDpi xmlns:a14="http://schemas.microsoft.com/office/drawing/2010/main" val="0"/>
@@ -11234,71 +11142,24 @@
         </p:blipFill>
         <p:spPr>
           <a:xfrm>
-            <a:off x="5337251" y="1600200"/>
-            <a:ext cx="2660497" cy="4525963"/>
+            <a:off x="2057400" y="838200"/>
+            <a:ext cx="5048250" cy="5048250"/>
           </a:xfrm>
           <a:prstGeom prst="rect">
             <a:avLst/>
           </a:prstGeom>
-          <a:ln>
-            <a:noFill/>
-          </a:ln>
-          <a:effectLst>
-            <a:outerShdw blurRad="292100" dist="139700" dir="2700000" algn="tl" rotWithShape="0">
-              <a:srgbClr val="333333">
-                <a:alpha val="65000"/>
-              </a:srgbClr>
-            </a:outerShdw>
-          </a:effectLst>
         </p:spPr>
       </p:pic>
-      <p:sp>
-        <p:nvSpPr>
-          <p:cNvPr id="6" name="TextBox 5"/>
-          <p:cNvSpPr txBox="1"/>
-          <p:nvPr/>
-        </p:nvSpPr>
-        <p:spPr>
-          <a:xfrm>
-            <a:off x="4495800" y="6107668"/>
-            <a:ext cx="4311565" cy="369332"/>
-          </a:xfrm>
-          <a:prstGeom prst="rect">
-            <a:avLst/>
-          </a:prstGeom>
-          <a:noFill/>
-        </p:spPr>
-        <p:txBody>
-          <a:bodyPr wrap="none" rtlCol="0">
-            <a:spAutoFit/>
-          </a:bodyPr>
-          <a:lstStyle/>
-          <a:p>
-            <a:r>
-              <a:rPr lang="en-US" dirty="0" smtClean="0"/>
-              <a:t>Source: NVIDIA CUDA C Programming Guide</a:t>
-            </a:r>
-            <a:endParaRPr lang="en-US" dirty="0"/>
-          </a:p>
-        </p:txBody>
-      </p:sp>
     </p:spTree>
     <p:extLst>
       <p:ext uri="{BB962C8B-B14F-4D97-AF65-F5344CB8AC3E}">
-        <p14:creationId xmlns:p14="http://schemas.microsoft.com/office/powerpoint/2010/main" val="1918252565"/>
+        <p14:creationId xmlns:p14="http://schemas.microsoft.com/office/powerpoint/2010/main" val="2354865043"/>
       </p:ext>
     </p:extLst>
   </p:cSld>
   <p:clrMapOvr>
     <a:masterClrMapping/>
   </p:clrMapOvr>
-  <p:timing>
-    <p:tnLst>
-      <p:par>
-        <p:cTn id="1" dur="indefinite" restart="never" nodeType="tmRoot"/>
-      </p:par>
-    </p:tnLst>
-  </p:timing>
 </p:sld>
 </file>
 
@@ -11460,7 +11321,7 @@
           <a:p>
             <a:r>
               <a:rPr lang="en-US" dirty="0" smtClean="0"/>
-              <a:t>Setup</a:t>
+              <a:t>CUDA</a:t>
             </a:r>
             <a:endParaRPr lang="en-US" dirty="0"/>
           </a:p>
@@ -11473,120 +11334,139 @@
             <a:spLocks noGrp="1"/>
           </p:cNvSpPr>
           <p:nvPr>
-            <p:ph idx="1"/>
-          </p:nvPr>
-        </p:nvSpPr>
-        <p:spPr/>
-        <p:txBody>
-          <a:bodyPr/>
-          <a:lstStyle/>
-          <a:p>
-            <a:r>
-              <a:rPr lang="en-US" dirty="0" smtClean="0"/>
-              <a:t>Install the CUDA Toolkit</a:t>
+            <p:ph sz="half" idx="1"/>
+          </p:nvPr>
+        </p:nvSpPr>
+        <p:spPr/>
+        <p:txBody>
+          <a:bodyPr>
+            <a:normAutofit fontScale="92500" lnSpcReduction="10000"/>
+          </a:bodyPr>
+          <a:lstStyle/>
+          <a:p>
+            <a:r>
+              <a:rPr lang="en-US" dirty="0" smtClean="0"/>
+              <a:t>General purpose GPU programming</a:t>
             </a:r>
           </a:p>
           <a:p>
             <a:pPr lvl="1"/>
             <a:r>
-              <a:rPr lang="en-US" dirty="0">
-                <a:hlinkClick r:id="rId3"/>
-              </a:rPr>
-              <a:t>https://</a:t>
-            </a:r>
-            <a:r>
-              <a:rPr lang="en-US" dirty="0" smtClean="0">
-                <a:hlinkClick r:id="rId3"/>
-              </a:rPr>
-              <a:t>developer.nvidia.com/cuda-downloads</a:t>
-            </a:r>
+              <a:rPr lang="en-US" dirty="0" smtClean="0"/>
+              <a:t>CPU = Host</a:t>
+            </a:r>
+          </a:p>
+          <a:p>
+            <a:pPr lvl="1"/>
+            <a:r>
+              <a:rPr lang="en-US" dirty="0" smtClean="0"/>
+              <a:t>GPU = Device</a:t>
+            </a:r>
+          </a:p>
+          <a:p>
             <a:endParaRPr lang="en-US" dirty="0" smtClean="0"/>
           </a:p>
           <a:p>
-            <a:endParaRPr lang="en-US" dirty="0" smtClean="0"/>
-          </a:p>
-          <a:p>
-            <a:r>
-              <a:rPr lang="en-US" dirty="0" smtClean="0"/>
-              <a:t>CUDA programs use the </a:t>
-            </a:r>
-            <a:r>
-              <a:rPr lang="en-US" dirty="0" err="1" smtClean="0"/>
-              <a:t>nvcc</a:t>
-            </a:r>
-            <a:r>
-              <a:rPr lang="en-US" dirty="0" smtClean="0"/>
-              <a:t> compiler</a:t>
-            </a:r>
-          </a:p>
-          <a:p>
-            <a:endParaRPr lang="en-US" dirty="0" smtClean="0"/>
-          </a:p>
-          <a:p>
-            <a:r>
-              <a:rPr lang="en-US" dirty="0" smtClean="0"/>
-              <a:t>In Visual Studio, right click project name, then click Build Customizations…, then select the CUDA Toolkit version you installed</a:t>
+            <a:r>
+              <a:rPr lang="en-US" dirty="0" smtClean="0"/>
+              <a:t>Good for </a:t>
+            </a:r>
+            <a:r>
+              <a:rPr lang="en-US" b="1" dirty="0" smtClean="0"/>
+              <a:t>data parallel </a:t>
+            </a:r>
+            <a:r>
+              <a:rPr lang="en-US" dirty="0" smtClean="0"/>
+              <a:t>algorithms</a:t>
             </a:r>
           </a:p>
           <a:p>
             <a:endParaRPr lang="en-US" dirty="0"/>
           </a:p>
-        </p:txBody>
-      </p:sp>
-      <p:sp>
-        <p:nvSpPr>
-          <p:cNvPr id="5" name="Rectangle 4"/>
-          <p:cNvSpPr/>
-          <p:nvPr/>
-        </p:nvSpPr>
+          <a:p>
+            <a:r>
+              <a:rPr lang="en-US" dirty="0" smtClean="0"/>
+              <a:t>Run on Streaming Multiprocessors (SM) in GPU.</a:t>
+            </a:r>
+          </a:p>
+        </p:txBody>
+      </p:sp>
+      <p:pic>
+        <p:nvPicPr>
+          <p:cNvPr id="5" name="Content Placeholder 4"/>
+          <p:cNvPicPr>
+            <a:picLocks noGrp="1" noChangeAspect="1"/>
+          </p:cNvPicPr>
+          <p:nvPr>
+            <p:ph sz="half" idx="2"/>
+          </p:nvPr>
+        </p:nvPicPr>
+        <p:blipFill>
+          <a:blip r:embed="rId3">
+            <a:extLst>
+              <a:ext uri="{28A0092B-C50C-407E-A947-70E740481C1C}">
+                <a14:useLocalDpi xmlns:a14="http://schemas.microsoft.com/office/drawing/2010/main" val="0"/>
+              </a:ext>
+            </a:extLst>
+          </a:blip>
+          <a:stretch>
+            <a:fillRect/>
+          </a:stretch>
+        </p:blipFill>
         <p:spPr>
           <a:xfrm>
-            <a:off x="1295400" y="2209800"/>
-            <a:ext cx="6934200" cy="533400"/>
+            <a:off x="5337251" y="1600200"/>
+            <a:ext cx="2660497" cy="4525963"/>
           </a:xfrm>
           <a:prstGeom prst="rect">
             <a:avLst/>
           </a:prstGeom>
+          <a:ln>
+            <a:noFill/>
+          </a:ln>
+          <a:effectLst>
+            <a:outerShdw blurRad="292100" dist="139700" dir="2700000" algn="tl" rotWithShape="0">
+              <a:srgbClr val="333333">
+                <a:alpha val="65000"/>
+              </a:srgbClr>
+            </a:outerShdw>
+          </a:effectLst>
         </p:spPr>
-        <p:style>
-          <a:lnRef idx="2">
-            <a:schemeClr val="accent1"/>
-          </a:lnRef>
-          <a:fillRef idx="1">
-            <a:schemeClr val="lt1"/>
-          </a:fillRef>
-          <a:effectRef idx="0">
-            <a:schemeClr val="accent1"/>
-          </a:effectRef>
-          <a:fontRef idx="minor">
-            <a:schemeClr val="dk1"/>
-          </a:fontRef>
-        </p:style>
-        <p:txBody>
-          <a:bodyPr rtlCol="0" anchor="ctr"/>
-          <a:lstStyle/>
-          <a:p>
-            <a:pPr marL="0" lvl="1" algn="ctr"/>
-            <a:r>
-              <a:rPr lang="en-US" dirty="0">
-                <a:hlinkClick r:id="rId3"/>
-              </a:rPr>
-              <a:t>https://</a:t>
-            </a:r>
-            <a:r>
-              <a:rPr lang="en-US" sz="2400" dirty="0" smtClean="0">
-                <a:hlinkClick r:id="rId3"/>
-              </a:rPr>
-              <a:t>developer.nvidia.com/cuda-downloads</a:t>
-            </a:r>
-            <a:endParaRPr lang="en-US" sz="2400" dirty="0"/>
+      </p:pic>
+      <p:sp>
+        <p:nvSpPr>
+          <p:cNvPr id="6" name="TextBox 5"/>
+          <p:cNvSpPr txBox="1"/>
+          <p:nvPr/>
+        </p:nvSpPr>
+        <p:spPr>
+          <a:xfrm>
+            <a:off x="4495800" y="6107668"/>
+            <a:ext cx="4311565" cy="369332"/>
+          </a:xfrm>
+          <a:prstGeom prst="rect">
+            <a:avLst/>
+          </a:prstGeom>
+          <a:noFill/>
+        </p:spPr>
+        <p:txBody>
+          <a:bodyPr wrap="none" rtlCol="0">
+            <a:spAutoFit/>
+          </a:bodyPr>
+          <a:lstStyle/>
+          <a:p>
+            <a:r>
+              <a:rPr lang="en-US" dirty="0" smtClean="0"/>
+              <a:t>Source: NVIDIA CUDA C Programming Guide</a:t>
+            </a:r>
+            <a:endParaRPr lang="en-US" dirty="0"/>
           </a:p>
         </p:txBody>
       </p:sp>
     </p:spTree>
     <p:extLst>
       <p:ext uri="{BB962C8B-B14F-4D97-AF65-F5344CB8AC3E}">
-        <p14:creationId xmlns:p14="http://schemas.microsoft.com/office/powerpoint/2010/main" val="2641419754"/>
+        <p14:creationId xmlns:p14="http://schemas.microsoft.com/office/powerpoint/2010/main" val="1918252565"/>
       </p:ext>
     </p:extLst>
   </p:cSld>
@@ -11637,7 +11517,7 @@
           <a:p>
             <a:r>
               <a:rPr lang="en-US" dirty="0" smtClean="0"/>
-              <a:t>Kernels</a:t>
+              <a:t>Setup</a:t>
             </a:r>
             <a:endParaRPr lang="en-US" dirty="0"/>
           </a:p>
@@ -11645,7 +11525,7 @@
       </p:sp>
       <p:sp>
         <p:nvSpPr>
-          <p:cNvPr id="5" name="Content Placeholder 4"/>
+          <p:cNvPr id="3" name="Content Placeholder 2"/>
           <p:cNvSpPr>
             <a:spLocks noGrp="1"/>
           </p:cNvSpPr>
@@ -11655,80 +11535,115 @@
         </p:nvSpPr>
         <p:spPr/>
         <p:txBody>
-          <a:bodyPr>
-            <a:normAutofit fontScale="92500"/>
-          </a:bodyPr>
-          <a:lstStyle/>
-          <a:p>
-            <a:r>
-              <a:rPr lang="en-US" dirty="0" smtClean="0"/>
-              <a:t>Execute on device (GPU), called from the host (CPU):</a:t>
-            </a:r>
-          </a:p>
-          <a:p>
+          <a:bodyPr/>
+          <a:lstStyle/>
+          <a:p>
+            <a:r>
+              <a:rPr lang="en-US" dirty="0" smtClean="0"/>
+              <a:t>Install the CUDA Toolkit</a:t>
+            </a:r>
+          </a:p>
+          <a:p>
+            <a:pPr lvl="1"/>
+            <a:r>
+              <a:rPr lang="en-US" dirty="0">
+                <a:hlinkClick r:id="rId3"/>
+              </a:rPr>
+              <a:t>https://</a:t>
+            </a:r>
+            <a:r>
+              <a:rPr lang="en-US" dirty="0" smtClean="0">
+                <a:hlinkClick r:id="rId3"/>
+              </a:rPr>
+              <a:t>developer.nvidia.com/cuda-downloads</a:t>
+            </a:r>
             <a:endParaRPr lang="en-US" dirty="0" smtClean="0"/>
           </a:p>
           <a:p>
-            <a:r>
-              <a:rPr lang="en-US" dirty="0" smtClean="0"/>
-              <a:t>Declaration:</a:t>
-            </a:r>
-          </a:p>
-          <a:p>
-            <a:pPr marL="0" indent="0">
-              <a:buNone/>
-            </a:pPr>
-            <a:r>
-              <a:rPr lang="en-US" dirty="0" smtClean="0"/>
-              <a:t>__global__ void </a:t>
+            <a:endParaRPr lang="en-US" dirty="0" smtClean="0"/>
+          </a:p>
+          <a:p>
+            <a:r>
+              <a:rPr lang="en-US" dirty="0" smtClean="0"/>
+              <a:t>CUDA programs use the </a:t>
             </a:r>
             <a:r>
               <a:rPr lang="en-US" dirty="0" err="1" smtClean="0"/>
-              <a:t>device_func</a:t>
-            </a:r>
-            <a:r>
-              <a:rPr lang="en-US" dirty="0" smtClean="0"/>
-              <a:t>(…) {…}</a:t>
-            </a:r>
-          </a:p>
-          <a:p>
-            <a:pPr lvl="1"/>
+              <a:t>nvcc</a:t>
+            </a:r>
+            <a:r>
+              <a:rPr lang="en-US" dirty="0" smtClean="0"/>
+              <a:t> compiler</a:t>
+            </a:r>
+          </a:p>
+          <a:p>
+            <a:endParaRPr lang="en-US" dirty="0" smtClean="0"/>
+          </a:p>
+          <a:p>
+            <a:r>
+              <a:rPr lang="en-US" dirty="0" smtClean="0"/>
+              <a:t>In Visual Studio, right click project name, then click Build Customizations…, then select the CUDA Toolkit version you installed</a:t>
+            </a:r>
+          </a:p>
+          <a:p>
             <a:endParaRPr lang="en-US" dirty="0"/>
           </a:p>
-          <a:p>
-            <a:r>
-              <a:rPr lang="en-US" dirty="0" smtClean="0"/>
-              <a:t>Call:</a:t>
-            </a:r>
-          </a:p>
-          <a:p>
-            <a:pPr marL="0" indent="0">
-              <a:buNone/>
-            </a:pPr>
-            <a:r>
-              <a:rPr lang="en-US" dirty="0" err="1" smtClean="0"/>
-              <a:t>device_func</a:t>
-            </a:r>
-            <a:r>
-              <a:rPr lang="en-US" dirty="0" smtClean="0"/>
-              <a:t> &lt;&lt;&lt; </a:t>
-            </a:r>
-            <a:r>
-              <a:rPr lang="en-US" dirty="0" err="1" smtClean="0"/>
-              <a:t>threads_per_block</a:t>
-            </a:r>
-            <a:r>
-              <a:rPr lang="en-US" dirty="0" smtClean="0"/>
-              <a:t>, blocks &gt;&gt;&gt; (…);</a:t>
-            </a:r>
-            <a:endParaRPr lang="en-US" dirty="0"/>
+        </p:txBody>
+      </p:sp>
+      <p:sp>
+        <p:nvSpPr>
+          <p:cNvPr id="5" name="Rectangle 4"/>
+          <p:cNvSpPr/>
+          <p:nvPr/>
+        </p:nvSpPr>
+        <p:spPr>
+          <a:xfrm>
+            <a:off x="1295400" y="2209800"/>
+            <a:ext cx="6934200" cy="533400"/>
+          </a:xfrm>
+          <a:prstGeom prst="rect">
+            <a:avLst/>
+          </a:prstGeom>
+        </p:spPr>
+        <p:style>
+          <a:lnRef idx="2">
+            <a:schemeClr val="accent1"/>
+          </a:lnRef>
+          <a:fillRef idx="1">
+            <a:schemeClr val="lt1"/>
+          </a:fillRef>
+          <a:effectRef idx="0">
+            <a:schemeClr val="accent1"/>
+          </a:effectRef>
+          <a:fontRef idx="minor">
+            <a:schemeClr val="dk1"/>
+          </a:fontRef>
+        </p:style>
+        <p:txBody>
+          <a:bodyPr rtlCol="0" anchor="ctr"/>
+          <a:lstStyle/>
+          <a:p>
+            <a:pPr marL="0" lvl="1" algn="ctr"/>
+            <a:r>
+              <a:rPr lang="en-US" dirty="0">
+                <a:hlinkClick r:id="rId3"/>
+              </a:rPr>
+              <a:t>https://</a:t>
+            </a:r>
+            <a:r>
+              <a:rPr lang="en-US" sz="2400" dirty="0" smtClean="0">
+                <a:hlinkClick r:id="rId3"/>
+              </a:rPr>
+              <a:t>developer.nvidia.com/cuda-downloads</a:t>
+            </a:r>
+            <a:endParaRPr lang="en-US" sz="2400" dirty="0"/>
           </a:p>
         </p:txBody>
       </p:sp>
     </p:spTree>
     <p:extLst>
       <p:ext uri="{BB962C8B-B14F-4D97-AF65-F5344CB8AC3E}">
-        <p14:creationId xmlns:p14="http://schemas.microsoft.com/office/powerpoint/2010/main" val="2943044964"/>
+        <p14:creationId xmlns:p14="http://schemas.microsoft.com/office/powerpoint/2010/main" val="2641419754"/>
       </p:ext>
     </p:extLst>
   </p:cSld>
@@ -11779,7 +11694,7 @@
           <a:p>
             <a:r>
               <a:rPr lang="en-US" dirty="0" smtClean="0"/>
-              <a:t>Kernels Example</a:t>
+              <a:t>Kernels</a:t>
             </a:r>
             <a:endParaRPr lang="en-US" dirty="0"/>
           </a:p>
@@ -11787,383 +11702,90 @@
       </p:sp>
       <p:sp>
         <p:nvSpPr>
-          <p:cNvPr id="4" name="Content Placeholder 3"/>
-          <p:cNvSpPr>
-            <a:spLocks noGrp="1"/>
-          </p:cNvSpPr>
-          <p:nvPr>
-            <p:ph sz="half" idx="1"/>
+          <p:cNvPr id="5" name="Content Placeholder 4"/>
+          <p:cNvSpPr>
+            <a:spLocks noGrp="1"/>
+          </p:cNvSpPr>
+          <p:nvPr>
+            <p:ph idx="1"/>
           </p:nvPr>
         </p:nvSpPr>
         <p:spPr/>
         <p:txBody>
           <a:bodyPr>
-            <a:normAutofit fontScale="70000" lnSpcReduction="20000"/>
+            <a:normAutofit fontScale="92500"/>
           </a:bodyPr>
           <a:lstStyle/>
           <a:p>
             <a:r>
               <a:rPr lang="en-US" dirty="0" smtClean="0"/>
-              <a:t>C++	</a:t>
-            </a:r>
+              <a:t>Execute on device (GPU), called from the host (CPU):</a:t>
+            </a:r>
+          </a:p>
+          <a:p>
+            <a:endParaRPr lang="en-US" dirty="0" smtClean="0"/>
+          </a:p>
+          <a:p>
+            <a:r>
+              <a:rPr lang="en-US" dirty="0" smtClean="0"/>
+              <a:t>Declaration:</a:t>
+            </a:r>
+          </a:p>
+          <a:p>
+            <a:pPr marL="0" indent="0">
+              <a:buNone/>
+            </a:pPr>
+            <a:r>
+              <a:rPr lang="en-US" dirty="0" smtClean="0"/>
+              <a:t>__global__ void </a:t>
+            </a:r>
+            <a:r>
+              <a:rPr lang="en-US" dirty="0" err="1" smtClean="0"/>
+              <a:t>device_func</a:t>
+            </a:r>
+            <a:r>
+              <a:rPr lang="en-US" dirty="0" smtClean="0"/>
+              <a:t>(…) {…}</a:t>
+            </a:r>
+          </a:p>
+          <a:p>
+            <a:pPr lvl="1"/>
             <a:endParaRPr lang="en-US" dirty="0"/>
           </a:p>
           <a:p>
+            <a:r>
+              <a:rPr lang="en-US" dirty="0" smtClean="0"/>
+              <a:t>Call:</a:t>
+            </a:r>
+          </a:p>
+          <a:p>
             <a:pPr marL="0" indent="0">
               <a:buNone/>
             </a:pPr>
-            <a:endParaRPr lang="en-US" dirty="0" smtClean="0"/>
-          </a:p>
-          <a:p>
-            <a:pPr marL="0" indent="0">
-              <a:buNone/>
-            </a:pPr>
-            <a:r>
-              <a:rPr lang="en-US" dirty="0" smtClean="0"/>
-              <a:t>call:</a:t>
-            </a:r>
-          </a:p>
-          <a:p>
-            <a:pPr marL="0" indent="0">
-              <a:buNone/>
-            </a:pPr>
-            <a:r>
-              <a:rPr lang="en-US" dirty="0" smtClean="0"/>
-              <a:t>for (</a:t>
-            </a:r>
             <a:r>
               <a:rPr lang="en-US" dirty="0" err="1" smtClean="0"/>
-              <a:t>int</a:t>
-            </a:r>
-            <a:r>
-              <a:rPr lang="en-US" dirty="0" smtClean="0"/>
-              <a:t> </a:t>
+              <a:t>device_func</a:t>
+            </a:r>
+            <a:r>
+              <a:rPr lang="en-US" dirty="0" smtClean="0"/>
+              <a:t> &lt;&lt;&lt; </a:t>
             </a:r>
             <a:r>
               <a:rPr lang="en-US" dirty="0" err="1" smtClean="0"/>
-              <a:t>i</a:t>
-            </a:r>
-            <a:r>
-              <a:rPr lang="en-US" dirty="0" smtClean="0"/>
-              <a:t> = 0; </a:t>
-            </a:r>
-            <a:r>
-              <a:rPr lang="en-US" dirty="0" err="1" smtClean="0"/>
-              <a:t>i</a:t>
-            </a:r>
-            <a:r>
-              <a:rPr lang="en-US" dirty="0" smtClean="0"/>
-              <a:t> &lt; n; </a:t>
-            </a:r>
-            <a:r>
-              <a:rPr lang="en-US" dirty="0" err="1" smtClean="0"/>
-              <a:t>i</a:t>
-            </a:r>
-            <a:r>
-              <a:rPr lang="en-US" dirty="0" smtClean="0"/>
-              <a:t>++) {</a:t>
-            </a:r>
-          </a:p>
-          <a:p>
-            <a:pPr marL="0" indent="0">
-              <a:buNone/>
-            </a:pPr>
-            <a:r>
-              <a:rPr lang="en-US" dirty="0" smtClean="0"/>
-              <a:t>    a[</a:t>
-            </a:r>
-            <a:r>
-              <a:rPr lang="en-US" dirty="0" err="1" smtClean="0"/>
-              <a:t>i</a:t>
-            </a:r>
-            <a:r>
-              <a:rPr lang="en-US" dirty="0" smtClean="0"/>
-              <a:t>] = b[</a:t>
-            </a:r>
-            <a:r>
-              <a:rPr lang="en-US" dirty="0" err="1" smtClean="0"/>
-              <a:t>i</a:t>
-            </a:r>
-            <a:r>
-              <a:rPr lang="en-US" dirty="0" smtClean="0"/>
-              <a:t>] + c[</a:t>
-            </a:r>
-            <a:r>
-              <a:rPr lang="en-US" dirty="0" err="1" smtClean="0"/>
-              <a:t>i</a:t>
-            </a:r>
-            <a:r>
-              <a:rPr lang="en-US" dirty="0" smtClean="0"/>
-              <a:t>];</a:t>
-            </a:r>
-          </a:p>
-          <a:p>
-            <a:pPr marL="0" indent="0">
-              <a:buNone/>
-            </a:pPr>
-            <a:r>
-              <a:rPr lang="en-US" dirty="0"/>
-              <a:t>}</a:t>
-            </a:r>
-          </a:p>
-        </p:txBody>
-      </p:sp>
-      <p:sp>
-        <p:nvSpPr>
-          <p:cNvPr id="5" name="Content Placeholder 4"/>
-          <p:cNvSpPr>
-            <a:spLocks noGrp="1"/>
-          </p:cNvSpPr>
-          <p:nvPr>
-            <p:ph sz="half" idx="2"/>
-          </p:nvPr>
-        </p:nvSpPr>
-        <p:spPr>
-          <a:xfrm>
-            <a:off x="4648200" y="1600200"/>
-            <a:ext cx="4038600" cy="4876800"/>
-          </a:xfrm>
-        </p:spPr>
-        <p:txBody>
-          <a:bodyPr>
-            <a:normAutofit fontScale="70000" lnSpcReduction="20000"/>
-          </a:bodyPr>
-          <a:lstStyle/>
-          <a:p>
-            <a:r>
-              <a:rPr lang="en-US" dirty="0" smtClean="0"/>
-              <a:t>CUDA</a:t>
-            </a:r>
-          </a:p>
-          <a:p>
-            <a:pPr marL="0" indent="0">
-              <a:buNone/>
-            </a:pPr>
-            <a:endParaRPr lang="en-US" dirty="0" smtClean="0"/>
-          </a:p>
-          <a:p>
-            <a:pPr marL="0" indent="0">
-              <a:buNone/>
-            </a:pPr>
-            <a:r>
-              <a:rPr lang="en-US" dirty="0" smtClean="0"/>
-              <a:t>definition:</a:t>
-            </a:r>
-          </a:p>
-          <a:p>
-            <a:pPr marL="0" indent="0">
-              <a:buNone/>
-            </a:pPr>
-            <a:r>
-              <a:rPr lang="en-US" dirty="0" smtClean="0"/>
-              <a:t>__global__</a:t>
-            </a:r>
-          </a:p>
-          <a:p>
-            <a:pPr marL="0" indent="0">
-              <a:buNone/>
-            </a:pPr>
-            <a:r>
-              <a:rPr lang="en-US" dirty="0" smtClean="0"/>
-              <a:t>void sum(</a:t>
-            </a:r>
-            <a:r>
-              <a:rPr lang="en-US" dirty="0" err="1" smtClean="0"/>
-              <a:t>int</a:t>
-            </a:r>
-            <a:r>
-              <a:rPr lang="en-US" dirty="0" smtClean="0"/>
-              <a:t> n, </a:t>
-            </a:r>
-            <a:r>
-              <a:rPr lang="en-US" dirty="0" err="1" smtClean="0"/>
-              <a:t>int</a:t>
-            </a:r>
-            <a:r>
-              <a:rPr lang="en-US" dirty="0" smtClean="0"/>
-              <a:t> *a, </a:t>
-            </a:r>
-            <a:r>
-              <a:rPr lang="en-US" dirty="0" err="1" smtClean="0"/>
-              <a:t>int</a:t>
-            </a:r>
-            <a:r>
-              <a:rPr lang="en-US" dirty="0" smtClean="0"/>
-              <a:t>*b, </a:t>
-            </a:r>
-            <a:r>
-              <a:rPr lang="en-US" dirty="0" err="1" smtClean="0"/>
-              <a:t>int</a:t>
-            </a:r>
-            <a:r>
-              <a:rPr lang="en-US" dirty="0" smtClean="0"/>
-              <a:t> *c) {</a:t>
-            </a:r>
-          </a:p>
-          <a:p>
-            <a:pPr marL="0" indent="0">
-              <a:buNone/>
-            </a:pPr>
-            <a:r>
-              <a:rPr lang="en-US" dirty="0" smtClean="0"/>
-              <a:t>    </a:t>
-            </a:r>
-            <a:r>
-              <a:rPr lang="en-US" dirty="0" err="1" smtClean="0"/>
-              <a:t>int</a:t>
-            </a:r>
-            <a:r>
-              <a:rPr lang="en-US" dirty="0" smtClean="0"/>
-              <a:t> </a:t>
-            </a:r>
-            <a:r>
-              <a:rPr lang="en-US" dirty="0" err="1" smtClean="0"/>
-              <a:t>i</a:t>
-            </a:r>
-            <a:r>
-              <a:rPr lang="en-US" dirty="0" smtClean="0"/>
-              <a:t> = </a:t>
-            </a:r>
-            <a:r>
-              <a:rPr lang="en-US" dirty="0" err="1" smtClean="0"/>
-              <a:t>blockID.x</a:t>
-            </a:r>
-            <a:r>
-              <a:rPr lang="en-US" dirty="0" smtClean="0"/>
-              <a:t> * </a:t>
-            </a:r>
-            <a:r>
-              <a:rPr lang="en-US" dirty="0" err="1" smtClean="0"/>
-              <a:t>blockDim.x</a:t>
-            </a:r>
-            <a:r>
-              <a:rPr lang="en-US" dirty="0" smtClean="0"/>
-              <a:t> + </a:t>
-            </a:r>
-            <a:r>
-              <a:rPr lang="en-US" dirty="0" err="1" smtClean="0"/>
-              <a:t>threadID.x</a:t>
-            </a:r>
-            <a:r>
-              <a:rPr lang="en-US" dirty="0" smtClean="0"/>
-              <a:t>;</a:t>
-            </a:r>
-          </a:p>
-          <a:p>
-            <a:pPr marL="0" indent="0">
-              <a:buNone/>
-            </a:pPr>
-            <a:r>
-              <a:rPr lang="en-US" dirty="0"/>
-              <a:t> </a:t>
-            </a:r>
-            <a:r>
-              <a:rPr lang="en-US" dirty="0" smtClean="0"/>
-              <a:t>   if (</a:t>
-            </a:r>
-            <a:r>
-              <a:rPr lang="en-US" dirty="0" err="1" smtClean="0"/>
-              <a:t>i</a:t>
-            </a:r>
-            <a:r>
-              <a:rPr lang="en-US" dirty="0" smtClean="0"/>
-              <a:t> &lt; n)</a:t>
-            </a:r>
-          </a:p>
-          <a:p>
-            <a:pPr marL="0" indent="0">
-              <a:buNone/>
-            </a:pPr>
-            <a:r>
-              <a:rPr lang="en-US" dirty="0" smtClean="0"/>
-              <a:t>        a[</a:t>
-            </a:r>
-            <a:r>
-              <a:rPr lang="en-US" dirty="0" err="1" smtClean="0"/>
-              <a:t>i</a:t>
-            </a:r>
-            <a:r>
-              <a:rPr lang="en-US" dirty="0" smtClean="0"/>
-              <a:t>] = b[</a:t>
-            </a:r>
-            <a:r>
-              <a:rPr lang="en-US" dirty="0" err="1" smtClean="0"/>
-              <a:t>i</a:t>
-            </a:r>
-            <a:r>
-              <a:rPr lang="en-US" dirty="0" smtClean="0"/>
-              <a:t>] + c[</a:t>
-            </a:r>
-            <a:r>
-              <a:rPr lang="en-US" dirty="0" err="1" smtClean="0"/>
-              <a:t>i</a:t>
-            </a:r>
-            <a:r>
-              <a:rPr lang="en-US" dirty="0" smtClean="0"/>
-              <a:t>];</a:t>
-            </a:r>
-          </a:p>
-          <a:p>
-            <a:pPr marL="0" indent="0">
-              <a:buNone/>
-            </a:pPr>
-            <a:r>
-              <a:rPr lang="en-US" dirty="0" smtClean="0"/>
-              <a:t>}</a:t>
-            </a:r>
-          </a:p>
-          <a:p>
-            <a:pPr marL="0" indent="0">
-              <a:buNone/>
-            </a:pPr>
+              <a:t>threads_per_block</a:t>
+            </a:r>
+            <a:r>
+              <a:rPr lang="en-US" dirty="0" smtClean="0"/>
+              <a:t>, blocks &gt;&gt;&gt; (…);</a:t>
+            </a:r>
             <a:endParaRPr lang="en-US" dirty="0"/>
-          </a:p>
-          <a:p>
-            <a:pPr marL="0" indent="0">
-              <a:buNone/>
-            </a:pPr>
-            <a:r>
-              <a:rPr lang="en-US" dirty="0" smtClean="0"/>
-              <a:t>call:</a:t>
-            </a:r>
-          </a:p>
-          <a:p>
-            <a:pPr marL="0" indent="0">
-              <a:buNone/>
-            </a:pPr>
-            <a:r>
-              <a:rPr lang="en-US" dirty="0" smtClean="0"/>
-              <a:t>sum&lt;&lt;&lt; blocks, threads&gt;&gt;&gt;</a:t>
-            </a:r>
-          </a:p>
-          <a:p>
-            <a:pPr marL="0" indent="0">
-              <a:buNone/>
-            </a:pPr>
-            <a:r>
-              <a:rPr lang="en-US" dirty="0" smtClean="0"/>
-              <a:t>    (n, a, b, c);</a:t>
-            </a:r>
-          </a:p>
-          <a:p>
-            <a:pPr marL="0" indent="0">
-              <a:buNone/>
-            </a:pPr>
-            <a:r>
-              <a:rPr lang="en-US" dirty="0" err="1"/>
-              <a:t>cudaThreadSynchronize</a:t>
-            </a:r>
-            <a:r>
-              <a:rPr lang="en-US" dirty="0" smtClean="0"/>
-              <a:t>();</a:t>
-            </a:r>
           </a:p>
         </p:txBody>
       </p:sp>
     </p:spTree>
     <p:extLst>
       <p:ext uri="{BB962C8B-B14F-4D97-AF65-F5344CB8AC3E}">
-        <p14:creationId xmlns:p14="http://schemas.microsoft.com/office/powerpoint/2010/main" val="3183536881"/>
+        <p14:creationId xmlns:p14="http://schemas.microsoft.com/office/powerpoint/2010/main" val="2943044964"/>
       </p:ext>
     </p:extLst>
   </p:cSld>
@@ -12214,7 +11836,7 @@
           <a:p>
             <a:r>
               <a:rPr lang="en-US" dirty="0" smtClean="0"/>
-              <a:t>Threads and Blocks</a:t>
+              <a:t>Kernels Example</a:t>
             </a:r>
             <a:endParaRPr lang="en-US" dirty="0"/>
           </a:p>
@@ -12222,50 +11844,383 @@
       </p:sp>
       <p:sp>
         <p:nvSpPr>
-          <p:cNvPr id="3" name="Content Placeholder 2"/>
-          <p:cNvSpPr>
-            <a:spLocks noGrp="1"/>
-          </p:cNvSpPr>
-          <p:nvPr>
-            <p:ph idx="1"/>
-          </p:nvPr>
-        </p:nvSpPr>
-        <p:spPr/>
-        <p:txBody>
-          <a:bodyPr/>
-          <a:lstStyle/>
-          <a:p>
-            <a:r>
-              <a:rPr lang="en-US" dirty="0" smtClean="0"/>
-              <a:t>Multiple threads are grouped into blocks of fixed size.</a:t>
-            </a:r>
-          </a:p>
-          <a:p>
+          <p:cNvPr id="4" name="Content Placeholder 3"/>
+          <p:cNvSpPr>
+            <a:spLocks noGrp="1"/>
+          </p:cNvSpPr>
+          <p:nvPr>
+            <p:ph sz="half" idx="1"/>
+          </p:nvPr>
+        </p:nvSpPr>
+        <p:spPr/>
+        <p:txBody>
+          <a:bodyPr>
+            <a:normAutofit fontScale="70000" lnSpcReduction="20000"/>
+          </a:bodyPr>
+          <a:lstStyle/>
+          <a:p>
+            <a:r>
+              <a:rPr lang="en-US" dirty="0" smtClean="0"/>
+              <a:t>C++	</a:t>
+            </a:r>
             <a:endParaRPr lang="en-US" dirty="0"/>
           </a:p>
           <a:p>
-            <a:r>
-              <a:rPr lang="en-US" dirty="0" smtClean="0"/>
-              <a:t>Blocks are assigned to one SM each.</a:t>
-            </a:r>
+            <a:pPr marL="0" indent="0">
+              <a:buNone/>
+            </a:pPr>
+            <a:endParaRPr lang="en-US" dirty="0" smtClean="0"/>
+          </a:p>
+          <a:p>
+            <a:pPr marL="0" indent="0">
+              <a:buNone/>
+            </a:pPr>
+            <a:r>
+              <a:rPr lang="en-US" dirty="0" smtClean="0"/>
+              <a:t>call:</a:t>
+            </a:r>
+          </a:p>
+          <a:p>
+            <a:pPr marL="0" indent="0">
+              <a:buNone/>
+            </a:pPr>
+            <a:r>
+              <a:rPr lang="en-US" dirty="0" smtClean="0"/>
+              <a:t>for (</a:t>
+            </a:r>
+            <a:r>
+              <a:rPr lang="en-US" dirty="0" err="1" smtClean="0"/>
+              <a:t>int</a:t>
+            </a:r>
+            <a:r>
+              <a:rPr lang="en-US" dirty="0" smtClean="0"/>
+              <a:t> </a:t>
+            </a:r>
+            <a:r>
+              <a:rPr lang="en-US" dirty="0" err="1" smtClean="0"/>
+              <a:t>i</a:t>
+            </a:r>
+            <a:r>
+              <a:rPr lang="en-US" dirty="0" smtClean="0"/>
+              <a:t> = 0; </a:t>
+            </a:r>
+            <a:r>
+              <a:rPr lang="en-US" dirty="0" err="1" smtClean="0"/>
+              <a:t>i</a:t>
+            </a:r>
+            <a:r>
+              <a:rPr lang="en-US" dirty="0" smtClean="0"/>
+              <a:t> &lt; n; </a:t>
+            </a:r>
+            <a:r>
+              <a:rPr lang="en-US" dirty="0" err="1" smtClean="0"/>
+              <a:t>i</a:t>
+            </a:r>
+            <a:r>
+              <a:rPr lang="en-US" dirty="0" smtClean="0"/>
+              <a:t>++) {</a:t>
+            </a:r>
+          </a:p>
+          <a:p>
+            <a:pPr marL="0" indent="0">
+              <a:buNone/>
+            </a:pPr>
+            <a:r>
+              <a:rPr lang="en-US" dirty="0" smtClean="0"/>
+              <a:t>    a[</a:t>
+            </a:r>
+            <a:r>
+              <a:rPr lang="en-US" dirty="0" err="1" smtClean="0"/>
+              <a:t>i</a:t>
+            </a:r>
+            <a:r>
+              <a:rPr lang="en-US" dirty="0" smtClean="0"/>
+              <a:t>] = b[</a:t>
+            </a:r>
+            <a:r>
+              <a:rPr lang="en-US" dirty="0" err="1" smtClean="0"/>
+              <a:t>i</a:t>
+            </a:r>
+            <a:r>
+              <a:rPr lang="en-US" dirty="0" smtClean="0"/>
+              <a:t>] + c[</a:t>
+            </a:r>
+            <a:r>
+              <a:rPr lang="en-US" dirty="0" err="1" smtClean="0"/>
+              <a:t>i</a:t>
+            </a:r>
+            <a:r>
+              <a:rPr lang="en-US" dirty="0" smtClean="0"/>
+              <a:t>];</a:t>
+            </a:r>
+          </a:p>
+          <a:p>
+            <a:pPr marL="0" indent="0">
+              <a:buNone/>
+            </a:pPr>
+            <a:r>
+              <a:rPr lang="en-US" dirty="0"/>
+              <a:t>}</a:t>
+            </a:r>
+          </a:p>
+        </p:txBody>
+      </p:sp>
+      <p:sp>
+        <p:nvSpPr>
+          <p:cNvPr id="5" name="Content Placeholder 4"/>
+          <p:cNvSpPr>
+            <a:spLocks noGrp="1"/>
+          </p:cNvSpPr>
+          <p:nvPr>
+            <p:ph sz="half" idx="2"/>
+          </p:nvPr>
+        </p:nvSpPr>
+        <p:spPr>
+          <a:xfrm>
+            <a:off x="4648200" y="1600200"/>
+            <a:ext cx="4038600" cy="4876800"/>
+          </a:xfrm>
+        </p:spPr>
+        <p:txBody>
+          <a:bodyPr>
+            <a:normAutofit fontScale="70000" lnSpcReduction="20000"/>
+          </a:bodyPr>
+          <a:lstStyle/>
+          <a:p>
+            <a:r>
+              <a:rPr lang="en-US" dirty="0" smtClean="0"/>
+              <a:t>CUDA</a:t>
+            </a:r>
+          </a:p>
+          <a:p>
+            <a:pPr marL="0" indent="0">
+              <a:buNone/>
+            </a:pPr>
+            <a:endParaRPr lang="en-US" dirty="0" smtClean="0"/>
+          </a:p>
+          <a:p>
+            <a:pPr marL="0" indent="0">
+              <a:buNone/>
+            </a:pPr>
+            <a:r>
+              <a:rPr lang="en-US" dirty="0" smtClean="0"/>
+              <a:t>definition:</a:t>
+            </a:r>
+          </a:p>
+          <a:p>
+            <a:pPr marL="0" indent="0">
+              <a:buNone/>
+            </a:pPr>
+            <a:r>
+              <a:rPr lang="en-US" dirty="0" smtClean="0"/>
+              <a:t>__global__</a:t>
+            </a:r>
+          </a:p>
+          <a:p>
+            <a:pPr marL="0" indent="0">
+              <a:buNone/>
+            </a:pPr>
+            <a:r>
+              <a:rPr lang="en-US" dirty="0" smtClean="0"/>
+              <a:t>void sum(</a:t>
+            </a:r>
+            <a:r>
+              <a:rPr lang="en-US" dirty="0" err="1" smtClean="0"/>
+              <a:t>int</a:t>
+            </a:r>
+            <a:r>
+              <a:rPr lang="en-US" dirty="0" smtClean="0"/>
+              <a:t> n, </a:t>
+            </a:r>
+            <a:r>
+              <a:rPr lang="en-US" dirty="0" err="1" smtClean="0"/>
+              <a:t>int</a:t>
+            </a:r>
+            <a:r>
+              <a:rPr lang="en-US" dirty="0" smtClean="0"/>
+              <a:t> *a, </a:t>
+            </a:r>
+            <a:r>
+              <a:rPr lang="en-US" dirty="0" err="1" smtClean="0"/>
+              <a:t>int</a:t>
+            </a:r>
+            <a:r>
+              <a:rPr lang="en-US" dirty="0" smtClean="0"/>
+              <a:t>*b, </a:t>
+            </a:r>
+            <a:r>
+              <a:rPr lang="en-US" dirty="0" err="1" smtClean="0"/>
+              <a:t>int</a:t>
+            </a:r>
+            <a:r>
+              <a:rPr lang="en-US" dirty="0" smtClean="0"/>
+              <a:t> *c) {</a:t>
+            </a:r>
+          </a:p>
+          <a:p>
+            <a:pPr marL="0" indent="0">
+              <a:buNone/>
+            </a:pPr>
+            <a:r>
+              <a:rPr lang="en-US" dirty="0" smtClean="0"/>
+              <a:t>    </a:t>
+            </a:r>
+            <a:r>
+              <a:rPr lang="en-US" dirty="0" err="1" smtClean="0"/>
+              <a:t>int</a:t>
+            </a:r>
+            <a:r>
+              <a:rPr lang="en-US" dirty="0" smtClean="0"/>
+              <a:t> </a:t>
+            </a:r>
+            <a:r>
+              <a:rPr lang="en-US" dirty="0" err="1" smtClean="0"/>
+              <a:t>i</a:t>
+            </a:r>
+            <a:r>
+              <a:rPr lang="en-US" dirty="0" smtClean="0"/>
+              <a:t> = </a:t>
+            </a:r>
+            <a:r>
+              <a:rPr lang="en-US" dirty="0" err="1" smtClean="0"/>
+              <a:t>blockID.x</a:t>
+            </a:r>
+            <a:r>
+              <a:rPr lang="en-US" dirty="0" smtClean="0"/>
+              <a:t> * </a:t>
+            </a:r>
+            <a:r>
+              <a:rPr lang="en-US" dirty="0" err="1" smtClean="0"/>
+              <a:t>blockDim.x</a:t>
+            </a:r>
+            <a:r>
+              <a:rPr lang="en-US" dirty="0" smtClean="0"/>
+              <a:t> + </a:t>
+            </a:r>
+            <a:r>
+              <a:rPr lang="en-US" dirty="0" err="1" smtClean="0"/>
+              <a:t>threadID.x</a:t>
+            </a:r>
+            <a:r>
+              <a:rPr lang="en-US" dirty="0" smtClean="0"/>
+              <a:t>;</a:t>
+            </a:r>
+          </a:p>
+          <a:p>
+            <a:pPr marL="0" indent="0">
+              <a:buNone/>
+            </a:pPr>
+            <a:r>
+              <a:rPr lang="en-US" dirty="0"/>
+              <a:t> </a:t>
+            </a:r>
+            <a:r>
+              <a:rPr lang="en-US" dirty="0" smtClean="0"/>
+              <a:t>   if (</a:t>
+            </a:r>
+            <a:r>
+              <a:rPr lang="en-US" dirty="0" err="1" smtClean="0"/>
+              <a:t>i</a:t>
+            </a:r>
+            <a:r>
+              <a:rPr lang="en-US" dirty="0" smtClean="0"/>
+              <a:t> &lt; n)</a:t>
+            </a:r>
+          </a:p>
+          <a:p>
+            <a:pPr marL="0" indent="0">
+              <a:buNone/>
+            </a:pPr>
+            <a:r>
+              <a:rPr lang="en-US" dirty="0" smtClean="0"/>
+              <a:t>        a[</a:t>
+            </a:r>
+            <a:r>
+              <a:rPr lang="en-US" dirty="0" err="1" smtClean="0"/>
+              <a:t>i</a:t>
+            </a:r>
+            <a:r>
+              <a:rPr lang="en-US" dirty="0" smtClean="0"/>
+              <a:t>] = b[</a:t>
+            </a:r>
+            <a:r>
+              <a:rPr lang="en-US" dirty="0" err="1" smtClean="0"/>
+              <a:t>i</a:t>
+            </a:r>
+            <a:r>
+              <a:rPr lang="en-US" dirty="0" smtClean="0"/>
+              <a:t>] + c[</a:t>
+            </a:r>
+            <a:r>
+              <a:rPr lang="en-US" dirty="0" err="1" smtClean="0"/>
+              <a:t>i</a:t>
+            </a:r>
+            <a:r>
+              <a:rPr lang="en-US" dirty="0" smtClean="0"/>
+              <a:t>];</a:t>
+            </a:r>
+          </a:p>
+          <a:p>
+            <a:pPr marL="0" indent="0">
+              <a:buNone/>
+            </a:pPr>
+            <a:r>
+              <a:rPr lang="en-US" dirty="0" smtClean="0"/>
+              <a:t>}</a:t>
+            </a:r>
+          </a:p>
+          <a:p>
+            <a:pPr marL="0" indent="0">
+              <a:buNone/>
+            </a:pPr>
             <a:endParaRPr lang="en-US" dirty="0"/>
           </a:p>
           <a:p>
-            <a:endParaRPr lang="en-US" dirty="0" smtClean="0"/>
-          </a:p>
-          <a:p>
-            <a:r>
-              <a:rPr lang="en-US" dirty="0" smtClean="0"/>
-              <a:t>Blocks share resources.</a:t>
-            </a:r>
-            <a:endParaRPr lang="en-US" dirty="0"/>
+            <a:pPr marL="0" indent="0">
+              <a:buNone/>
+            </a:pPr>
+            <a:r>
+              <a:rPr lang="en-US" dirty="0" smtClean="0"/>
+              <a:t>call:</a:t>
+            </a:r>
+          </a:p>
+          <a:p>
+            <a:pPr marL="0" indent="0">
+              <a:buNone/>
+            </a:pPr>
+            <a:r>
+              <a:rPr lang="en-US" dirty="0" smtClean="0"/>
+              <a:t>sum&lt;&lt;&lt; blocks, threads&gt;&gt;&gt;</a:t>
+            </a:r>
+          </a:p>
+          <a:p>
+            <a:pPr marL="0" indent="0">
+              <a:buNone/>
+            </a:pPr>
+            <a:r>
+              <a:rPr lang="en-US" dirty="0" smtClean="0"/>
+              <a:t>    (n, a, b, c);</a:t>
+            </a:r>
+          </a:p>
+          <a:p>
+            <a:pPr marL="0" indent="0">
+              <a:buNone/>
+            </a:pPr>
+            <a:r>
+              <a:rPr lang="en-US" dirty="0" err="1"/>
+              <a:t>cudaThreadSynchronize</a:t>
+            </a:r>
+            <a:r>
+              <a:rPr lang="en-US" dirty="0" smtClean="0"/>
+              <a:t>();</a:t>
+            </a:r>
           </a:p>
         </p:txBody>
       </p:sp>
     </p:spTree>
     <p:extLst>
       <p:ext uri="{BB962C8B-B14F-4D97-AF65-F5344CB8AC3E}">
-        <p14:creationId xmlns:p14="http://schemas.microsoft.com/office/powerpoint/2010/main" val="3898309716"/>
+        <p14:creationId xmlns:p14="http://schemas.microsoft.com/office/powerpoint/2010/main" val="3183536881"/>
       </p:ext>
     </p:extLst>
   </p:cSld>
@@ -12311,14 +12266,12 @@
         </p:nvSpPr>
         <p:spPr/>
         <p:txBody>
-          <a:bodyPr>
-            <a:normAutofit fontScale="90000"/>
-          </a:bodyPr>
-          <a:lstStyle/>
-          <a:p>
-            <a:r>
-              <a:rPr lang="en-US" dirty="0" smtClean="0"/>
-              <a:t>Kernel Calls with Threads and Blocks</a:t>
+          <a:bodyPr/>
+          <a:lstStyle/>
+          <a:p>
+            <a:r>
+              <a:rPr lang="en-US" dirty="0" smtClean="0"/>
+              <a:t>Threads and Blocks</a:t>
             </a:r>
             <a:endParaRPr lang="en-US" dirty="0"/>
           </a:p>
@@ -12326,7 +12279,7 @@
       </p:sp>
       <p:sp>
         <p:nvSpPr>
-          <p:cNvPr id="5" name="Content Placeholder 4"/>
+          <p:cNvPr id="3" name="Content Placeholder 2"/>
           <p:cNvSpPr>
             <a:spLocks noGrp="1"/>
           </p:cNvSpPr>
@@ -12336,105 +12289,31 @@
         </p:nvSpPr>
         <p:spPr/>
         <p:txBody>
-          <a:bodyPr>
-            <a:normAutofit fontScale="92500" lnSpcReduction="10000"/>
-          </a:bodyPr>
-          <a:lstStyle/>
-          <a:p>
-            <a:pPr marL="0" indent="0">
-              <a:buNone/>
-            </a:pPr>
+          <a:bodyPr/>
+          <a:lstStyle/>
+          <a:p>
+            <a:r>
+              <a:rPr lang="en-US" dirty="0" smtClean="0"/>
+              <a:t>Multiple threads are grouped into blocks of fixed size.</a:t>
+            </a:r>
+          </a:p>
+          <a:p>
+            <a:endParaRPr lang="en-US" dirty="0"/>
+          </a:p>
+          <a:p>
+            <a:r>
+              <a:rPr lang="en-US" dirty="0" smtClean="0"/>
+              <a:t>Blocks are assigned to one SM each.</a:t>
+            </a:r>
+            <a:endParaRPr lang="en-US" dirty="0"/>
+          </a:p>
+          <a:p>
             <a:endParaRPr lang="en-US" dirty="0" smtClean="0"/>
           </a:p>
           <a:p>
-            <a:pPr marL="0" indent="0">
-              <a:buNone/>
-            </a:pPr>
-            <a:r>
-              <a:rPr lang="en-US" dirty="0" err="1" smtClean="0"/>
-              <a:t>int</a:t>
-            </a:r>
-            <a:r>
-              <a:rPr lang="en-US" dirty="0" smtClean="0"/>
-              <a:t> </a:t>
-            </a:r>
-            <a:r>
-              <a:rPr lang="en-US" dirty="0" err="1" smtClean="0"/>
-              <a:t>tpb</a:t>
-            </a:r>
-            <a:r>
-              <a:rPr lang="en-US" dirty="0" smtClean="0"/>
-              <a:t> = 256; // threads per block</a:t>
-            </a:r>
-          </a:p>
-          <a:p>
-            <a:pPr marL="0" indent="0">
-              <a:buNone/>
-            </a:pPr>
-            <a:endParaRPr lang="en-US" dirty="0" smtClean="0"/>
-          </a:p>
-          <a:p>
-            <a:pPr marL="0" indent="0">
-              <a:buNone/>
-            </a:pPr>
-            <a:r>
-              <a:rPr lang="en-US" dirty="0" err="1" smtClean="0"/>
-              <a:t>int</a:t>
-            </a:r>
-            <a:r>
-              <a:rPr lang="en-US" dirty="0" smtClean="0"/>
-              <a:t> n = </a:t>
-            </a:r>
-            <a:r>
-              <a:rPr lang="en-US" dirty="0" err="1" smtClean="0"/>
-              <a:t>a.size</a:t>
-            </a:r>
-            <a:r>
-              <a:rPr lang="en-US" dirty="0" smtClean="0"/>
-              <a:t>(); // a, b, c are the same size</a:t>
-            </a:r>
-          </a:p>
-          <a:p>
-            <a:pPr marL="0" indent="0">
-              <a:buNone/>
-            </a:pPr>
-            <a:endParaRPr lang="en-US" dirty="0"/>
-          </a:p>
-          <a:p>
-            <a:pPr marL="0" indent="0">
-              <a:buNone/>
-            </a:pPr>
-            <a:r>
-              <a:rPr lang="en-US" dirty="0" smtClean="0"/>
-              <a:t>sum&lt;&lt;&lt;(n+tpb-1)/</a:t>
-            </a:r>
-            <a:r>
-              <a:rPr lang="en-US" dirty="0" err="1" smtClean="0"/>
-              <a:t>tpb</a:t>
-            </a:r>
-            <a:r>
-              <a:rPr lang="en-US" dirty="0" smtClean="0"/>
-              <a:t>, </a:t>
-            </a:r>
-            <a:r>
-              <a:rPr lang="en-US" dirty="0" err="1" smtClean="0"/>
-              <a:t>tpb</a:t>
-            </a:r>
-            <a:r>
-              <a:rPr lang="en-US" dirty="0" smtClean="0"/>
-              <a:t>&gt;&gt;&gt;(n, a, b, c);</a:t>
-            </a:r>
-          </a:p>
-          <a:p>
-            <a:pPr marL="0" indent="0">
-              <a:buNone/>
-            </a:pPr>
-            <a:endParaRPr lang="en-US" dirty="0"/>
-          </a:p>
-          <a:p>
-            <a:r>
-              <a:rPr lang="en-US" dirty="0" smtClean="0"/>
-              <a:t>This creates just enough blocks to process n items with 256 threads per block.</a:t>
+            <a:r>
+              <a:rPr lang="en-US" dirty="0" smtClean="0"/>
+              <a:t>Blocks share resources.</a:t>
             </a:r>
             <a:endParaRPr lang="en-US" dirty="0"/>
           </a:p>
@@ -12443,7 +12322,7 @@
     </p:spTree>
     <p:extLst>
       <p:ext uri="{BB962C8B-B14F-4D97-AF65-F5344CB8AC3E}">
-        <p14:creationId xmlns:p14="http://schemas.microsoft.com/office/powerpoint/2010/main" val="1187298923"/>
+        <p14:creationId xmlns:p14="http://schemas.microsoft.com/office/powerpoint/2010/main" val="3898309716"/>
       </p:ext>
     </p:extLst>
   </p:cSld>
@@ -12489,12 +12368,14 @@
         </p:nvSpPr>
         <p:spPr/>
         <p:txBody>
-          <a:bodyPr/>
-          <a:lstStyle/>
-          <a:p>
-            <a:r>
-              <a:rPr lang="en-US" dirty="0" smtClean="0"/>
-              <a:t>GPU Memory</a:t>
+          <a:bodyPr>
+            <a:normAutofit fontScale="90000"/>
+          </a:bodyPr>
+          <a:lstStyle/>
+          <a:p>
+            <a:r>
+              <a:rPr lang="en-US" dirty="0" smtClean="0"/>
+              <a:t>Kernel Calls with Threads and Blocks</a:t>
             </a:r>
             <a:endParaRPr lang="en-US" dirty="0"/>
           </a:p>
@@ -12502,7 +12383,7 @@
       </p:sp>
       <p:sp>
         <p:nvSpPr>
-          <p:cNvPr id="3" name="Content Placeholder 2"/>
+          <p:cNvPr id="5" name="Content Placeholder 4"/>
           <p:cNvSpPr>
             <a:spLocks noGrp="1"/>
           </p:cNvSpPr>
@@ -12513,181 +12394,104 @@
         <p:spPr/>
         <p:txBody>
           <a:bodyPr>
-            <a:normAutofit fontScale="92500" lnSpcReduction="20000"/>
+            <a:normAutofit fontScale="92500" lnSpcReduction="10000"/>
           </a:bodyPr>
           <a:lstStyle/>
           <a:p>
-            <a:r>
-              <a:rPr lang="en-US" dirty="0" smtClean="0"/>
-              <a:t>Allocate:</a:t>
-            </a:r>
-          </a:p>
-          <a:p>
-            <a:pPr marL="457200" lvl="1" indent="0">
-              <a:buNone/>
-            </a:pPr>
-            <a:r>
-              <a:rPr lang="en-US" dirty="0" err="1" smtClean="0"/>
-              <a:t>cudaMalloc</a:t>
-            </a:r>
-            <a:r>
-              <a:rPr lang="en-US" dirty="0" smtClean="0"/>
-              <a:t>(void **</a:t>
-            </a:r>
-            <a:r>
-              <a:rPr lang="en-US" dirty="0" err="1" smtClean="0"/>
-              <a:t>devPtr</a:t>
-            </a:r>
-            <a:r>
-              <a:rPr lang="en-US" dirty="0" smtClean="0"/>
-              <a:t>, </a:t>
-            </a:r>
-            <a:r>
-              <a:rPr lang="en-US" dirty="0" err="1" smtClean="0"/>
-              <a:t>size_t</a:t>
-            </a:r>
-            <a:r>
-              <a:rPr lang="en-US" dirty="0" smtClean="0"/>
-              <a:t> size)</a:t>
-            </a:r>
-          </a:p>
-          <a:p>
-            <a:r>
-              <a:rPr lang="en-US" dirty="0" smtClean="0"/>
-              <a:t>Free:</a:t>
-            </a:r>
-          </a:p>
-          <a:p>
-            <a:pPr marL="457200" lvl="1" indent="0">
-              <a:buNone/>
-            </a:pPr>
-            <a:r>
-              <a:rPr lang="en-US" dirty="0" err="1" smtClean="0"/>
-              <a:t>cudaFree</a:t>
-            </a:r>
-            <a:r>
-              <a:rPr lang="en-US" dirty="0" smtClean="0"/>
-              <a:t>(void *</a:t>
-            </a:r>
-            <a:r>
-              <a:rPr lang="en-US" dirty="0" err="1" smtClean="0"/>
-              <a:t>devPtr</a:t>
-            </a:r>
-            <a:r>
-              <a:rPr lang="en-US" dirty="0" smtClean="0"/>
-              <a:t>)</a:t>
-            </a:r>
-          </a:p>
-          <a:p>
-            <a:r>
-              <a:rPr lang="en-US" dirty="0" smtClean="0"/>
-              <a:t>Copy to/from device:</a:t>
-            </a:r>
-          </a:p>
-          <a:p>
-            <a:pPr marL="457200" lvl="1" indent="0">
-              <a:buNone/>
-            </a:pPr>
-            <a:r>
-              <a:rPr lang="en-US" dirty="0" err="1" smtClean="0"/>
-              <a:t>cudaMemcpy</a:t>
-            </a:r>
-            <a:r>
-              <a:rPr lang="en-US" dirty="0" smtClean="0"/>
-              <a:t>(void *</a:t>
-            </a:r>
-            <a:r>
-              <a:rPr lang="en-US" dirty="0" err="1" smtClean="0"/>
-              <a:t>dst</a:t>
-            </a:r>
-            <a:r>
-              <a:rPr lang="en-US" dirty="0" smtClean="0"/>
-              <a:t>, </a:t>
-            </a:r>
-            <a:r>
-              <a:rPr lang="en-US" dirty="0" err="1" smtClean="0"/>
-              <a:t>const</a:t>
-            </a:r>
-            <a:r>
-              <a:rPr lang="en-US" dirty="0" smtClean="0"/>
-              <a:t> </a:t>
-            </a:r>
-            <a:r>
-              <a:rPr lang="en-US" dirty="0"/>
-              <a:t>void </a:t>
-            </a:r>
-            <a:r>
-              <a:rPr lang="en-US" dirty="0" smtClean="0"/>
-              <a:t>*</a:t>
-            </a:r>
-            <a:r>
-              <a:rPr lang="en-US" dirty="0" err="1" smtClean="0"/>
-              <a:t>src</a:t>
-            </a:r>
-            <a:r>
-              <a:rPr lang="en-US" dirty="0"/>
-              <a:t>,</a:t>
-            </a:r>
-          </a:p>
-          <a:p>
-            <a:pPr marL="457200" lvl="1" indent="0">
-              <a:buNone/>
-            </a:pPr>
-            <a:r>
-              <a:rPr lang="en-US" dirty="0" err="1"/>
-              <a:t>size_t</a:t>
-            </a:r>
-            <a:r>
-              <a:rPr lang="en-US" dirty="0"/>
-              <a:t> </a:t>
-            </a:r>
-            <a:r>
-              <a:rPr lang="en-US" dirty="0" smtClean="0"/>
-              <a:t>count, </a:t>
-            </a:r>
-            <a:r>
-              <a:rPr lang="en-US" dirty="0" err="1" smtClean="0"/>
-              <a:t>enum</a:t>
-            </a:r>
-            <a:r>
-              <a:rPr lang="en-US" dirty="0" smtClean="0"/>
-              <a:t> </a:t>
-            </a:r>
-            <a:r>
-              <a:rPr lang="en-US" dirty="0" err="1"/>
-              <a:t>cudaMemcpyKind</a:t>
-            </a:r>
-            <a:r>
-              <a:rPr lang="en-US" dirty="0"/>
-              <a:t> </a:t>
-            </a:r>
-            <a:r>
-              <a:rPr lang="en-US" dirty="0" smtClean="0"/>
-              <a:t>kind)</a:t>
-            </a:r>
-          </a:p>
-          <a:p>
-            <a:pPr marL="457200" lvl="1" indent="0">
+            <a:pPr marL="0" indent="0">
               <a:buNone/>
             </a:pPr>
             <a:endParaRPr lang="en-US" dirty="0" smtClean="0"/>
           </a:p>
           <a:p>
-            <a:r>
-              <a:rPr lang="en-US" dirty="0" smtClean="0"/>
-              <a:t>kind = </a:t>
-            </a:r>
+            <a:pPr marL="0" indent="0">
+              <a:buNone/>
+            </a:pPr>
             <a:r>
               <a:rPr lang="en-US" dirty="0" err="1" smtClean="0"/>
-              <a:t>cudaMemcpyHostToDevice</a:t>
-            </a:r>
-            <a:r>
-              <a:rPr lang="en-US" dirty="0" smtClean="0"/>
-              <a:t> or </a:t>
+              <a:t>int</a:t>
+            </a:r>
+            <a:r>
+              <a:rPr lang="en-US" dirty="0" smtClean="0"/>
+              <a:t> </a:t>
             </a:r>
             <a:r>
               <a:rPr lang="en-US" dirty="0" err="1" smtClean="0"/>
-              <a:t>cudaMemcpyDeviceToHost</a:t>
+              <a:t>tpb</a:t>
+            </a:r>
+            <a:r>
+              <a:rPr lang="en-US" dirty="0" smtClean="0"/>
+              <a:t> = 256; // threads per block</a:t>
+            </a:r>
+          </a:p>
+          <a:p>
+            <a:pPr marL="0" indent="0">
+              <a:buNone/>
+            </a:pPr>
+            <a:endParaRPr lang="en-US" dirty="0" smtClean="0"/>
+          </a:p>
+          <a:p>
+            <a:pPr marL="0" indent="0">
+              <a:buNone/>
+            </a:pPr>
+            <a:r>
+              <a:rPr lang="en-US" dirty="0" err="1" smtClean="0"/>
+              <a:t>int</a:t>
+            </a:r>
+            <a:r>
+              <a:rPr lang="en-US" dirty="0" smtClean="0"/>
+              <a:t> n = </a:t>
+            </a:r>
+            <a:r>
+              <a:rPr lang="en-US" dirty="0" err="1" smtClean="0"/>
+              <a:t>a.size</a:t>
+            </a:r>
+            <a:r>
+              <a:rPr lang="en-US" dirty="0" smtClean="0"/>
+              <a:t>(); // a, b, c are the same size</a:t>
+            </a:r>
+          </a:p>
+          <a:p>
+            <a:pPr marL="0" indent="0">
+              <a:buNone/>
+            </a:pPr>
+            <a:endParaRPr lang="en-US" dirty="0"/>
+          </a:p>
+          <a:p>
+            <a:pPr marL="0" indent="0">
+              <a:buNone/>
+            </a:pPr>
+            <a:r>
+              <a:rPr lang="en-US" dirty="0" smtClean="0"/>
+              <a:t>sum&lt;&lt;&lt;(n+tpb-1)/</a:t>
+            </a:r>
+            <a:r>
+              <a:rPr lang="en-US" dirty="0" err="1" smtClean="0"/>
+              <a:t>tpb</a:t>
+            </a:r>
+            <a:r>
+              <a:rPr lang="en-US" dirty="0" smtClean="0"/>
+              <a:t>, </a:t>
+            </a:r>
+            <a:r>
+              <a:rPr lang="en-US" dirty="0" err="1" smtClean="0"/>
+              <a:t>tpb</a:t>
+            </a:r>
+            <a:r>
+              <a:rPr lang="en-US" dirty="0" smtClean="0"/>
+              <a:t>&gt;&gt;&gt;(n, a, b, c);</a:t>
+            </a:r>
+          </a:p>
+          <a:p>
+            <a:pPr marL="0" indent="0">
+              <a:buNone/>
+            </a:pPr>
+            <a:endParaRPr lang="en-US" dirty="0"/>
+          </a:p>
+          <a:p>
+            <a:r>
+              <a:rPr lang="en-US" dirty="0" smtClean="0"/>
+              <a:t>This creates just enough blocks to process n items with 256 threads per block.</a:t>
             </a:r>
             <a:endParaRPr lang="en-US" dirty="0"/>
           </a:p>
@@ -12696,7 +12500,7 @@
     </p:spTree>
     <p:extLst>
       <p:ext uri="{BB962C8B-B14F-4D97-AF65-F5344CB8AC3E}">
-        <p14:creationId xmlns:p14="http://schemas.microsoft.com/office/powerpoint/2010/main" val="1012209938"/>
+        <p14:creationId xmlns:p14="http://schemas.microsoft.com/office/powerpoint/2010/main" val="1187298923"/>
       </p:ext>
     </p:extLst>
   </p:cSld>
@@ -12747,7 +12551,7 @@
           <a:p>
             <a:r>
               <a:rPr lang="en-US" dirty="0" smtClean="0"/>
-              <a:t>STL Vectors on the GPU</a:t>
+              <a:t>GPU Memory</a:t>
             </a:r>
             <a:endParaRPr lang="en-US" dirty="0"/>
           </a:p>
@@ -12766,173 +12570,169 @@
         <p:spPr/>
         <p:txBody>
           <a:bodyPr>
-            <a:normAutofit fontScale="77500" lnSpcReduction="20000"/>
+            <a:normAutofit fontScale="92500" lnSpcReduction="20000"/>
           </a:bodyPr>
           <a:lstStyle/>
           <a:p>
             <a:r>
               <a:rPr lang="en-US" dirty="0" smtClean="0"/>
-              <a:t>Idea: Manage CPU memory with </a:t>
-            </a:r>
+              <a:t>Allocate:</a:t>
+            </a:r>
+          </a:p>
+          <a:p>
+            <a:pPr marL="457200" lvl="1" indent="0">
+              <a:buNone/>
+            </a:pPr>
             <a:r>
               <a:rPr lang="en-US" dirty="0" err="1" smtClean="0"/>
-              <a:t>std</a:t>
-            </a:r>
-            <a:r>
-              <a:rPr lang="en-US" dirty="0" smtClean="0"/>
-              <a:t>::vector and upload to GPU.</a:t>
-            </a:r>
-          </a:p>
-          <a:p>
-            <a:endParaRPr lang="en-US" dirty="0"/>
-          </a:p>
-          <a:p>
-            <a:pPr marL="0" indent="0">
+              <a:t>cudaMalloc</a:t>
+            </a:r>
+            <a:r>
+              <a:rPr lang="en-US" dirty="0" smtClean="0"/>
+              <a:t>(void **</a:t>
+            </a:r>
+            <a:r>
+              <a:rPr lang="en-US" dirty="0" err="1" smtClean="0"/>
+              <a:t>devPtr</a:t>
+            </a:r>
+            <a:r>
+              <a:rPr lang="en-US" dirty="0" smtClean="0"/>
+              <a:t>, </a:t>
+            </a:r>
+            <a:r>
+              <a:rPr lang="en-US" dirty="0" err="1" smtClean="0"/>
+              <a:t>size_t</a:t>
+            </a:r>
+            <a:r>
+              <a:rPr lang="en-US" dirty="0" smtClean="0"/>
+              <a:t> size)</a:t>
+            </a:r>
+          </a:p>
+          <a:p>
+            <a:r>
+              <a:rPr lang="en-US" dirty="0" smtClean="0"/>
+              <a:t>Free:</a:t>
+            </a:r>
+          </a:p>
+          <a:p>
+            <a:pPr marL="457200" lvl="1" indent="0">
               <a:buNone/>
             </a:pPr>
             <a:r>
               <a:rPr lang="en-US" dirty="0" err="1" smtClean="0"/>
-              <a:t>std</a:t>
-            </a:r>
-            <a:r>
-              <a:rPr lang="en-US" dirty="0" smtClean="0"/>
-              <a:t>::vector&lt;T&gt; </a:t>
+              <a:t>cudaFree</a:t>
+            </a:r>
+            <a:r>
+              <a:rPr lang="en-US" dirty="0" smtClean="0"/>
+              <a:t>(void *</a:t>
             </a:r>
             <a:r>
               <a:rPr lang="en-US" dirty="0" err="1" smtClean="0"/>
-              <a:t>cpu_data</a:t>
-            </a:r>
-            <a:r>
-              <a:rPr lang="en-US" dirty="0" smtClean="0"/>
-              <a:t>;</a:t>
-            </a:r>
-          </a:p>
-          <a:p>
-            <a:pPr marL="0" indent="0">
+              <a:t>devPtr</a:t>
+            </a:r>
+            <a:r>
+              <a:rPr lang="en-US" dirty="0" smtClean="0"/>
+              <a:t>)</a:t>
+            </a:r>
+          </a:p>
+          <a:p>
+            <a:r>
+              <a:rPr lang="en-US" dirty="0" smtClean="0"/>
+              <a:t>Copy to/from device:</a:t>
+            </a:r>
+          </a:p>
+          <a:p>
+            <a:pPr marL="457200" lvl="1" indent="0">
+              <a:buNone/>
+            </a:pPr>
+            <a:r>
+              <a:rPr lang="en-US" dirty="0" err="1" smtClean="0"/>
+              <a:t>cudaMemcpy</a:t>
+            </a:r>
+            <a:r>
+              <a:rPr lang="en-US" dirty="0" smtClean="0"/>
+              <a:t>(void *</a:t>
+            </a:r>
+            <a:r>
+              <a:rPr lang="en-US" dirty="0" err="1" smtClean="0"/>
+              <a:t>dst</a:t>
+            </a:r>
+            <a:r>
+              <a:rPr lang="en-US" dirty="0" smtClean="0"/>
+              <a:t>, </a:t>
+            </a:r>
+            <a:r>
+              <a:rPr lang="en-US" dirty="0" err="1" smtClean="0"/>
+              <a:t>const</a:t>
+            </a:r>
+            <a:r>
+              <a:rPr lang="en-US" dirty="0" smtClean="0"/>
+              <a:t> </a:t>
+            </a:r>
+            <a:r>
+              <a:rPr lang="en-US" dirty="0"/>
+              <a:t>void </a:t>
+            </a:r>
+            <a:r>
+              <a:rPr lang="en-US" dirty="0" smtClean="0"/>
+              <a:t>*</a:t>
+            </a:r>
+            <a:r>
+              <a:rPr lang="en-US" dirty="0" err="1" smtClean="0"/>
+              <a:t>src</a:t>
+            </a:r>
+            <a:r>
+              <a:rPr lang="en-US" dirty="0"/>
+              <a:t>,</a:t>
+            </a:r>
+          </a:p>
+          <a:p>
+            <a:pPr marL="457200" lvl="1" indent="0">
+              <a:buNone/>
+            </a:pPr>
+            <a:r>
+              <a:rPr lang="en-US" dirty="0" err="1"/>
+              <a:t>size_t</a:t>
+            </a:r>
+            <a:r>
+              <a:rPr lang="en-US" dirty="0"/>
+              <a:t> </a:t>
+            </a:r>
+            <a:r>
+              <a:rPr lang="en-US" dirty="0" smtClean="0"/>
+              <a:t>count, </a:t>
+            </a:r>
+            <a:r>
+              <a:rPr lang="en-US" dirty="0" err="1" smtClean="0"/>
+              <a:t>enum</a:t>
+            </a:r>
+            <a:r>
+              <a:rPr lang="en-US" dirty="0" smtClean="0"/>
+              <a:t> </a:t>
+            </a:r>
+            <a:r>
+              <a:rPr lang="en-US" dirty="0" err="1"/>
+              <a:t>cudaMemcpyKind</a:t>
+            </a:r>
+            <a:r>
+              <a:rPr lang="en-US" dirty="0"/>
+              <a:t> </a:t>
+            </a:r>
+            <a:r>
+              <a:rPr lang="en-US" dirty="0" smtClean="0"/>
+              <a:t>kind)</a:t>
+            </a:r>
+          </a:p>
+          <a:p>
+            <a:pPr marL="457200" lvl="1" indent="0">
               <a:buNone/>
             </a:pPr>
             <a:endParaRPr lang="en-US" dirty="0" smtClean="0"/>
           </a:p>
           <a:p>
-            <a:pPr marL="0" indent="0">
-              <a:buNone/>
-            </a:pPr>
-            <a:r>
-              <a:rPr lang="en-US" dirty="0" err="1" smtClean="0"/>
-              <a:t>cudaMalloc</a:t>
-            </a:r>
-            <a:r>
-              <a:rPr lang="en-US" dirty="0"/>
-              <a:t>((void</a:t>
-            </a:r>
-            <a:r>
-              <a:rPr lang="en-US" dirty="0" smtClean="0"/>
-              <a:t>**)&amp;</a:t>
-            </a:r>
-            <a:r>
-              <a:rPr lang="en-US" dirty="0" err="1" smtClean="0"/>
-              <a:t>gpu_data</a:t>
-            </a:r>
-            <a:r>
-              <a:rPr lang="en-US" dirty="0" smtClean="0"/>
-              <a:t>, </a:t>
-            </a:r>
-            <a:r>
-              <a:rPr lang="en-US" dirty="0" err="1" smtClean="0"/>
-              <a:t>cpu_data.size</a:t>
-            </a:r>
-            <a:r>
-              <a:rPr lang="en-US" dirty="0"/>
-              <a:t>()*</a:t>
-            </a:r>
-            <a:r>
-              <a:rPr lang="en-US" dirty="0" err="1" smtClean="0"/>
-              <a:t>sizeof</a:t>
-            </a:r>
-            <a:r>
-              <a:rPr lang="en-US" dirty="0" smtClean="0"/>
-              <a:t>(T));</a:t>
-            </a:r>
-          </a:p>
-          <a:p>
-            <a:pPr marL="0" indent="0">
-              <a:buNone/>
-            </a:pPr>
-            <a:endParaRPr lang="en-US" dirty="0" smtClean="0"/>
-          </a:p>
-          <a:p>
-            <a:pPr marL="0" indent="0">
-              <a:buNone/>
-            </a:pPr>
-            <a:r>
-              <a:rPr lang="en-US" dirty="0" err="1" smtClean="0"/>
-              <a:t>cudaMemcpy</a:t>
-            </a:r>
-            <a:r>
-              <a:rPr lang="en-US" dirty="0" smtClean="0"/>
-              <a:t>(</a:t>
-            </a:r>
-            <a:r>
-              <a:rPr lang="en-US" dirty="0" err="1" smtClean="0"/>
-              <a:t>gpu_data</a:t>
-            </a:r>
-            <a:r>
-              <a:rPr lang="en-US" dirty="0" smtClean="0"/>
-              <a:t>,</a:t>
-            </a:r>
-            <a:endParaRPr lang="en-US" dirty="0"/>
-          </a:p>
-          <a:p>
-            <a:pPr marL="0" indent="0">
-              <a:buNone/>
-            </a:pPr>
-            <a:r>
-              <a:rPr lang="en-US" dirty="0" smtClean="0"/>
-              <a:t>	&amp;</a:t>
-            </a:r>
-            <a:r>
-              <a:rPr lang="en-US" dirty="0" err="1" smtClean="0"/>
-              <a:t>cpu_data</a:t>
-            </a:r>
-            <a:r>
-              <a:rPr lang="en-US" dirty="0" smtClean="0"/>
-              <a:t>[0],</a:t>
-            </a:r>
-            <a:endParaRPr lang="en-US" dirty="0"/>
-          </a:p>
-          <a:p>
-            <a:pPr marL="0" indent="0">
-              <a:buNone/>
-            </a:pPr>
-            <a:r>
-              <a:rPr lang="en-US" dirty="0" smtClean="0"/>
-              <a:t>	</a:t>
-            </a:r>
-            <a:r>
-              <a:rPr lang="en-US" dirty="0" err="1" smtClean="0"/>
-              <a:t>cpu_data.size</a:t>
-            </a:r>
-            <a:r>
-              <a:rPr lang="en-US" dirty="0"/>
-              <a:t>()*</a:t>
-            </a:r>
-            <a:r>
-              <a:rPr lang="en-US" dirty="0" err="1" smtClean="0"/>
-              <a:t>sizeof</a:t>
-            </a:r>
-            <a:r>
-              <a:rPr lang="en-US" dirty="0" smtClean="0"/>
-              <a:t>(T),</a:t>
-            </a:r>
-            <a:endParaRPr lang="en-US" dirty="0"/>
-          </a:p>
-          <a:p>
-            <a:pPr marL="0" indent="0">
-              <a:buNone/>
-            </a:pPr>
-            <a:r>
-              <a:rPr lang="en-US" dirty="0" smtClean="0"/>
-              <a:t>	</a:t>
+            <a:r>
+              <a:rPr lang="en-US" dirty="0" smtClean="0"/>
+              <a:t>kind = </a:t>
             </a:r>
             <a:r>
               <a:rPr lang="en-US" dirty="0" err="1" smtClean="0"/>
@@ -12940,16 +12740,11 @@
             </a:r>
             <a:r>
               <a:rPr lang="en-US" dirty="0" smtClean="0"/>
-              <a:t>);</a:t>
-            </a:r>
-          </a:p>
-          <a:p>
-            <a:pPr marL="0" indent="0">
-              <a:buNone/>
-            </a:pPr>
-            <a:r>
-              <a:rPr lang="en-US" dirty="0" smtClean="0"/>
-              <a:t>…</a:t>
+              <a:t> or </a:t>
+            </a:r>
+            <a:r>
+              <a:rPr lang="en-US" dirty="0" err="1" smtClean="0"/>
+              <a:t>cudaMemcpyDeviceToHost</a:t>
             </a:r>
             <a:endParaRPr lang="en-US" dirty="0"/>
           </a:p>
@@ -12958,7 +12753,7 @@
     </p:spTree>
     <p:extLst>
       <p:ext uri="{BB962C8B-B14F-4D97-AF65-F5344CB8AC3E}">
-        <p14:creationId xmlns:p14="http://schemas.microsoft.com/office/powerpoint/2010/main" val="484950902"/>
+        <p14:creationId xmlns:p14="http://schemas.microsoft.com/office/powerpoint/2010/main" val="1012209938"/>
       </p:ext>
     </p:extLst>
   </p:cSld>
@@ -13009,7 +12804,7 @@
           <a:p>
             <a:r>
               <a:rPr lang="en-US" dirty="0" smtClean="0"/>
-              <a:t>GPU Array Management</a:t>
+              <a:t>STL Vectors on the GPU</a:t>
             </a:r>
             <a:endParaRPr lang="en-US" dirty="0"/>
           </a:p>
@@ -13017,7 +12812,7 @@
       </p:sp>
       <p:sp>
         <p:nvSpPr>
-          <p:cNvPr id="5" name="Content Placeholder 4"/>
+          <p:cNvPr id="3" name="Content Placeholder 2"/>
           <p:cNvSpPr>
             <a:spLocks noGrp="1"/>
           </p:cNvSpPr>
@@ -13027,313 +12822,200 @@
         </p:nvSpPr>
         <p:spPr/>
         <p:txBody>
-          <a:bodyPr/>
-          <a:lstStyle/>
+          <a:bodyPr>
+            <a:normAutofit fontScale="77500" lnSpcReduction="20000"/>
+          </a:bodyPr>
+          <a:lstStyle/>
+          <a:p>
+            <a:r>
+              <a:rPr lang="en-US" dirty="0" smtClean="0"/>
+              <a:t>Idea: Manage CPU memory with </a:t>
+            </a:r>
+            <a:r>
+              <a:rPr lang="en-US" dirty="0" err="1" smtClean="0"/>
+              <a:t>std</a:t>
+            </a:r>
+            <a:r>
+              <a:rPr lang="en-US" dirty="0" smtClean="0"/>
+              <a:t>::vector and upload to GPU.</a:t>
+            </a:r>
+          </a:p>
           <a:p>
             <a:endParaRPr lang="en-US" dirty="0"/>
           </a:p>
-        </p:txBody>
-      </p:sp>
-      <p:sp>
-        <p:nvSpPr>
-          <p:cNvPr id="6" name="Rectangle 5"/>
-          <p:cNvSpPr/>
-          <p:nvPr/>
-        </p:nvSpPr>
-        <p:spPr>
-          <a:xfrm>
-            <a:off x="914400" y="1600200"/>
-            <a:ext cx="2895600" cy="1371600"/>
-          </a:xfrm>
-          <a:prstGeom prst="rect">
-            <a:avLst/>
-          </a:prstGeom>
-        </p:spPr>
-        <p:style>
-          <a:lnRef idx="2">
-            <a:schemeClr val="accent2">
-              <a:shade val="50000"/>
-            </a:schemeClr>
-          </a:lnRef>
-          <a:fillRef idx="1">
-            <a:schemeClr val="accent2"/>
-          </a:fillRef>
-          <a:effectRef idx="0">
-            <a:schemeClr val="accent2"/>
-          </a:effectRef>
-          <a:fontRef idx="minor">
-            <a:schemeClr val="lt1"/>
-          </a:fontRef>
-        </p:style>
-        <p:txBody>
-          <a:bodyPr rtlCol="0" anchor="ctr"/>
-          <a:lstStyle/>
-          <a:p>
-            <a:pPr algn="ctr"/>
-            <a:r>
-              <a:rPr lang="en-US" sz="2400" dirty="0" smtClean="0"/>
-              <a:t>CPU Writable</a:t>
-            </a:r>
-          </a:p>
-        </p:txBody>
-      </p:sp>
-      <p:sp>
-        <p:nvSpPr>
-          <p:cNvPr id="7" name="Rectangle 6"/>
-          <p:cNvSpPr/>
-          <p:nvPr/>
-        </p:nvSpPr>
-        <p:spPr>
-          <a:xfrm>
-            <a:off x="5181600" y="1600200"/>
-            <a:ext cx="2895600" cy="1371600"/>
-          </a:xfrm>
-          <a:prstGeom prst="rect">
-            <a:avLst/>
-          </a:prstGeom>
-        </p:spPr>
-        <p:style>
-          <a:lnRef idx="2">
-            <a:schemeClr val="accent2">
-              <a:shade val="50000"/>
-            </a:schemeClr>
-          </a:lnRef>
-          <a:fillRef idx="1">
-            <a:schemeClr val="accent2"/>
-          </a:fillRef>
-          <a:effectRef idx="0">
-            <a:schemeClr val="accent2"/>
-          </a:effectRef>
-          <a:fontRef idx="minor">
-            <a:schemeClr val="lt1"/>
-          </a:fontRef>
-        </p:style>
-        <p:txBody>
-          <a:bodyPr rtlCol="0" anchor="ctr"/>
-          <a:lstStyle/>
-          <a:p>
-            <a:pPr algn="ctr"/>
-            <a:r>
-              <a:rPr lang="en-US" sz="2400" dirty="0" smtClean="0"/>
-              <a:t>GPU Uploaded</a:t>
-            </a:r>
-          </a:p>
-          <a:p>
-            <a:pPr algn="ctr"/>
-            <a:r>
-              <a:rPr lang="en-US" sz="2400" dirty="0" smtClean="0"/>
-              <a:t>(CPU read-only)</a:t>
-            </a:r>
-          </a:p>
-        </p:txBody>
-      </p:sp>
-      <p:sp>
-        <p:nvSpPr>
-          <p:cNvPr id="8" name="Rectangle 7"/>
-          <p:cNvSpPr/>
-          <p:nvPr/>
-        </p:nvSpPr>
-        <p:spPr>
-          <a:xfrm>
-            <a:off x="5181600" y="4267200"/>
-            <a:ext cx="2895600" cy="1371600"/>
-          </a:xfrm>
-          <a:prstGeom prst="rect">
-            <a:avLst/>
-          </a:prstGeom>
-        </p:spPr>
-        <p:style>
-          <a:lnRef idx="2">
-            <a:schemeClr val="accent2">
-              <a:shade val="50000"/>
-            </a:schemeClr>
-          </a:lnRef>
-          <a:fillRef idx="1">
-            <a:schemeClr val="accent2"/>
-          </a:fillRef>
-          <a:effectRef idx="0">
-            <a:schemeClr val="accent2"/>
-          </a:effectRef>
-          <a:fontRef idx="minor">
-            <a:schemeClr val="lt1"/>
-          </a:fontRef>
-        </p:style>
-        <p:txBody>
-          <a:bodyPr rtlCol="0" anchor="ctr"/>
-          <a:lstStyle/>
-          <a:p>
-            <a:pPr algn="ctr"/>
-            <a:r>
-              <a:rPr lang="en-US" sz="2400" dirty="0" smtClean="0"/>
-              <a:t>GPU Computing</a:t>
-            </a:r>
-          </a:p>
-        </p:txBody>
-      </p:sp>
-      <p:sp>
-        <p:nvSpPr>
-          <p:cNvPr id="12" name="Right Arrow 11"/>
-          <p:cNvSpPr/>
-          <p:nvPr/>
-        </p:nvSpPr>
-        <p:spPr>
-          <a:xfrm>
-            <a:off x="3810000" y="1600200"/>
-            <a:ext cx="1371600" cy="609600"/>
-          </a:xfrm>
-          <a:prstGeom prst="rightArrow">
-            <a:avLst/>
-          </a:prstGeom>
-        </p:spPr>
-        <p:style>
-          <a:lnRef idx="2">
-            <a:schemeClr val="accent2">
-              <a:shade val="50000"/>
-            </a:schemeClr>
-          </a:lnRef>
-          <a:fillRef idx="1">
-            <a:schemeClr val="accent2"/>
-          </a:fillRef>
-          <a:effectRef idx="0">
-            <a:schemeClr val="accent2"/>
-          </a:effectRef>
-          <a:fontRef idx="minor">
-            <a:schemeClr val="lt1"/>
-          </a:fontRef>
-        </p:style>
-        <p:txBody>
-          <a:bodyPr rtlCol="0" anchor="ctr"/>
-          <a:lstStyle/>
-          <a:p>
-            <a:pPr algn="ctr"/>
-            <a:endParaRPr lang="en-US"/>
-          </a:p>
-        </p:txBody>
-      </p:sp>
-      <p:sp>
-        <p:nvSpPr>
-          <p:cNvPr id="13" name="Left Arrow 12"/>
-          <p:cNvSpPr/>
-          <p:nvPr/>
-        </p:nvSpPr>
-        <p:spPr>
-          <a:xfrm>
-            <a:off x="3810000" y="2286000"/>
-            <a:ext cx="1371600" cy="685800"/>
-          </a:xfrm>
-          <a:prstGeom prst="leftArrow">
-            <a:avLst/>
-          </a:prstGeom>
-        </p:spPr>
-        <p:style>
-          <a:lnRef idx="2">
-            <a:schemeClr val="accent2">
-              <a:shade val="50000"/>
-            </a:schemeClr>
-          </a:lnRef>
-          <a:fillRef idx="1">
-            <a:schemeClr val="accent2"/>
-          </a:fillRef>
-          <a:effectRef idx="0">
-            <a:schemeClr val="accent2"/>
-          </a:effectRef>
-          <a:fontRef idx="minor">
-            <a:schemeClr val="lt1"/>
-          </a:fontRef>
-        </p:style>
-        <p:txBody>
-          <a:bodyPr rtlCol="0" anchor="ctr"/>
-          <a:lstStyle/>
-          <a:p>
-            <a:pPr algn="ctr"/>
-            <a:endParaRPr lang="en-US"/>
-          </a:p>
-        </p:txBody>
-      </p:sp>
-      <p:sp>
-        <p:nvSpPr>
-          <p:cNvPr id="14" name="Up Arrow 13"/>
-          <p:cNvSpPr/>
-          <p:nvPr/>
-        </p:nvSpPr>
-        <p:spPr>
-          <a:xfrm>
-            <a:off x="5638800" y="2971800"/>
-            <a:ext cx="685800" cy="1295400"/>
-          </a:xfrm>
-          <a:prstGeom prst="upArrow">
-            <a:avLst/>
-          </a:prstGeom>
-        </p:spPr>
-        <p:style>
-          <a:lnRef idx="2">
-            <a:schemeClr val="accent2">
-              <a:shade val="50000"/>
-            </a:schemeClr>
-          </a:lnRef>
-          <a:fillRef idx="1">
-            <a:schemeClr val="accent2"/>
-          </a:fillRef>
-          <a:effectRef idx="0">
-            <a:schemeClr val="accent2"/>
-          </a:effectRef>
-          <a:fontRef idx="minor">
-            <a:schemeClr val="lt1"/>
-          </a:fontRef>
-        </p:style>
-        <p:txBody>
-          <a:bodyPr rtlCol="0" anchor="ctr"/>
-          <a:lstStyle/>
-          <a:p>
-            <a:pPr algn="ctr"/>
-            <a:endParaRPr lang="en-US"/>
-          </a:p>
-        </p:txBody>
-      </p:sp>
-      <p:sp>
-        <p:nvSpPr>
-          <p:cNvPr id="15" name="Down Arrow 14"/>
-          <p:cNvSpPr/>
-          <p:nvPr/>
-        </p:nvSpPr>
-        <p:spPr>
-          <a:xfrm>
-            <a:off x="7131424" y="2971800"/>
-            <a:ext cx="640976" cy="1295400"/>
-          </a:xfrm>
-          <a:prstGeom prst="downArrow">
-            <a:avLst/>
-          </a:prstGeom>
-        </p:spPr>
-        <p:style>
-          <a:lnRef idx="2">
-            <a:schemeClr val="accent2">
-              <a:shade val="50000"/>
-            </a:schemeClr>
-          </a:lnRef>
-          <a:fillRef idx="1">
-            <a:schemeClr val="accent2"/>
-          </a:fillRef>
-          <a:effectRef idx="0">
-            <a:schemeClr val="accent2"/>
-          </a:effectRef>
-          <a:fontRef idx="minor">
-            <a:schemeClr val="lt1"/>
-          </a:fontRef>
-        </p:style>
-        <p:txBody>
-          <a:bodyPr rtlCol="0" anchor="ctr"/>
-          <a:lstStyle/>
-          <a:p>
-            <a:pPr algn="ctr"/>
-            <a:endParaRPr lang="en-US"/>
+          <a:p>
+            <a:pPr marL="0" indent="0">
+              <a:buNone/>
+            </a:pPr>
+            <a:r>
+              <a:rPr lang="en-US" dirty="0" err="1" smtClean="0"/>
+              <a:t>std</a:t>
+            </a:r>
+            <a:r>
+              <a:rPr lang="en-US" dirty="0" smtClean="0"/>
+              <a:t>::vector&lt;T&gt; </a:t>
+            </a:r>
+            <a:r>
+              <a:rPr lang="en-US" dirty="0" err="1" smtClean="0"/>
+              <a:t>cpu_data</a:t>
+            </a:r>
+            <a:r>
+              <a:rPr lang="en-US" dirty="0" smtClean="0"/>
+              <a:t>;</a:t>
+            </a:r>
+          </a:p>
+          <a:p>
+            <a:pPr marL="0" indent="0">
+              <a:buNone/>
+            </a:pPr>
+            <a:endParaRPr lang="en-US" dirty="0" smtClean="0"/>
+          </a:p>
+          <a:p>
+            <a:pPr marL="0" indent="0">
+              <a:buNone/>
+            </a:pPr>
+            <a:r>
+              <a:rPr lang="en-US" dirty="0" err="1" smtClean="0"/>
+              <a:t>cudaMalloc</a:t>
+            </a:r>
+            <a:r>
+              <a:rPr lang="en-US" dirty="0"/>
+              <a:t>((void</a:t>
+            </a:r>
+            <a:r>
+              <a:rPr lang="en-US" dirty="0" smtClean="0"/>
+              <a:t>**)&amp;</a:t>
+            </a:r>
+            <a:r>
+              <a:rPr lang="en-US" dirty="0" err="1" smtClean="0"/>
+              <a:t>gpu_data</a:t>
+            </a:r>
+            <a:r>
+              <a:rPr lang="en-US" dirty="0" smtClean="0"/>
+              <a:t>, </a:t>
+            </a:r>
+            <a:r>
+              <a:rPr lang="en-US" dirty="0" err="1" smtClean="0"/>
+              <a:t>cpu_data.size</a:t>
+            </a:r>
+            <a:r>
+              <a:rPr lang="en-US" dirty="0"/>
+              <a:t>()*</a:t>
+            </a:r>
+            <a:r>
+              <a:rPr lang="en-US" dirty="0" err="1" smtClean="0"/>
+              <a:t>sizeof</a:t>
+            </a:r>
+            <a:r>
+              <a:rPr lang="en-US" dirty="0" smtClean="0"/>
+              <a:t>(T));</a:t>
+            </a:r>
+          </a:p>
+          <a:p>
+            <a:pPr marL="0" indent="0">
+              <a:buNone/>
+            </a:pPr>
+            <a:endParaRPr lang="en-US" dirty="0" smtClean="0"/>
+          </a:p>
+          <a:p>
+            <a:pPr marL="0" indent="0">
+              <a:buNone/>
+            </a:pPr>
+            <a:r>
+              <a:rPr lang="en-US" dirty="0" err="1" smtClean="0"/>
+              <a:t>cudaMemcpy</a:t>
+            </a:r>
+            <a:r>
+              <a:rPr lang="en-US" dirty="0" smtClean="0"/>
+              <a:t>(</a:t>
+            </a:r>
+            <a:r>
+              <a:rPr lang="en-US" dirty="0" err="1" smtClean="0"/>
+              <a:t>gpu_data</a:t>
+            </a:r>
+            <a:r>
+              <a:rPr lang="en-US" dirty="0" smtClean="0"/>
+              <a:t>,</a:t>
+            </a:r>
+            <a:endParaRPr lang="en-US" dirty="0"/>
+          </a:p>
+          <a:p>
+            <a:pPr marL="0" indent="0">
+              <a:buNone/>
+            </a:pPr>
+            <a:r>
+              <a:rPr lang="en-US" dirty="0" smtClean="0"/>
+              <a:t>	&amp;</a:t>
+            </a:r>
+            <a:r>
+              <a:rPr lang="en-US" dirty="0" err="1" smtClean="0"/>
+              <a:t>cpu_data</a:t>
+            </a:r>
+            <a:r>
+              <a:rPr lang="en-US" dirty="0" smtClean="0"/>
+              <a:t>[0],</a:t>
+            </a:r>
+            <a:endParaRPr lang="en-US" dirty="0"/>
+          </a:p>
+          <a:p>
+            <a:pPr marL="0" indent="0">
+              <a:buNone/>
+            </a:pPr>
+            <a:r>
+              <a:rPr lang="en-US" dirty="0" smtClean="0"/>
+              <a:t>	</a:t>
+            </a:r>
+            <a:r>
+              <a:rPr lang="en-US" dirty="0" err="1" smtClean="0"/>
+              <a:t>cpu_data.size</a:t>
+            </a:r>
+            <a:r>
+              <a:rPr lang="en-US" dirty="0"/>
+              <a:t>()*</a:t>
+            </a:r>
+            <a:r>
+              <a:rPr lang="en-US" dirty="0" err="1" smtClean="0"/>
+              <a:t>sizeof</a:t>
+            </a:r>
+            <a:r>
+              <a:rPr lang="en-US" dirty="0" smtClean="0"/>
+              <a:t>(T),</a:t>
+            </a:r>
+            <a:endParaRPr lang="en-US" dirty="0"/>
+          </a:p>
+          <a:p>
+            <a:pPr marL="0" indent="0">
+              <a:buNone/>
+            </a:pPr>
+            <a:r>
+              <a:rPr lang="en-US" dirty="0" smtClean="0"/>
+              <a:t>	</a:t>
+            </a:r>
+            <a:r>
+              <a:rPr lang="en-US" dirty="0" err="1" smtClean="0"/>
+              <a:t>cudaMemcpyHostToDevice</a:t>
+            </a:r>
+            <a:r>
+              <a:rPr lang="en-US" dirty="0" smtClean="0"/>
+              <a:t>);</a:t>
+            </a:r>
+          </a:p>
+          <a:p>
+            <a:pPr marL="0" indent="0">
+              <a:buNone/>
+            </a:pPr>
+            <a:r>
+              <a:rPr lang="en-US" dirty="0" smtClean="0"/>
+              <a:t>…</a:t>
+            </a:r>
+            <a:endParaRPr lang="en-US" dirty="0"/>
           </a:p>
         </p:txBody>
       </p:sp>
     </p:spTree>
     <p:extLst>
       <p:ext uri="{BB962C8B-B14F-4D97-AF65-F5344CB8AC3E}">
-        <p14:creationId xmlns:p14="http://schemas.microsoft.com/office/powerpoint/2010/main" val="3201587678"/>
+        <p14:creationId xmlns:p14="http://schemas.microsoft.com/office/powerpoint/2010/main" val="484950902"/>
       </p:ext>
     </p:extLst>
   </p:cSld>
@@ -13384,7 +13066,7 @@
           <a:p>
             <a:r>
               <a:rPr lang="en-US" dirty="0" smtClean="0"/>
-              <a:t>Mass Spring Simulation</a:t>
+              <a:t>GPU Array Management</a:t>
             </a:r>
             <a:endParaRPr lang="en-US" dirty="0"/>
           </a:p>
@@ -13392,7 +13074,7 @@
       </p:sp>
       <p:sp>
         <p:nvSpPr>
-          <p:cNvPr id="4" name="Content Placeholder 3"/>
+          <p:cNvPr id="5" name="Content Placeholder 4"/>
           <p:cNvSpPr>
             <a:spLocks noGrp="1"/>
           </p:cNvSpPr>
@@ -13405,51 +13087,310 @@
           <a:bodyPr/>
           <a:lstStyle/>
           <a:p>
-            <a:r>
-              <a:rPr lang="en-US" dirty="0" smtClean="0"/>
-              <a:t>Masses simulated using explicit RK4</a:t>
-            </a:r>
-          </a:p>
-          <a:p>
-            <a:endParaRPr lang="en-US" dirty="0" smtClean="0"/>
-          </a:p>
-          <a:p>
-            <a:r>
-              <a:rPr lang="en-US" dirty="0" smtClean="0"/>
-              <a:t>Spring forces using Hooke’s Law</a:t>
-            </a:r>
-          </a:p>
-          <a:p>
-            <a:endParaRPr lang="en-US" dirty="0" smtClean="0"/>
-          </a:p>
-          <a:p>
-            <a:r>
-              <a:rPr lang="en-US" dirty="0" smtClean="0"/>
-              <a:t>Simulate using very small </a:t>
-            </a:r>
-            <a:r>
-              <a:rPr lang="en-US" dirty="0" err="1" smtClean="0"/>
-              <a:t>timesteps</a:t>
-            </a:r>
-            <a:endParaRPr lang="en-US" dirty="0" smtClean="0"/>
-          </a:p>
-          <a:p>
-            <a:pPr lvl="1"/>
-            <a:r>
-              <a:rPr lang="en-US" dirty="0" err="1" smtClean="0"/>
-              <a:t>dt</a:t>
-            </a:r>
-            <a:r>
-              <a:rPr lang="en-US" dirty="0" smtClean="0"/>
-              <a:t> = 1e-5</a:t>
-            </a:r>
+            <a:endParaRPr lang="en-US" dirty="0"/>
+          </a:p>
+        </p:txBody>
+      </p:sp>
+      <p:sp>
+        <p:nvSpPr>
+          <p:cNvPr id="6" name="Rectangle 5"/>
+          <p:cNvSpPr/>
+          <p:nvPr/>
+        </p:nvSpPr>
+        <p:spPr>
+          <a:xfrm>
+            <a:off x="914400" y="1600200"/>
+            <a:ext cx="2895600" cy="1371600"/>
+          </a:xfrm>
+          <a:prstGeom prst="rect">
+            <a:avLst/>
+          </a:prstGeom>
+        </p:spPr>
+        <p:style>
+          <a:lnRef idx="2">
+            <a:schemeClr val="accent2">
+              <a:shade val="50000"/>
+            </a:schemeClr>
+          </a:lnRef>
+          <a:fillRef idx="1">
+            <a:schemeClr val="accent2"/>
+          </a:fillRef>
+          <a:effectRef idx="0">
+            <a:schemeClr val="accent2"/>
+          </a:effectRef>
+          <a:fontRef idx="minor">
+            <a:schemeClr val="lt1"/>
+          </a:fontRef>
+        </p:style>
+        <p:txBody>
+          <a:bodyPr rtlCol="0" anchor="ctr"/>
+          <a:lstStyle/>
+          <a:p>
+            <a:pPr algn="ctr"/>
+            <a:r>
+              <a:rPr lang="en-US" sz="2400" dirty="0" smtClean="0"/>
+              <a:t>CPU Writable</a:t>
+            </a:r>
+          </a:p>
+        </p:txBody>
+      </p:sp>
+      <p:sp>
+        <p:nvSpPr>
+          <p:cNvPr id="7" name="Rectangle 6"/>
+          <p:cNvSpPr/>
+          <p:nvPr/>
+        </p:nvSpPr>
+        <p:spPr>
+          <a:xfrm>
+            <a:off x="5181600" y="1600200"/>
+            <a:ext cx="2895600" cy="1371600"/>
+          </a:xfrm>
+          <a:prstGeom prst="rect">
+            <a:avLst/>
+          </a:prstGeom>
+        </p:spPr>
+        <p:style>
+          <a:lnRef idx="2">
+            <a:schemeClr val="accent2">
+              <a:shade val="50000"/>
+            </a:schemeClr>
+          </a:lnRef>
+          <a:fillRef idx="1">
+            <a:schemeClr val="accent2"/>
+          </a:fillRef>
+          <a:effectRef idx="0">
+            <a:schemeClr val="accent2"/>
+          </a:effectRef>
+          <a:fontRef idx="minor">
+            <a:schemeClr val="lt1"/>
+          </a:fontRef>
+        </p:style>
+        <p:txBody>
+          <a:bodyPr rtlCol="0" anchor="ctr"/>
+          <a:lstStyle/>
+          <a:p>
+            <a:pPr algn="ctr"/>
+            <a:r>
+              <a:rPr lang="en-US" sz="2400" dirty="0" smtClean="0"/>
+              <a:t>GPU Uploaded</a:t>
+            </a:r>
+          </a:p>
+          <a:p>
+            <a:pPr algn="ctr"/>
+            <a:r>
+              <a:rPr lang="en-US" sz="2400" dirty="0" smtClean="0"/>
+              <a:t>(CPU read-only)</a:t>
+            </a:r>
+          </a:p>
+        </p:txBody>
+      </p:sp>
+      <p:sp>
+        <p:nvSpPr>
+          <p:cNvPr id="8" name="Rectangle 7"/>
+          <p:cNvSpPr/>
+          <p:nvPr/>
+        </p:nvSpPr>
+        <p:spPr>
+          <a:xfrm>
+            <a:off x="5181600" y="4267200"/>
+            <a:ext cx="2895600" cy="1371600"/>
+          </a:xfrm>
+          <a:prstGeom prst="rect">
+            <a:avLst/>
+          </a:prstGeom>
+        </p:spPr>
+        <p:style>
+          <a:lnRef idx="2">
+            <a:schemeClr val="accent2">
+              <a:shade val="50000"/>
+            </a:schemeClr>
+          </a:lnRef>
+          <a:fillRef idx="1">
+            <a:schemeClr val="accent2"/>
+          </a:fillRef>
+          <a:effectRef idx="0">
+            <a:schemeClr val="accent2"/>
+          </a:effectRef>
+          <a:fontRef idx="minor">
+            <a:schemeClr val="lt1"/>
+          </a:fontRef>
+        </p:style>
+        <p:txBody>
+          <a:bodyPr rtlCol="0" anchor="ctr"/>
+          <a:lstStyle/>
+          <a:p>
+            <a:pPr algn="ctr"/>
+            <a:r>
+              <a:rPr lang="en-US" sz="2400" dirty="0" smtClean="0"/>
+              <a:t>GPU Computing</a:t>
+            </a:r>
+          </a:p>
+        </p:txBody>
+      </p:sp>
+      <p:sp>
+        <p:nvSpPr>
+          <p:cNvPr id="12" name="Right Arrow 11"/>
+          <p:cNvSpPr/>
+          <p:nvPr/>
+        </p:nvSpPr>
+        <p:spPr>
+          <a:xfrm>
+            <a:off x="3810000" y="1600200"/>
+            <a:ext cx="1371600" cy="609600"/>
+          </a:xfrm>
+          <a:prstGeom prst="rightArrow">
+            <a:avLst/>
+          </a:prstGeom>
+        </p:spPr>
+        <p:style>
+          <a:lnRef idx="2">
+            <a:schemeClr val="accent2">
+              <a:shade val="50000"/>
+            </a:schemeClr>
+          </a:lnRef>
+          <a:fillRef idx="1">
+            <a:schemeClr val="accent2"/>
+          </a:fillRef>
+          <a:effectRef idx="0">
+            <a:schemeClr val="accent2"/>
+          </a:effectRef>
+          <a:fontRef idx="minor">
+            <a:schemeClr val="lt1"/>
+          </a:fontRef>
+        </p:style>
+        <p:txBody>
+          <a:bodyPr rtlCol="0" anchor="ctr"/>
+          <a:lstStyle/>
+          <a:p>
+            <a:pPr algn="ctr"/>
+            <a:endParaRPr lang="en-US"/>
+          </a:p>
+        </p:txBody>
+      </p:sp>
+      <p:sp>
+        <p:nvSpPr>
+          <p:cNvPr id="13" name="Left Arrow 12"/>
+          <p:cNvSpPr/>
+          <p:nvPr/>
+        </p:nvSpPr>
+        <p:spPr>
+          <a:xfrm>
+            <a:off x="3810000" y="2286000"/>
+            <a:ext cx="1371600" cy="685800"/>
+          </a:xfrm>
+          <a:prstGeom prst="leftArrow">
+            <a:avLst/>
+          </a:prstGeom>
+        </p:spPr>
+        <p:style>
+          <a:lnRef idx="2">
+            <a:schemeClr val="accent2">
+              <a:shade val="50000"/>
+            </a:schemeClr>
+          </a:lnRef>
+          <a:fillRef idx="1">
+            <a:schemeClr val="accent2"/>
+          </a:fillRef>
+          <a:effectRef idx="0">
+            <a:schemeClr val="accent2"/>
+          </a:effectRef>
+          <a:fontRef idx="minor">
+            <a:schemeClr val="lt1"/>
+          </a:fontRef>
+        </p:style>
+        <p:txBody>
+          <a:bodyPr rtlCol="0" anchor="ctr"/>
+          <a:lstStyle/>
+          <a:p>
+            <a:pPr algn="ctr"/>
+            <a:endParaRPr lang="en-US"/>
+          </a:p>
+        </p:txBody>
+      </p:sp>
+      <p:sp>
+        <p:nvSpPr>
+          <p:cNvPr id="14" name="Up Arrow 13"/>
+          <p:cNvSpPr/>
+          <p:nvPr/>
+        </p:nvSpPr>
+        <p:spPr>
+          <a:xfrm>
+            <a:off x="5638800" y="2971800"/>
+            <a:ext cx="685800" cy="1295400"/>
+          </a:xfrm>
+          <a:prstGeom prst="upArrow">
+            <a:avLst/>
+          </a:prstGeom>
+        </p:spPr>
+        <p:style>
+          <a:lnRef idx="2">
+            <a:schemeClr val="accent2">
+              <a:shade val="50000"/>
+            </a:schemeClr>
+          </a:lnRef>
+          <a:fillRef idx="1">
+            <a:schemeClr val="accent2"/>
+          </a:fillRef>
+          <a:effectRef idx="0">
+            <a:schemeClr val="accent2"/>
+          </a:effectRef>
+          <a:fontRef idx="minor">
+            <a:schemeClr val="lt1"/>
+          </a:fontRef>
+        </p:style>
+        <p:txBody>
+          <a:bodyPr rtlCol="0" anchor="ctr"/>
+          <a:lstStyle/>
+          <a:p>
+            <a:pPr algn="ctr"/>
+            <a:endParaRPr lang="en-US"/>
+          </a:p>
+        </p:txBody>
+      </p:sp>
+      <p:sp>
+        <p:nvSpPr>
+          <p:cNvPr id="15" name="Down Arrow 14"/>
+          <p:cNvSpPr/>
+          <p:nvPr/>
+        </p:nvSpPr>
+        <p:spPr>
+          <a:xfrm>
+            <a:off x="7131424" y="2971800"/>
+            <a:ext cx="640976" cy="1295400"/>
+          </a:xfrm>
+          <a:prstGeom prst="downArrow">
+            <a:avLst/>
+          </a:prstGeom>
+        </p:spPr>
+        <p:style>
+          <a:lnRef idx="2">
+            <a:schemeClr val="accent2">
+              <a:shade val="50000"/>
+            </a:schemeClr>
+          </a:lnRef>
+          <a:fillRef idx="1">
+            <a:schemeClr val="accent2"/>
+          </a:fillRef>
+          <a:effectRef idx="0">
+            <a:schemeClr val="accent2"/>
+          </a:effectRef>
+          <a:fontRef idx="minor">
+            <a:schemeClr val="lt1"/>
+          </a:fontRef>
+        </p:style>
+        <p:txBody>
+          <a:bodyPr rtlCol="0" anchor="ctr"/>
+          <a:lstStyle/>
+          <a:p>
+            <a:pPr algn="ctr"/>
+            <a:endParaRPr lang="en-US"/>
           </a:p>
         </p:txBody>
       </p:sp>
     </p:spTree>
     <p:extLst>
       <p:ext uri="{BB962C8B-B14F-4D97-AF65-F5344CB8AC3E}">
-        <p14:creationId xmlns:p14="http://schemas.microsoft.com/office/powerpoint/2010/main" val="1588672030"/>
+        <p14:creationId xmlns:p14="http://schemas.microsoft.com/office/powerpoint/2010/main" val="3201587678"/>
       </p:ext>
     </p:extLst>
   </p:cSld>
@@ -13500,7 +13441,7 @@
           <a:p>
             <a:r>
               <a:rPr lang="en-US" dirty="0" smtClean="0"/>
-              <a:t>Masses</a:t>
+              <a:t>Mass Spring Simulation</a:t>
             </a:r>
             <a:endParaRPr lang="en-US" dirty="0"/>
           </a:p>
@@ -13508,90 +13449,64 @@
       </p:sp>
       <p:sp>
         <p:nvSpPr>
-          <p:cNvPr id="3" name="Content Placeholder 2"/>
-          <p:cNvSpPr>
-            <a:spLocks noGrp="1"/>
-          </p:cNvSpPr>
-          <p:nvPr>
-            <p:ph sz="half" idx="1"/>
-          </p:nvPr>
-        </p:nvSpPr>
-        <p:spPr/>
-        <p:txBody>
-          <a:bodyPr/>
-          <a:lstStyle/>
-          <a:p>
-            <a:r>
-              <a:rPr lang="en-US" dirty="0" smtClean="0"/>
-              <a:t>Masses in axis aligned </a:t>
+          <p:cNvPr id="4" name="Content Placeholder 3"/>
+          <p:cNvSpPr>
+            <a:spLocks noGrp="1"/>
+          </p:cNvSpPr>
+          <p:nvPr>
+            <p:ph idx="1"/>
+          </p:nvPr>
+        </p:nvSpPr>
+        <p:spPr/>
+        <p:txBody>
+          <a:bodyPr/>
+          <a:lstStyle/>
+          <a:p>
+            <a:r>
+              <a:rPr lang="en-US" dirty="0" smtClean="0"/>
+              <a:t>Masses simulated using explicit RK4</a:t>
+            </a:r>
+          </a:p>
+          <a:p>
+            <a:endParaRPr lang="en-US" dirty="0" smtClean="0"/>
+          </a:p>
+          <a:p>
+            <a:r>
+              <a:rPr lang="en-US" dirty="0" smtClean="0"/>
+              <a:t>Spring forces using Hooke’s Law</a:t>
+            </a:r>
+          </a:p>
+          <a:p>
+            <a:endParaRPr lang="en-US" dirty="0" smtClean="0"/>
+          </a:p>
+          <a:p>
+            <a:r>
+              <a:rPr lang="en-US" dirty="0" smtClean="0"/>
+              <a:t>Simulate using very small </a:t>
             </a:r>
             <a:r>
               <a:rPr lang="en-US" dirty="0" err="1" smtClean="0"/>
-              <a:t>cartesian</a:t>
-            </a:r>
-            <a:r>
-              <a:rPr lang="en-US" dirty="0" smtClean="0"/>
-              <a:t> grid</a:t>
-            </a:r>
-          </a:p>
-          <a:p>
-            <a:endParaRPr lang="en-US" dirty="0"/>
-          </a:p>
-          <a:p>
-            <a:r>
-              <a:rPr lang="en-US" dirty="0" smtClean="0"/>
-              <a:t>Form a grid of cubes with one mass on each vertex</a:t>
-            </a:r>
-            <a:endParaRPr lang="en-US" dirty="0"/>
-          </a:p>
-        </p:txBody>
-      </p:sp>
-      <p:pic>
-        <p:nvPicPr>
-          <p:cNvPr id="6" name="Content Placeholder 5"/>
-          <p:cNvPicPr>
-            <a:picLocks noGrp="1" noChangeAspect="1"/>
-          </p:cNvPicPr>
-          <p:nvPr>
-            <p:ph sz="half" idx="2"/>
-          </p:nvPr>
-        </p:nvPicPr>
-        <p:blipFill>
-          <a:blip r:embed="rId2">
-            <a:extLst>
-              <a:ext uri="{28A0092B-C50C-407E-A947-70E740481C1C}">
-                <a14:useLocalDpi xmlns:a14="http://schemas.microsoft.com/office/drawing/2010/main" val="0"/>
-              </a:ext>
-            </a:extLst>
-          </a:blip>
-          <a:stretch>
-            <a:fillRect/>
-          </a:stretch>
-        </p:blipFill>
-        <p:spPr>
-          <a:xfrm>
-            <a:off x="5253137" y="1600200"/>
-            <a:ext cx="2828726" cy="4525962"/>
-          </a:xfrm>
-          <a:prstGeom prst="rect">
-            <a:avLst/>
-          </a:prstGeom>
-          <a:ln>
-            <a:noFill/>
-          </a:ln>
-          <a:effectLst>
-            <a:outerShdw blurRad="292100" dist="139700" dir="2700000" algn="tl" rotWithShape="0">
-              <a:srgbClr val="333333">
-                <a:alpha val="65000"/>
-              </a:srgbClr>
-            </a:outerShdw>
-          </a:effectLst>
-        </p:spPr>
-      </p:pic>
+              <a:t>timesteps</a:t>
+            </a:r>
+            <a:endParaRPr lang="en-US" dirty="0" smtClean="0"/>
+          </a:p>
+          <a:p>
+            <a:pPr lvl="1"/>
+            <a:r>
+              <a:rPr lang="en-US" dirty="0" err="1" smtClean="0"/>
+              <a:t>dt</a:t>
+            </a:r>
+            <a:r>
+              <a:rPr lang="en-US" dirty="0" smtClean="0"/>
+              <a:t> = 1e-5</a:t>
+            </a:r>
+          </a:p>
+        </p:txBody>
+      </p:sp>
     </p:spTree>
     <p:extLst>
       <p:ext uri="{BB962C8B-B14F-4D97-AF65-F5344CB8AC3E}">
-        <p14:creationId xmlns:p14="http://schemas.microsoft.com/office/powerpoint/2010/main" val="3178789871"/>
+        <p14:creationId xmlns:p14="http://schemas.microsoft.com/office/powerpoint/2010/main" val="1588672030"/>
       </p:ext>
     </p:extLst>
   </p:cSld>
@@ -13797,7 +13712,7 @@
           <a:p>
             <a:r>
               <a:rPr lang="en-US" dirty="0" smtClean="0"/>
-              <a:t>Mass Simulation</a:t>
+              <a:t>Masses</a:t>
             </a:r>
             <a:endParaRPr lang="en-US" dirty="0"/>
           </a:p>
@@ -13810,335 +13725,85 @@
             <a:spLocks noGrp="1"/>
           </p:cNvSpPr>
           <p:nvPr>
-            <p:ph idx="1"/>
-          </p:nvPr>
-        </p:nvSpPr>
-        <p:spPr/>
-        <p:txBody>
-          <a:bodyPr>
-            <a:normAutofit fontScale="55000" lnSpcReduction="20000"/>
-          </a:bodyPr>
-          <a:lstStyle/>
-          <a:p>
-            <a:r>
-              <a:rPr lang="en-US" dirty="0" smtClean="0"/>
-              <a:t>Each mass is a structure:</a:t>
-            </a:r>
-          </a:p>
-          <a:p>
-            <a:pPr marL="457200" lvl="1" indent="0">
-              <a:buNone/>
-            </a:pPr>
-            <a:r>
-              <a:rPr lang="en-US" dirty="0" err="1"/>
-              <a:t>struct</a:t>
-            </a:r>
-            <a:r>
-              <a:rPr lang="en-US" dirty="0"/>
-              <a:t> Mass {</a:t>
-            </a:r>
-          </a:p>
-          <a:p>
-            <a:pPr marL="457200" lvl="1" indent="0">
-              <a:buNone/>
-            </a:pPr>
-            <a:r>
-              <a:rPr lang="en-US" dirty="0"/>
-              <a:t>	</a:t>
-            </a:r>
-            <a:r>
-              <a:rPr lang="en-US" dirty="0" smtClean="0"/>
-              <a:t>public</a:t>
-            </a:r>
-            <a:r>
-              <a:rPr lang="en-US" dirty="0"/>
-              <a:t>:</a:t>
-            </a:r>
-          </a:p>
-          <a:p>
-            <a:pPr marL="457200" lvl="1" indent="0">
-              <a:buNone/>
-            </a:pPr>
-            <a:r>
-              <a:rPr lang="en-US" dirty="0"/>
-              <a:t>		</a:t>
-            </a:r>
-            <a:r>
-              <a:rPr lang="en-US" dirty="0" smtClean="0"/>
-              <a:t>Mass(…);</a:t>
-            </a:r>
+            <p:ph sz="half" idx="1"/>
+          </p:nvPr>
+        </p:nvSpPr>
+        <p:spPr/>
+        <p:txBody>
+          <a:bodyPr/>
+          <a:lstStyle/>
+          <a:p>
+            <a:r>
+              <a:rPr lang="en-US" dirty="0" smtClean="0"/>
+              <a:t>Masses in axis aligned </a:t>
+            </a:r>
+            <a:r>
+              <a:rPr lang="en-US" dirty="0" err="1" smtClean="0"/>
+              <a:t>cartesian</a:t>
+            </a:r>
+            <a:r>
+              <a:rPr lang="en-US" dirty="0" smtClean="0"/>
+              <a:t> grid</a:t>
+            </a:r>
+          </a:p>
+          <a:p>
             <a:endParaRPr lang="en-US" dirty="0"/>
           </a:p>
           <a:p>
-            <a:pPr marL="457200" lvl="1" indent="0">
-              <a:buNone/>
-            </a:pPr>
+            <a:r>
+              <a:rPr lang="en-US" dirty="0" smtClean="0"/>
+              <a:t>Form a grid of cubes with one mass on each vertex</a:t>
+            </a:r>
             <a:endParaRPr lang="en-US" dirty="0"/>
           </a:p>
-          <a:p>
-            <a:pPr marL="457200" lvl="1" indent="0">
-              <a:buNone/>
-            </a:pPr>
-            <a:r>
-              <a:rPr lang="en-US" dirty="0"/>
-              <a:t>		// data</a:t>
-            </a:r>
-          </a:p>
-          <a:p>
-            <a:pPr marL="457200" lvl="1" indent="0">
-              <a:buNone/>
-            </a:pPr>
-            <a:r>
-              <a:rPr lang="en-US" dirty="0"/>
-              <a:t>		</a:t>
-            </a:r>
-            <a:r>
-              <a:rPr lang="en-US" dirty="0" smtClean="0"/>
-              <a:t>float </a:t>
-            </a:r>
-            <a:r>
-              <a:rPr lang="en-US" dirty="0"/>
-              <a:t>_mass</a:t>
-            </a:r>
-            <a:r>
-              <a:rPr lang="en-US" dirty="0" smtClean="0"/>
-              <a:t>;</a:t>
-            </a:r>
-          </a:p>
-          <a:p>
-            <a:pPr marL="457200" lvl="1" indent="0">
-              <a:buNone/>
-            </a:pPr>
-            <a:r>
-              <a:rPr lang="en-US" dirty="0" smtClean="0"/>
-              <a:t>		float _x; float _y; float _z;</a:t>
-            </a:r>
-            <a:endParaRPr lang="en-US" dirty="0"/>
-          </a:p>
-          <a:p>
-            <a:pPr marL="457200" lvl="1" indent="0">
-              <a:buNone/>
-            </a:pPr>
-            <a:r>
-              <a:rPr lang="en-US" dirty="0"/>
-              <a:t>		</a:t>
-            </a:r>
-            <a:r>
-              <a:rPr lang="en-US" dirty="0" smtClean="0"/>
-              <a:t>float </a:t>
-            </a:r>
-            <a:r>
-              <a:rPr lang="en-US" dirty="0"/>
-              <a:t>_</a:t>
-            </a:r>
-            <a:r>
-              <a:rPr lang="en-US" dirty="0" err="1"/>
-              <a:t>vx</a:t>
-            </a:r>
-            <a:r>
-              <a:rPr lang="en-US" dirty="0"/>
-              <a:t>; float _</a:t>
-            </a:r>
-            <a:r>
-              <a:rPr lang="en-US" dirty="0" err="1"/>
-              <a:t>vy</a:t>
-            </a:r>
-            <a:r>
-              <a:rPr lang="en-US" dirty="0"/>
-              <a:t>; float _</a:t>
-            </a:r>
-            <a:r>
-              <a:rPr lang="en-US" dirty="0" err="1"/>
-              <a:t>vz</a:t>
-            </a:r>
-            <a:r>
-              <a:rPr lang="en-US" dirty="0" smtClean="0"/>
-              <a:t>;</a:t>
-            </a:r>
-            <a:endParaRPr lang="en-US" dirty="0"/>
-          </a:p>
-          <a:p>
-            <a:pPr marL="457200" lvl="1" indent="0">
-              <a:buNone/>
-            </a:pPr>
-            <a:r>
-              <a:rPr lang="en-US" dirty="0"/>
-              <a:t>		</a:t>
-            </a:r>
-            <a:r>
-              <a:rPr lang="en-US" dirty="0" smtClean="0"/>
-              <a:t>float </a:t>
-            </a:r>
-            <a:r>
-              <a:rPr lang="en-US" dirty="0"/>
-              <a:t>_</a:t>
-            </a:r>
-            <a:r>
-              <a:rPr lang="en-US" dirty="0" err="1"/>
-              <a:t>fx</a:t>
-            </a:r>
-            <a:r>
-              <a:rPr lang="en-US" dirty="0"/>
-              <a:t>; float _</a:t>
-            </a:r>
-            <a:r>
-              <a:rPr lang="en-US" dirty="0" err="1"/>
-              <a:t>fy</a:t>
-            </a:r>
-            <a:r>
-              <a:rPr lang="en-US" dirty="0"/>
-              <a:t>; float _</a:t>
-            </a:r>
-            <a:r>
-              <a:rPr lang="en-US" dirty="0" err="1"/>
-              <a:t>fz</a:t>
-            </a:r>
-            <a:r>
-              <a:rPr lang="en-US" dirty="0" smtClean="0"/>
-              <a:t>;</a:t>
-            </a:r>
-          </a:p>
-          <a:p>
-            <a:pPr marL="457200" lvl="1" indent="0">
-              <a:buNone/>
-            </a:pPr>
-            <a:r>
-              <a:rPr lang="en-US" dirty="0" smtClean="0"/>
-              <a:t> </a:t>
-            </a:r>
-            <a:r>
-              <a:rPr lang="en-US" dirty="0"/>
-              <a:t>		</a:t>
-            </a:r>
-            <a:endParaRPr lang="en-US" dirty="0" smtClean="0"/>
-          </a:p>
-          <a:p>
-            <a:pPr marL="457200" lvl="1" indent="0">
-              <a:buNone/>
-            </a:pPr>
-            <a:r>
-              <a:rPr lang="en-US" dirty="0"/>
-              <a:t>		</a:t>
-            </a:r>
-            <a:r>
-              <a:rPr lang="en-US" dirty="0" smtClean="0"/>
-              <a:t>…</a:t>
-            </a:r>
-          </a:p>
-          <a:p>
-            <a:pPr marL="457200" lvl="1" indent="0">
-              <a:buNone/>
-            </a:pPr>
-            <a:r>
-              <a:rPr lang="en-US" dirty="0"/>
-              <a:t>			</a:t>
-            </a:r>
-            <a:endParaRPr lang="en-US" dirty="0" smtClean="0"/>
-          </a:p>
-          <a:p>
-            <a:pPr marL="457200" lvl="1" indent="0">
-              <a:buNone/>
-            </a:pPr>
-            <a:r>
-              <a:rPr lang="en-US" dirty="0"/>
-              <a:t>	</a:t>
-            </a:r>
-            <a:r>
-              <a:rPr lang="en-US" dirty="0" smtClean="0"/>
-              <a:t>	float </a:t>
-            </a:r>
-            <a:r>
-              <a:rPr lang="en-US" dirty="0"/>
-              <a:t>_radius;</a:t>
-            </a:r>
-          </a:p>
-          <a:p>
-            <a:pPr marL="457200" lvl="1" indent="0">
-              <a:buNone/>
-            </a:pPr>
-            <a:r>
-              <a:rPr lang="en-US" dirty="0"/>
-              <a:t>		</a:t>
-            </a:r>
-            <a:r>
-              <a:rPr lang="en-US" dirty="0" smtClean="0"/>
-              <a:t>// </a:t>
-            </a:r>
-            <a:r>
-              <a:rPr lang="en-US" dirty="0"/>
-              <a:t>states:</a:t>
-            </a:r>
-          </a:p>
-          <a:p>
-            <a:pPr marL="457200" lvl="1" indent="0">
-              <a:buNone/>
-            </a:pPr>
-            <a:r>
-              <a:rPr lang="en-US" dirty="0"/>
-              <a:t>		</a:t>
-            </a:r>
-            <a:r>
-              <a:rPr lang="en-US" dirty="0" smtClean="0"/>
-              <a:t>// </a:t>
-            </a:r>
-            <a:r>
-              <a:rPr lang="en-US" dirty="0"/>
-              <a:t>0 - unconstrained</a:t>
-            </a:r>
-          </a:p>
-          <a:p>
-            <a:pPr marL="457200" lvl="1" indent="0">
-              <a:buNone/>
-            </a:pPr>
-            <a:r>
-              <a:rPr lang="en-US" dirty="0"/>
-              <a:t>		</a:t>
-            </a:r>
-            <a:r>
-              <a:rPr lang="en-US" dirty="0" smtClean="0"/>
-              <a:t>// </a:t>
-            </a:r>
-            <a:r>
-              <a:rPr lang="en-US" dirty="0"/>
-              <a:t>1 - held</a:t>
-            </a:r>
-          </a:p>
-          <a:p>
-            <a:pPr marL="457200" lvl="1" indent="0">
-              <a:buNone/>
-            </a:pPr>
-            <a:r>
-              <a:rPr lang="en-US" dirty="0"/>
-              <a:t>		</a:t>
-            </a:r>
-            <a:r>
-              <a:rPr lang="en-US" dirty="0" err="1" smtClean="0"/>
-              <a:t>int</a:t>
-            </a:r>
-            <a:r>
-              <a:rPr lang="en-US" dirty="0" smtClean="0"/>
-              <a:t> </a:t>
-            </a:r>
-            <a:r>
-              <a:rPr lang="en-US" dirty="0"/>
-              <a:t>_state;</a:t>
-            </a:r>
-          </a:p>
-          <a:p>
-            <a:pPr marL="457200" lvl="1" indent="0">
-              <a:buNone/>
-            </a:pPr>
-            <a:r>
-              <a:rPr lang="en-US" dirty="0" smtClean="0"/>
-              <a:t>};</a:t>
-            </a:r>
-          </a:p>
-        </p:txBody>
-      </p:sp>
+        </p:txBody>
+      </p:sp>
+      <p:pic>
+        <p:nvPicPr>
+          <p:cNvPr id="6" name="Content Placeholder 5"/>
+          <p:cNvPicPr>
+            <a:picLocks noGrp="1" noChangeAspect="1"/>
+          </p:cNvPicPr>
+          <p:nvPr>
+            <p:ph sz="half" idx="2"/>
+          </p:nvPr>
+        </p:nvPicPr>
+        <p:blipFill>
+          <a:blip r:embed="rId2">
+            <a:extLst>
+              <a:ext uri="{28A0092B-C50C-407E-A947-70E740481C1C}">
+                <a14:useLocalDpi xmlns:a14="http://schemas.microsoft.com/office/drawing/2010/main" val="0"/>
+              </a:ext>
+            </a:extLst>
+          </a:blip>
+          <a:stretch>
+            <a:fillRect/>
+          </a:stretch>
+        </p:blipFill>
+        <p:spPr>
+          <a:xfrm>
+            <a:off x="5253137" y="1600200"/>
+            <a:ext cx="2828726" cy="4525962"/>
+          </a:xfrm>
+          <a:prstGeom prst="rect">
+            <a:avLst/>
+          </a:prstGeom>
+          <a:ln>
+            <a:noFill/>
+          </a:ln>
+          <a:effectLst>
+            <a:outerShdw blurRad="292100" dist="139700" dir="2700000" algn="tl" rotWithShape="0">
+              <a:srgbClr val="333333">
+                <a:alpha val="65000"/>
+              </a:srgbClr>
+            </a:outerShdw>
+          </a:effectLst>
+        </p:spPr>
+      </p:pic>
     </p:spTree>
     <p:extLst>
       <p:ext uri="{BB962C8B-B14F-4D97-AF65-F5344CB8AC3E}">
-        <p14:creationId xmlns:p14="http://schemas.microsoft.com/office/powerpoint/2010/main" val="1948115483"/>
+        <p14:creationId xmlns:p14="http://schemas.microsoft.com/office/powerpoint/2010/main" val="3178789871"/>
       </p:ext>
     </p:extLst>
   </p:cSld>
@@ -14208,215 +13873,329 @@
         <p:spPr/>
         <p:txBody>
           <a:bodyPr>
-            <a:normAutofit fontScale="70000" lnSpcReduction="20000"/>
+            <a:normAutofit fontScale="55000" lnSpcReduction="20000"/>
           </a:bodyPr>
           <a:lstStyle/>
           <a:p>
             <a:r>
               <a:rPr lang="en-US" dirty="0" smtClean="0"/>
-              <a:t>Each kernel call represents one RK4 increment.</a:t>
-            </a:r>
-          </a:p>
-          <a:p>
+              <a:t>Each mass is a structure:</a:t>
+            </a:r>
+          </a:p>
+          <a:p>
+            <a:pPr marL="457200" lvl="1" indent="0">
+              <a:buNone/>
+            </a:pPr>
+            <a:r>
+              <a:rPr lang="en-US" dirty="0" err="1"/>
+              <a:t>struct</a:t>
+            </a:r>
+            <a:r>
+              <a:rPr lang="en-US" dirty="0"/>
+              <a:t> Mass {</a:t>
+            </a:r>
+          </a:p>
+          <a:p>
+            <a:pPr marL="457200" lvl="1" indent="0">
+              <a:buNone/>
+            </a:pPr>
+            <a:r>
+              <a:rPr lang="en-US" dirty="0"/>
+              <a:t>	</a:t>
+            </a:r>
+            <a:r>
+              <a:rPr lang="en-US" dirty="0" smtClean="0"/>
+              <a:t>public</a:t>
+            </a:r>
+            <a:r>
+              <a:rPr lang="en-US" dirty="0"/>
+              <a:t>:</a:t>
+            </a:r>
+          </a:p>
+          <a:p>
+            <a:pPr marL="457200" lvl="1" indent="0">
+              <a:buNone/>
+            </a:pPr>
+            <a:r>
+              <a:rPr lang="en-US" dirty="0"/>
+              <a:t>		</a:t>
+            </a:r>
+            <a:r>
+              <a:rPr lang="en-US" dirty="0" smtClean="0"/>
+              <a:t>Mass(…);</a:t>
+            </a:r>
             <a:endParaRPr lang="en-US" dirty="0"/>
           </a:p>
           <a:p>
-            <a:pPr marL="0" indent="0">
+            <a:pPr marL="457200" lvl="1" indent="0">
               <a:buNone/>
             </a:pPr>
-            <a:r>
-              <a:rPr lang="en-US" sz="2400" dirty="0" err="1"/>
-              <a:t>masses.startFrame</a:t>
-            </a:r>
-            <a:r>
-              <a:rPr lang="en-US" sz="2400" dirty="0"/>
-              <a:t>();</a:t>
-            </a:r>
-          </a:p>
-          <a:p>
-            <a:pPr marL="0" indent="0">
+            <a:endParaRPr lang="en-US" dirty="0"/>
+          </a:p>
+          <a:p>
+            <a:pPr marL="457200" lvl="1" indent="0">
               <a:buNone/>
             </a:pPr>
-            <a:endParaRPr lang="en-US" sz="2400" dirty="0"/>
-          </a:p>
-          <a:p>
-            <a:pPr marL="0" indent="0">
+            <a:r>
+              <a:rPr lang="en-US" dirty="0"/>
+              <a:t>		// data</a:t>
+            </a:r>
+          </a:p>
+          <a:p>
+            <a:pPr marL="457200" lvl="1" indent="0">
               <a:buNone/>
             </a:pPr>
             <a:r>
-              <a:rPr lang="en-US" sz="2400" dirty="0" err="1"/>
-              <a:t>masses.clearForces</a:t>
-            </a:r>
-            <a:r>
-              <a:rPr lang="en-US" sz="2400" dirty="0"/>
-              <a:t>();</a:t>
-            </a:r>
-          </a:p>
-          <a:p>
-            <a:pPr marL="0" indent="0">
+              <a:rPr lang="en-US" dirty="0"/>
+              <a:t>		</a:t>
+            </a:r>
+            <a:r>
+              <a:rPr lang="en-US" dirty="0" smtClean="0"/>
+              <a:t>float </a:t>
+            </a:r>
+            <a:r>
+              <a:rPr lang="en-US" dirty="0"/>
+              <a:t>_mass</a:t>
+            </a:r>
+            <a:r>
+              <a:rPr lang="en-US" dirty="0" smtClean="0"/>
+              <a:t>;</a:t>
+            </a:r>
+          </a:p>
+          <a:p>
+            <a:pPr marL="457200" lvl="1" indent="0">
               <a:buNone/>
             </a:pPr>
             <a:r>
-              <a:rPr lang="en-US" sz="2400" dirty="0" err="1"/>
-              <a:t>springs.applySpringForces</a:t>
-            </a:r>
-            <a:r>
-              <a:rPr lang="en-US" sz="2400" dirty="0"/>
-              <a:t>(masses);</a:t>
-            </a:r>
-          </a:p>
-          <a:p>
-            <a:pPr marL="0" indent="0">
+              <a:rPr lang="en-US" dirty="0" smtClean="0"/>
+              <a:t>		float _x; float _y; float _z;</a:t>
+            </a:r>
+            <a:endParaRPr lang="en-US" dirty="0"/>
+          </a:p>
+          <a:p>
+            <a:pPr marL="457200" lvl="1" indent="0">
               <a:buNone/>
             </a:pPr>
             <a:r>
-              <a:rPr lang="en-US" sz="2400" dirty="0"/>
-              <a:t>masses.evaluateK1(</a:t>
-            </a:r>
-            <a:r>
-              <a:rPr lang="en-US" sz="2400" dirty="0" err="1"/>
-              <a:t>dt</a:t>
-            </a:r>
-            <a:r>
-              <a:rPr lang="en-US" sz="2400" dirty="0"/>
-              <a:t>, </a:t>
-            </a:r>
-            <a:r>
-              <a:rPr lang="en-US" sz="2400" dirty="0" err="1"/>
-              <a:t>ground_collision</a:t>
-            </a:r>
-            <a:r>
-              <a:rPr lang="en-US" sz="2400" dirty="0"/>
-              <a:t>);</a:t>
-            </a:r>
-          </a:p>
-          <a:p>
-            <a:pPr marL="0" indent="0">
+              <a:rPr lang="en-US" dirty="0"/>
+              <a:t>		</a:t>
+            </a:r>
+            <a:r>
+              <a:rPr lang="en-US" dirty="0" smtClean="0"/>
+              <a:t>float </a:t>
+            </a:r>
+            <a:r>
+              <a:rPr lang="en-US" dirty="0"/>
+              <a:t>_</a:t>
+            </a:r>
+            <a:r>
+              <a:rPr lang="en-US" dirty="0" err="1"/>
+              <a:t>vx</a:t>
+            </a:r>
+            <a:r>
+              <a:rPr lang="en-US" dirty="0"/>
+              <a:t>; float _</a:t>
+            </a:r>
+            <a:r>
+              <a:rPr lang="en-US" dirty="0" err="1"/>
+              <a:t>vy</a:t>
+            </a:r>
+            <a:r>
+              <a:rPr lang="en-US" dirty="0"/>
+              <a:t>; float _</a:t>
+            </a:r>
+            <a:r>
+              <a:rPr lang="en-US" dirty="0" err="1"/>
+              <a:t>vz</a:t>
+            </a:r>
+            <a:r>
+              <a:rPr lang="en-US" dirty="0" smtClean="0"/>
+              <a:t>;</a:t>
+            </a:r>
+            <a:endParaRPr lang="en-US" dirty="0"/>
+          </a:p>
+          <a:p>
+            <a:pPr marL="457200" lvl="1" indent="0">
               <a:buNone/>
             </a:pPr>
-            <a:endParaRPr lang="en-US" sz="2400" dirty="0"/>
-          </a:p>
-          <a:p>
-            <a:pPr marL="0" indent="0">
+            <a:r>
+              <a:rPr lang="en-US" dirty="0"/>
+              <a:t>		</a:t>
+            </a:r>
+            <a:r>
+              <a:rPr lang="en-US" dirty="0" smtClean="0"/>
+              <a:t>float </a:t>
+            </a:r>
+            <a:r>
+              <a:rPr lang="en-US" dirty="0"/>
+              <a:t>_</a:t>
+            </a:r>
+            <a:r>
+              <a:rPr lang="en-US" dirty="0" err="1"/>
+              <a:t>fx</a:t>
+            </a:r>
+            <a:r>
+              <a:rPr lang="en-US" dirty="0"/>
+              <a:t>; float _</a:t>
+            </a:r>
+            <a:r>
+              <a:rPr lang="en-US" dirty="0" err="1"/>
+              <a:t>fy</a:t>
+            </a:r>
+            <a:r>
+              <a:rPr lang="en-US" dirty="0"/>
+              <a:t>; float _</a:t>
+            </a:r>
+            <a:r>
+              <a:rPr lang="en-US" dirty="0" err="1"/>
+              <a:t>fz</a:t>
+            </a:r>
+            <a:r>
+              <a:rPr lang="en-US" dirty="0" smtClean="0"/>
+              <a:t>;</a:t>
+            </a:r>
+          </a:p>
+          <a:p>
+            <a:pPr marL="457200" lvl="1" indent="0">
               <a:buNone/>
             </a:pPr>
             <a:r>
-              <a:rPr lang="en-US" sz="2400" dirty="0" smtClean="0"/>
+              <a:rPr lang="en-US" dirty="0" smtClean="0"/>
+              <a:t> </a:t>
+            </a:r>
+            <a:r>
+              <a:rPr lang="en-US" dirty="0"/>
+              <a:t>		</a:t>
+            </a:r>
+            <a:endParaRPr lang="en-US" dirty="0" smtClean="0"/>
+          </a:p>
+          <a:p>
+            <a:pPr marL="457200" lvl="1" indent="0">
+              <a:buNone/>
+            </a:pPr>
+            <a:r>
+              <a:rPr lang="en-US" dirty="0"/>
+              <a:t>		</a:t>
+            </a:r>
+            <a:r>
+              <a:rPr lang="en-US" dirty="0" smtClean="0"/>
               <a:t>…</a:t>
             </a:r>
           </a:p>
           <a:p>
-            <a:pPr marL="0" indent="0">
+            <a:pPr marL="457200" lvl="1" indent="0">
               <a:buNone/>
             </a:pPr>
-            <a:endParaRPr lang="en-US" sz="2400" dirty="0"/>
-          </a:p>
-          <a:p>
-            <a:pPr marL="0" indent="0">
+            <a:r>
+              <a:rPr lang="en-US" dirty="0"/>
+              <a:t>			</a:t>
+            </a:r>
+            <a:endParaRPr lang="en-US" dirty="0" smtClean="0"/>
+          </a:p>
+          <a:p>
+            <a:pPr marL="457200" lvl="1" indent="0">
               <a:buNone/>
             </a:pPr>
             <a:r>
-              <a:rPr lang="en-US" sz="2400" dirty="0" err="1"/>
-              <a:t>masses.clearForces</a:t>
-            </a:r>
-            <a:r>
-              <a:rPr lang="en-US" sz="2400" dirty="0"/>
-              <a:t>();</a:t>
-            </a:r>
-          </a:p>
-          <a:p>
-            <a:pPr marL="0" indent="0">
+              <a:rPr lang="en-US" dirty="0"/>
+              <a:t>	</a:t>
+            </a:r>
+            <a:r>
+              <a:rPr lang="en-US" dirty="0" smtClean="0"/>
+              <a:t>	float </a:t>
+            </a:r>
+            <a:r>
+              <a:rPr lang="en-US" dirty="0"/>
+              <a:t>_radius;</a:t>
+            </a:r>
+          </a:p>
+          <a:p>
+            <a:pPr marL="457200" lvl="1" indent="0">
               <a:buNone/>
             </a:pPr>
             <a:r>
-              <a:rPr lang="en-US" sz="2400" dirty="0" err="1"/>
-              <a:t>springs.applySpringForces</a:t>
-            </a:r>
-            <a:r>
-              <a:rPr lang="en-US" sz="2400" dirty="0"/>
-              <a:t>(masses);</a:t>
-            </a:r>
-          </a:p>
-          <a:p>
-            <a:pPr marL="0" indent="0">
+              <a:rPr lang="en-US" dirty="0"/>
+              <a:t>		</a:t>
+            </a:r>
+            <a:r>
+              <a:rPr lang="en-US" dirty="0" smtClean="0"/>
+              <a:t>// </a:t>
+            </a:r>
+            <a:r>
+              <a:rPr lang="en-US" dirty="0"/>
+              <a:t>states:</a:t>
+            </a:r>
+          </a:p>
+          <a:p>
+            <a:pPr marL="457200" lvl="1" indent="0">
               <a:buNone/>
             </a:pPr>
             <a:r>
-              <a:rPr lang="en-US" sz="2400" dirty="0"/>
-              <a:t>masses.evaluateK4(</a:t>
-            </a:r>
-            <a:r>
-              <a:rPr lang="en-US" sz="2400" dirty="0" err="1"/>
-              <a:t>dt</a:t>
-            </a:r>
-            <a:r>
-              <a:rPr lang="en-US" sz="2400" dirty="0"/>
-              <a:t>, </a:t>
-            </a:r>
-            <a:r>
-              <a:rPr lang="en-US" sz="2400" dirty="0" err="1"/>
-              <a:t>ground_collision</a:t>
-            </a:r>
-            <a:r>
-              <a:rPr lang="en-US" sz="2400" dirty="0"/>
-              <a:t>);</a:t>
-            </a:r>
-          </a:p>
-          <a:p>
-            <a:pPr marL="0" indent="0">
+              <a:rPr lang="en-US" dirty="0"/>
+              <a:t>		</a:t>
+            </a:r>
+            <a:r>
+              <a:rPr lang="en-US" dirty="0" smtClean="0"/>
+              <a:t>// </a:t>
+            </a:r>
+            <a:r>
+              <a:rPr lang="en-US" dirty="0"/>
+              <a:t>0 - unconstrained</a:t>
+            </a:r>
+          </a:p>
+          <a:p>
+            <a:pPr marL="457200" lvl="1" indent="0">
               <a:buNone/>
             </a:pPr>
-            <a:endParaRPr lang="en-US" sz="2400" dirty="0"/>
-          </a:p>
-          <a:p>
-            <a:pPr marL="0" indent="0">
+            <a:r>
+              <a:rPr lang="en-US" dirty="0"/>
+              <a:t>		</a:t>
+            </a:r>
+            <a:r>
+              <a:rPr lang="en-US" dirty="0" smtClean="0"/>
+              <a:t>// </a:t>
+            </a:r>
+            <a:r>
+              <a:rPr lang="en-US" dirty="0"/>
+              <a:t>1 - held</a:t>
+            </a:r>
+          </a:p>
+          <a:p>
+            <a:pPr marL="457200" lvl="1" indent="0">
               <a:buNone/>
             </a:pPr>
             <a:r>
-              <a:rPr lang="en-US" sz="2400" dirty="0" err="1"/>
-              <a:t>masses.update</a:t>
-            </a:r>
-            <a:r>
-              <a:rPr lang="en-US" sz="2400" dirty="0"/>
-              <a:t>(</a:t>
-            </a:r>
-            <a:r>
-              <a:rPr lang="en-US" sz="2400" dirty="0" err="1"/>
-              <a:t>dt</a:t>
-            </a:r>
-            <a:r>
-              <a:rPr lang="en-US" sz="2400" dirty="0"/>
-              <a:t>, </a:t>
-            </a:r>
-            <a:r>
-              <a:rPr lang="en-US" sz="2400" dirty="0" err="1"/>
-              <a:t>ground_collision</a:t>
-            </a:r>
-            <a:r>
-              <a:rPr lang="en-US" sz="2400" dirty="0"/>
-              <a:t>);</a:t>
-            </a:r>
-          </a:p>
-          <a:p>
-            <a:pPr marL="0" indent="0">
+              <a:rPr lang="en-US" dirty="0"/>
+              <a:t>		</a:t>
+            </a:r>
+            <a:r>
+              <a:rPr lang="en-US" dirty="0" err="1" smtClean="0"/>
+              <a:t>int</a:t>
+            </a:r>
+            <a:r>
+              <a:rPr lang="en-US" dirty="0" smtClean="0"/>
+              <a:t> </a:t>
+            </a:r>
+            <a:r>
+              <a:rPr lang="en-US" dirty="0"/>
+              <a:t>_state;</a:t>
+            </a:r>
+          </a:p>
+          <a:p>
+            <a:pPr marL="457200" lvl="1" indent="0">
               <a:buNone/>
             </a:pPr>
             <a:r>
-              <a:rPr lang="en-US" sz="2400" dirty="0" err="1"/>
-              <a:t>masses.endFrame</a:t>
-            </a:r>
-            <a:r>
-              <a:rPr lang="en-US" sz="2400" dirty="0" smtClean="0"/>
-              <a:t>();</a:t>
-            </a:r>
-            <a:endParaRPr lang="en-US" sz="2400" dirty="0"/>
+              <a:rPr lang="en-US" dirty="0" smtClean="0"/>
+              <a:t>};</a:t>
+            </a:r>
           </a:p>
         </p:txBody>
       </p:sp>
     </p:spTree>
     <p:extLst>
       <p:ext uri="{BB962C8B-B14F-4D97-AF65-F5344CB8AC3E}">
-        <p14:creationId xmlns:p14="http://schemas.microsoft.com/office/powerpoint/2010/main" val="3663579958"/>
+        <p14:creationId xmlns:p14="http://schemas.microsoft.com/office/powerpoint/2010/main" val="1948115483"/>
       </p:ext>
     </p:extLst>
   </p:cSld>
@@ -14467,6 +14246,284 @@
           <a:p>
             <a:r>
               <a:rPr lang="en-US" dirty="0" smtClean="0"/>
+              <a:t>Mass Simulation</a:t>
+            </a:r>
+            <a:endParaRPr lang="en-US" dirty="0"/>
+          </a:p>
+        </p:txBody>
+      </p:sp>
+      <p:sp>
+        <p:nvSpPr>
+          <p:cNvPr id="3" name="Content Placeholder 2"/>
+          <p:cNvSpPr>
+            <a:spLocks noGrp="1"/>
+          </p:cNvSpPr>
+          <p:nvPr>
+            <p:ph idx="1"/>
+          </p:nvPr>
+        </p:nvSpPr>
+        <p:spPr/>
+        <p:txBody>
+          <a:bodyPr>
+            <a:normAutofit fontScale="70000" lnSpcReduction="20000"/>
+          </a:bodyPr>
+          <a:lstStyle/>
+          <a:p>
+            <a:r>
+              <a:rPr lang="en-US" dirty="0" smtClean="0"/>
+              <a:t>Each kernel call represents one RK4 increment.</a:t>
+            </a:r>
+          </a:p>
+          <a:p>
+            <a:endParaRPr lang="en-US" dirty="0"/>
+          </a:p>
+          <a:p>
+            <a:pPr marL="0" indent="0">
+              <a:buNone/>
+            </a:pPr>
+            <a:r>
+              <a:rPr lang="en-US" sz="2400" dirty="0" err="1"/>
+              <a:t>masses.startFrame</a:t>
+            </a:r>
+            <a:r>
+              <a:rPr lang="en-US" sz="2400" dirty="0"/>
+              <a:t>();</a:t>
+            </a:r>
+          </a:p>
+          <a:p>
+            <a:pPr marL="0" indent="0">
+              <a:buNone/>
+            </a:pPr>
+            <a:endParaRPr lang="en-US" sz="2400" dirty="0"/>
+          </a:p>
+          <a:p>
+            <a:pPr marL="0" indent="0">
+              <a:buNone/>
+            </a:pPr>
+            <a:r>
+              <a:rPr lang="en-US" sz="2400" dirty="0" err="1"/>
+              <a:t>masses.clearForces</a:t>
+            </a:r>
+            <a:r>
+              <a:rPr lang="en-US" sz="2400" dirty="0"/>
+              <a:t>();</a:t>
+            </a:r>
+          </a:p>
+          <a:p>
+            <a:pPr marL="0" indent="0">
+              <a:buNone/>
+            </a:pPr>
+            <a:r>
+              <a:rPr lang="en-US" sz="2400" dirty="0" err="1"/>
+              <a:t>springs.applySpringForces</a:t>
+            </a:r>
+            <a:r>
+              <a:rPr lang="en-US" sz="2400" dirty="0"/>
+              <a:t>(masses);</a:t>
+            </a:r>
+          </a:p>
+          <a:p>
+            <a:pPr marL="0" indent="0">
+              <a:buNone/>
+            </a:pPr>
+            <a:r>
+              <a:rPr lang="en-US" sz="2400" dirty="0"/>
+              <a:t>masses.evaluateK1(</a:t>
+            </a:r>
+            <a:r>
+              <a:rPr lang="en-US" sz="2400" dirty="0" err="1"/>
+              <a:t>dt</a:t>
+            </a:r>
+            <a:r>
+              <a:rPr lang="en-US" sz="2400" dirty="0"/>
+              <a:t>, </a:t>
+            </a:r>
+            <a:r>
+              <a:rPr lang="en-US" sz="2400" dirty="0" err="1"/>
+              <a:t>ground_collision</a:t>
+            </a:r>
+            <a:r>
+              <a:rPr lang="en-US" sz="2400" dirty="0"/>
+              <a:t>);</a:t>
+            </a:r>
+          </a:p>
+          <a:p>
+            <a:pPr marL="0" indent="0">
+              <a:buNone/>
+            </a:pPr>
+            <a:endParaRPr lang="en-US" sz="2400" dirty="0"/>
+          </a:p>
+          <a:p>
+            <a:pPr marL="0" indent="0">
+              <a:buNone/>
+            </a:pPr>
+            <a:r>
+              <a:rPr lang="en-US" sz="2400" dirty="0" smtClean="0"/>
+              <a:t>…</a:t>
+            </a:r>
+          </a:p>
+          <a:p>
+            <a:pPr marL="0" indent="0">
+              <a:buNone/>
+            </a:pPr>
+            <a:endParaRPr lang="en-US" sz="2400" dirty="0"/>
+          </a:p>
+          <a:p>
+            <a:pPr marL="0" indent="0">
+              <a:buNone/>
+            </a:pPr>
+            <a:r>
+              <a:rPr lang="en-US" sz="2400" dirty="0" err="1"/>
+              <a:t>masses.clearForces</a:t>
+            </a:r>
+            <a:r>
+              <a:rPr lang="en-US" sz="2400" dirty="0"/>
+              <a:t>();</a:t>
+            </a:r>
+          </a:p>
+          <a:p>
+            <a:pPr marL="0" indent="0">
+              <a:buNone/>
+            </a:pPr>
+            <a:r>
+              <a:rPr lang="en-US" sz="2400" dirty="0" err="1"/>
+              <a:t>springs.applySpringForces</a:t>
+            </a:r>
+            <a:r>
+              <a:rPr lang="en-US" sz="2400" dirty="0"/>
+              <a:t>(masses);</a:t>
+            </a:r>
+          </a:p>
+          <a:p>
+            <a:pPr marL="0" indent="0">
+              <a:buNone/>
+            </a:pPr>
+            <a:r>
+              <a:rPr lang="en-US" sz="2400" dirty="0"/>
+              <a:t>masses.evaluateK4(</a:t>
+            </a:r>
+            <a:r>
+              <a:rPr lang="en-US" sz="2400" dirty="0" err="1"/>
+              <a:t>dt</a:t>
+            </a:r>
+            <a:r>
+              <a:rPr lang="en-US" sz="2400" dirty="0"/>
+              <a:t>, </a:t>
+            </a:r>
+            <a:r>
+              <a:rPr lang="en-US" sz="2400" dirty="0" err="1"/>
+              <a:t>ground_collision</a:t>
+            </a:r>
+            <a:r>
+              <a:rPr lang="en-US" sz="2400" dirty="0"/>
+              <a:t>);</a:t>
+            </a:r>
+          </a:p>
+          <a:p>
+            <a:pPr marL="0" indent="0">
+              <a:buNone/>
+            </a:pPr>
+            <a:endParaRPr lang="en-US" sz="2400" dirty="0"/>
+          </a:p>
+          <a:p>
+            <a:pPr marL="0" indent="0">
+              <a:buNone/>
+            </a:pPr>
+            <a:r>
+              <a:rPr lang="en-US" sz="2400" dirty="0" err="1"/>
+              <a:t>masses.update</a:t>
+            </a:r>
+            <a:r>
+              <a:rPr lang="en-US" sz="2400" dirty="0"/>
+              <a:t>(</a:t>
+            </a:r>
+            <a:r>
+              <a:rPr lang="en-US" sz="2400" dirty="0" err="1"/>
+              <a:t>dt</a:t>
+            </a:r>
+            <a:r>
+              <a:rPr lang="en-US" sz="2400" dirty="0"/>
+              <a:t>, </a:t>
+            </a:r>
+            <a:r>
+              <a:rPr lang="en-US" sz="2400" dirty="0" err="1"/>
+              <a:t>ground_collision</a:t>
+            </a:r>
+            <a:r>
+              <a:rPr lang="en-US" sz="2400" dirty="0"/>
+              <a:t>);</a:t>
+            </a:r>
+          </a:p>
+          <a:p>
+            <a:pPr marL="0" indent="0">
+              <a:buNone/>
+            </a:pPr>
+            <a:r>
+              <a:rPr lang="en-US" sz="2400" dirty="0" err="1"/>
+              <a:t>masses.endFrame</a:t>
+            </a:r>
+            <a:r>
+              <a:rPr lang="en-US" sz="2400" dirty="0" smtClean="0"/>
+              <a:t>();</a:t>
+            </a:r>
+            <a:endParaRPr lang="en-US" sz="2400" dirty="0"/>
+          </a:p>
+        </p:txBody>
+      </p:sp>
+    </p:spTree>
+    <p:extLst>
+      <p:ext uri="{BB962C8B-B14F-4D97-AF65-F5344CB8AC3E}">
+        <p14:creationId xmlns:p14="http://schemas.microsoft.com/office/powerpoint/2010/main" val="3663579958"/>
+      </p:ext>
+    </p:extLst>
+  </p:cSld>
+  <p:clrMapOvr>
+    <a:masterClrMapping/>
+  </p:clrMapOvr>
+  <p:timing>
+    <p:tnLst>
+      <p:par>
+        <p:cTn id="1" dur="indefinite" restart="never" nodeType="tmRoot"/>
+      </p:par>
+    </p:tnLst>
+  </p:timing>
+</p:sld>
+</file>
+
+<file path=ppt/slides/slide33.xml><?xml version="1.0" encoding="utf-8"?>
+<p:sld xmlns:a="http://schemas.openxmlformats.org/drawingml/2006/main" xmlns:r="http://schemas.openxmlformats.org/officeDocument/2006/relationships" xmlns:p="http://schemas.openxmlformats.org/presentationml/2006/main">
+  <p:cSld>
+    <p:spTree>
+      <p:nvGrpSpPr>
+        <p:cNvPr id="1" name=""/>
+        <p:cNvGrpSpPr/>
+        <p:nvPr/>
+      </p:nvGrpSpPr>
+      <p:grpSpPr>
+        <a:xfrm>
+          <a:off x="0" y="0"/>
+          <a:ext cx="0" cy="0"/>
+          <a:chOff x="0" y="0"/>
+          <a:chExt cx="0" cy="0"/>
+        </a:xfrm>
+      </p:grpSpPr>
+      <p:sp>
+        <p:nvSpPr>
+          <p:cNvPr id="2" name="Title 1"/>
+          <p:cNvSpPr>
+            <a:spLocks noGrp="1"/>
+          </p:cNvSpPr>
+          <p:nvPr>
+            <p:ph type="title"/>
+          </p:nvPr>
+        </p:nvSpPr>
+        <p:spPr/>
+        <p:txBody>
+          <a:bodyPr/>
+          <a:lstStyle/>
+          <a:p>
+            <a:r>
+              <a:rPr lang="en-US" dirty="0" smtClean="0"/>
               <a:t>Springs</a:t>
             </a:r>
             <a:endParaRPr lang="en-US" dirty="0"/>
@@ -14600,7 +14657,7 @@
 </p:sld>
 </file>
 
-<file path=ppt/slides/slide33.xml><?xml version="1.0" encoding="utf-8"?>
+<file path=ppt/slides/slide34.xml><?xml version="1.0" encoding="utf-8"?>
 <p:sld xmlns:a="http://schemas.openxmlformats.org/drawingml/2006/main" xmlns:r="http://schemas.openxmlformats.org/officeDocument/2006/relationships" xmlns:p="http://schemas.openxmlformats.org/presentationml/2006/main">
   <p:cSld>
     <p:spTree>
@@ -14734,7 +14791,7 @@
 </p:sld>
 </file>
 
-<file path=ppt/slides/slide34.xml><?xml version="1.0" encoding="utf-8"?>
+<file path=ppt/slides/slide35.xml><?xml version="1.0" encoding="utf-8"?>
 <p:sld xmlns:a="http://schemas.openxmlformats.org/drawingml/2006/main" xmlns:r="http://schemas.openxmlformats.org/officeDocument/2006/relationships" xmlns:p="http://schemas.openxmlformats.org/presentationml/2006/main">
   <p:cSld>
     <p:spTree>
@@ -14932,7 +14989,7 @@
 </p:sld>
 </file>
 
-<file path=ppt/slides/slide35.xml><?xml version="1.0" encoding="utf-8"?>
+<file path=ppt/slides/slide36.xml><?xml version="1.0" encoding="utf-8"?>
 <p:sld xmlns:a="http://schemas.openxmlformats.org/drawingml/2006/main" xmlns:r="http://schemas.openxmlformats.org/officeDocument/2006/relationships" xmlns:p="http://schemas.openxmlformats.org/presentationml/2006/main">
   <p:cSld>
     <p:spTree>
@@ -15075,7 +15132,7 @@
 </p:sld>
 </file>
 
-<file path=ppt/slides/slide36.xml><?xml version="1.0" encoding="utf-8"?>
+<file path=ppt/slides/slide37.xml><?xml version="1.0" encoding="utf-8"?>
 <p:sld xmlns:a="http://schemas.openxmlformats.org/drawingml/2006/main" xmlns:r="http://schemas.openxmlformats.org/officeDocument/2006/relationships" xmlns:p="http://schemas.openxmlformats.org/presentationml/2006/main">
   <p:cSld>
     <p:spTree>
@@ -15207,488 +15264,6 @@
 </p:sld>
 </file>
 
-<file path=ppt/slides/slide37.xml><?xml version="1.0" encoding="utf-8"?>
-<p:sld xmlns:a="http://schemas.openxmlformats.org/drawingml/2006/main" xmlns:r="http://schemas.openxmlformats.org/officeDocument/2006/relationships" xmlns:p="http://schemas.openxmlformats.org/presentationml/2006/main">
-  <p:cSld>
-    <p:spTree>
-      <p:nvGrpSpPr>
-        <p:cNvPr id="1" name=""/>
-        <p:cNvGrpSpPr/>
-        <p:nvPr/>
-      </p:nvGrpSpPr>
-      <p:grpSpPr>
-        <a:xfrm>
-          <a:off x="0" y="0"/>
-          <a:ext cx="0" cy="0"/>
-          <a:chOff x="0" y="0"/>
-          <a:chExt cx="0" cy="0"/>
-        </a:xfrm>
-      </p:grpSpPr>
-      <p:sp>
-        <p:nvSpPr>
-          <p:cNvPr id="2" name="Title 1"/>
-          <p:cNvSpPr>
-            <a:spLocks noGrp="1"/>
-          </p:cNvSpPr>
-          <p:nvPr>
-            <p:ph type="title"/>
-          </p:nvPr>
-        </p:nvSpPr>
-        <p:spPr/>
-        <p:txBody>
-          <a:bodyPr/>
-          <a:lstStyle/>
-          <a:p>
-            <a:r>
-              <a:rPr lang="en-US" dirty="0" smtClean="0"/>
-              <a:t>Springs</a:t>
-            </a:r>
-            <a:endParaRPr lang="en-US" dirty="0"/>
-          </a:p>
-        </p:txBody>
-      </p:sp>
-      <p:sp>
-        <p:nvSpPr>
-          <p:cNvPr id="3" name="Content Placeholder 2"/>
-          <p:cNvSpPr>
-            <a:spLocks noGrp="1"/>
-          </p:cNvSpPr>
-          <p:nvPr>
-            <p:ph idx="1"/>
-          </p:nvPr>
-        </p:nvSpPr>
-        <p:spPr/>
-        <p:txBody>
-          <a:bodyPr>
-            <a:normAutofit fontScale="55000" lnSpcReduction="20000"/>
-          </a:bodyPr>
-          <a:lstStyle/>
-          <a:p>
-            <a:r>
-              <a:rPr lang="en-US" dirty="0" smtClean="0"/>
-              <a:t>Each spring is a structure:</a:t>
-            </a:r>
-          </a:p>
-          <a:p>
-            <a:pPr marL="457200" lvl="1" indent="0">
-              <a:buNone/>
-            </a:pPr>
-            <a:r>
-              <a:rPr lang="en-US" dirty="0"/>
-              <a:t>class Spring {</a:t>
-            </a:r>
-          </a:p>
-          <a:p>
-            <a:pPr marL="457200" lvl="1" indent="0">
-              <a:buNone/>
-            </a:pPr>
-            <a:r>
-              <a:rPr lang="en-US" dirty="0"/>
-              <a:t>	</a:t>
-            </a:r>
-            <a:r>
-              <a:rPr lang="en-US" dirty="0" smtClean="0"/>
-              <a:t>public</a:t>
-            </a:r>
-            <a:r>
-              <a:rPr lang="en-US" dirty="0"/>
-              <a:t>:</a:t>
-            </a:r>
-          </a:p>
-          <a:p>
-            <a:pPr marL="457200" lvl="1" indent="0">
-              <a:buNone/>
-            </a:pPr>
-            <a:r>
-              <a:rPr lang="en-US" dirty="0"/>
-              <a:t>		</a:t>
-            </a:r>
-            <a:r>
-              <a:rPr lang="en-US" dirty="0" smtClean="0"/>
-              <a:t>Spring</a:t>
-            </a:r>
-            <a:r>
-              <a:rPr lang="en-US" dirty="0"/>
-              <a:t>(</a:t>
-            </a:r>
-          </a:p>
-          <a:p>
-            <a:pPr marL="457200" lvl="1" indent="0">
-              <a:buNone/>
-            </a:pPr>
-            <a:r>
-              <a:rPr lang="en-US" dirty="0"/>
-              <a:t>			</a:t>
-            </a:r>
-            <a:r>
-              <a:rPr lang="en-US" dirty="0" err="1"/>
-              <a:t>MassList</a:t>
-            </a:r>
-            <a:r>
-              <a:rPr lang="en-US" dirty="0"/>
-              <a:t> &amp;masses,</a:t>
-            </a:r>
-          </a:p>
-          <a:p>
-            <a:pPr marL="457200" lvl="1" indent="0">
-              <a:buNone/>
-            </a:pPr>
-            <a:r>
-              <a:rPr lang="en-US" dirty="0"/>
-              <a:t>			</a:t>
-            </a:r>
-            <a:r>
-              <a:rPr lang="en-US" dirty="0">
-                <a:solidFill>
-                  <a:srgbClr val="00B050"/>
-                </a:solidFill>
-              </a:rPr>
-              <a:t>unsigned </a:t>
-            </a:r>
-            <a:r>
-              <a:rPr lang="en-US" dirty="0" err="1">
-                <a:solidFill>
-                  <a:srgbClr val="00B050"/>
-                </a:solidFill>
-              </a:rPr>
-              <a:t>int</a:t>
-            </a:r>
-            <a:r>
-              <a:rPr lang="en-US" dirty="0">
-                <a:solidFill>
-                  <a:srgbClr val="00B050"/>
-                </a:solidFill>
-              </a:rPr>
-              <a:t> </a:t>
-            </a:r>
-            <a:r>
-              <a:rPr lang="en-US" dirty="0"/>
-              <a:t>mass0,</a:t>
-            </a:r>
-          </a:p>
-          <a:p>
-            <a:pPr marL="457200" lvl="1" indent="0">
-              <a:buNone/>
-            </a:pPr>
-            <a:r>
-              <a:rPr lang="en-US" dirty="0"/>
-              <a:t>			</a:t>
-            </a:r>
-            <a:r>
-              <a:rPr lang="en-US" dirty="0">
-                <a:solidFill>
-                  <a:srgbClr val="00B050"/>
-                </a:solidFill>
-              </a:rPr>
-              <a:t>unsigned </a:t>
-            </a:r>
-            <a:r>
-              <a:rPr lang="en-US" dirty="0" err="1">
-                <a:solidFill>
-                  <a:srgbClr val="00B050"/>
-                </a:solidFill>
-              </a:rPr>
-              <a:t>int</a:t>
-            </a:r>
-            <a:r>
-              <a:rPr lang="en-US" dirty="0">
-                <a:solidFill>
-                  <a:srgbClr val="00B050"/>
-                </a:solidFill>
-              </a:rPr>
-              <a:t> </a:t>
-            </a:r>
-            <a:r>
-              <a:rPr lang="en-US" dirty="0"/>
-              <a:t>mass1);</a:t>
-            </a:r>
-          </a:p>
-          <a:p>
-            <a:pPr marL="457200" lvl="1" indent="0">
-              <a:buNone/>
-            </a:pPr>
-            <a:endParaRPr lang="en-US" dirty="0"/>
-          </a:p>
-          <a:p>
-            <a:pPr marL="457200" lvl="1" indent="0">
-              <a:buNone/>
-            </a:pPr>
-            <a:r>
-              <a:rPr lang="en-US" dirty="0"/>
-              <a:t>		</a:t>
-            </a:r>
-            <a:r>
-              <a:rPr lang="en-US" dirty="0" smtClean="0"/>
-              <a:t>// </a:t>
-            </a:r>
-            <a:r>
-              <a:rPr lang="en-US" dirty="0"/>
-              <a:t>data</a:t>
-            </a:r>
-          </a:p>
-          <a:p>
-            <a:pPr marL="457200" lvl="1" indent="0">
-              <a:buNone/>
-            </a:pPr>
-            <a:r>
-              <a:rPr lang="en-US" dirty="0"/>
-              <a:t>		</a:t>
-            </a:r>
-            <a:r>
-              <a:rPr lang="en-US" dirty="0" smtClean="0">
-                <a:solidFill>
-                  <a:srgbClr val="00B050"/>
-                </a:solidFill>
-              </a:rPr>
-              <a:t>unsigned </a:t>
-            </a:r>
-            <a:r>
-              <a:rPr lang="en-US" dirty="0" err="1">
-                <a:solidFill>
-                  <a:srgbClr val="00B050"/>
-                </a:solidFill>
-              </a:rPr>
-              <a:t>int</a:t>
-            </a:r>
-            <a:r>
-              <a:rPr lang="en-US" dirty="0">
-                <a:solidFill>
-                  <a:srgbClr val="00B050"/>
-                </a:solidFill>
-              </a:rPr>
-              <a:t> </a:t>
-            </a:r>
-            <a:r>
-              <a:rPr lang="en-US" dirty="0"/>
-              <a:t>_mass0; // mass 0 index</a:t>
-            </a:r>
-          </a:p>
-          <a:p>
-            <a:pPr marL="457200" lvl="1" indent="0">
-              <a:buNone/>
-            </a:pPr>
-            <a:r>
-              <a:rPr lang="en-US" dirty="0"/>
-              <a:t>		</a:t>
-            </a:r>
-            <a:r>
-              <a:rPr lang="en-US" dirty="0" smtClean="0">
-                <a:solidFill>
-                  <a:srgbClr val="00B050"/>
-                </a:solidFill>
-              </a:rPr>
-              <a:t>unsigned </a:t>
-            </a:r>
-            <a:r>
-              <a:rPr lang="en-US" dirty="0" err="1">
-                <a:solidFill>
-                  <a:srgbClr val="00B050"/>
-                </a:solidFill>
-              </a:rPr>
-              <a:t>int</a:t>
-            </a:r>
-            <a:r>
-              <a:rPr lang="en-US" dirty="0">
-                <a:solidFill>
-                  <a:srgbClr val="00B050"/>
-                </a:solidFill>
-              </a:rPr>
-              <a:t> </a:t>
-            </a:r>
-            <a:r>
-              <a:rPr lang="en-US" dirty="0"/>
-              <a:t>_mass1; // mass 1 index</a:t>
-            </a:r>
-          </a:p>
-          <a:p>
-            <a:pPr marL="457200" lvl="1" indent="0">
-              <a:buNone/>
-            </a:pPr>
-            <a:r>
-              <a:rPr lang="en-US" dirty="0"/>
-              <a:t>		</a:t>
-            </a:r>
-            <a:r>
-              <a:rPr lang="en-US" dirty="0" smtClean="0">
-                <a:solidFill>
-                  <a:srgbClr val="00B050"/>
-                </a:solidFill>
-              </a:rPr>
-              <a:t>float</a:t>
-            </a:r>
-            <a:r>
-              <a:rPr lang="en-US" dirty="0" smtClean="0"/>
-              <a:t> </a:t>
-            </a:r>
-            <a:r>
-              <a:rPr lang="en-US" dirty="0"/>
-              <a:t>_l0; // resting length</a:t>
-            </a:r>
-          </a:p>
-          <a:p>
-            <a:pPr marL="457200" lvl="1" indent="0">
-              <a:buNone/>
-            </a:pPr>
-            <a:r>
-              <a:rPr lang="en-US" dirty="0"/>
-              <a:t>		</a:t>
-            </a:r>
-            <a:r>
-              <a:rPr lang="en-US" dirty="0" smtClean="0"/>
-              <a:t>// </a:t>
-            </a:r>
-            <a:r>
-              <a:rPr lang="en-US" dirty="0"/>
-              <a:t>force applied to mass 0</a:t>
-            </a:r>
-          </a:p>
-          <a:p>
-            <a:pPr marL="457200" lvl="1" indent="0">
-              <a:buNone/>
-            </a:pPr>
-            <a:r>
-              <a:rPr lang="en-US" dirty="0"/>
-              <a:t>		</a:t>
-            </a:r>
-            <a:r>
-              <a:rPr lang="en-US" dirty="0" smtClean="0">
-                <a:solidFill>
-                  <a:srgbClr val="00B050"/>
-                </a:solidFill>
-              </a:rPr>
-              <a:t>float</a:t>
-            </a:r>
-            <a:r>
-              <a:rPr lang="en-US" dirty="0" smtClean="0"/>
-              <a:t> </a:t>
-            </a:r>
-            <a:r>
-              <a:rPr lang="en-US" dirty="0"/>
-              <a:t>_fx0; </a:t>
-            </a:r>
-            <a:r>
-              <a:rPr lang="en-US" dirty="0">
-                <a:solidFill>
-                  <a:srgbClr val="00B050"/>
-                </a:solidFill>
-              </a:rPr>
-              <a:t>float</a:t>
-            </a:r>
-            <a:r>
-              <a:rPr lang="en-US" dirty="0"/>
-              <a:t> _fy0; </a:t>
-            </a:r>
-            <a:r>
-              <a:rPr lang="en-US" dirty="0">
-                <a:solidFill>
-                  <a:srgbClr val="00B050"/>
-                </a:solidFill>
-              </a:rPr>
-              <a:t>float</a:t>
-            </a:r>
-            <a:r>
-              <a:rPr lang="en-US" dirty="0"/>
-              <a:t> _fz0;</a:t>
-            </a:r>
-          </a:p>
-          <a:p>
-            <a:pPr marL="457200" lvl="1" indent="0">
-              <a:buNone/>
-            </a:pPr>
-            <a:r>
-              <a:rPr lang="en-US" dirty="0"/>
-              <a:t>		</a:t>
-            </a:r>
-            <a:r>
-              <a:rPr lang="en-US" dirty="0" smtClean="0"/>
-              <a:t>// </a:t>
-            </a:r>
-            <a:r>
-              <a:rPr lang="en-US" dirty="0"/>
-              <a:t>force applied to mass 1</a:t>
-            </a:r>
-          </a:p>
-          <a:p>
-            <a:pPr marL="457200" lvl="1" indent="0">
-              <a:buNone/>
-            </a:pPr>
-            <a:r>
-              <a:rPr lang="en-US" dirty="0"/>
-              <a:t>		</a:t>
-            </a:r>
-            <a:r>
-              <a:rPr lang="en-US" dirty="0" smtClean="0">
-                <a:solidFill>
-                  <a:srgbClr val="00B050"/>
-                </a:solidFill>
-              </a:rPr>
-              <a:t>float</a:t>
-            </a:r>
-            <a:r>
-              <a:rPr lang="en-US" dirty="0" smtClean="0"/>
-              <a:t> </a:t>
-            </a:r>
-            <a:r>
-              <a:rPr lang="en-US" dirty="0"/>
-              <a:t>_fx1; </a:t>
-            </a:r>
-            <a:r>
-              <a:rPr lang="en-US" dirty="0">
-                <a:solidFill>
-                  <a:srgbClr val="00B050"/>
-                </a:solidFill>
-              </a:rPr>
-              <a:t>float</a:t>
-            </a:r>
-            <a:r>
-              <a:rPr lang="en-US" dirty="0"/>
-              <a:t> _fy1; </a:t>
-            </a:r>
-            <a:r>
-              <a:rPr lang="en-US" dirty="0">
-                <a:solidFill>
-                  <a:srgbClr val="00B050"/>
-                </a:solidFill>
-              </a:rPr>
-              <a:t>float</a:t>
-            </a:r>
-            <a:r>
-              <a:rPr lang="en-US" dirty="0"/>
-              <a:t> _fz1;</a:t>
-            </a:r>
-          </a:p>
-          <a:p>
-            <a:pPr marL="457200" lvl="1" indent="0">
-              <a:buNone/>
-            </a:pPr>
-            <a:r>
-              <a:rPr lang="en-US" dirty="0" smtClean="0"/>
-              <a:t>};</a:t>
-            </a:r>
-            <a:endParaRPr lang="en-US" dirty="0"/>
-          </a:p>
-        </p:txBody>
-      </p:sp>
-    </p:spTree>
-    <p:extLst>
-      <p:ext uri="{BB962C8B-B14F-4D97-AF65-F5344CB8AC3E}">
-        <p14:creationId xmlns:p14="http://schemas.microsoft.com/office/powerpoint/2010/main" val="1812776915"/>
-      </p:ext>
-    </p:extLst>
-  </p:cSld>
-  <p:clrMapOvr>
-    <a:masterClrMapping/>
-  </p:clrMapOvr>
-  <p:timing>
-    <p:tnLst>
-      <p:par>
-        <p:cTn id="1" dur="indefinite" restart="never" nodeType="tmRoot"/>
-      </p:par>
-    </p:tnLst>
-  </p:timing>
-</p:sld>
-</file>
-
 <file path=ppt/slides/slide38.xml><?xml version="1.0" encoding="utf-8"?>
 <p:sld xmlns:a="http://schemas.openxmlformats.org/drawingml/2006/main" xmlns:r="http://schemas.openxmlformats.org/officeDocument/2006/relationships" xmlns:p="http://schemas.openxmlformats.org/presentationml/2006/main">
   <p:cSld>
@@ -15723,7 +15298,7 @@
           <a:p>
             <a:r>
               <a:rPr lang="en-US" dirty="0" smtClean="0"/>
-              <a:t>Spring Forces</a:t>
+              <a:t>Springs</a:t>
             </a:r>
             <a:endParaRPr lang="en-US" dirty="0"/>
           </a:p>
@@ -15741,51 +15316,411 @@
         </p:nvSpPr>
         <p:spPr/>
         <p:txBody>
-          <a:bodyPr/>
-          <a:lstStyle/>
-          <a:p>
-            <a:r>
-              <a:rPr lang="en-US" dirty="0" smtClean="0"/>
-              <a:t>Spring forces calculated once per RK4 increment.</a:t>
-            </a:r>
-          </a:p>
-          <a:p>
-            <a:endParaRPr lang="en-US" dirty="0" smtClean="0"/>
-          </a:p>
-          <a:p>
-            <a:r>
-              <a:rPr lang="en-US" dirty="0" smtClean="0"/>
-              <a:t>Two stages:</a:t>
-            </a:r>
-          </a:p>
-          <a:p>
-            <a:pPr lvl="1"/>
-            <a:r>
-              <a:rPr lang="en-US" dirty="0" err="1" smtClean="0"/>
-              <a:t>deviceComputeSpringForces</a:t>
-            </a:r>
-            <a:r>
-              <a:rPr lang="en-US" dirty="0" smtClean="0"/>
-              <a:t>()</a:t>
-            </a:r>
+          <a:bodyPr>
+            <a:normAutofit fontScale="55000" lnSpcReduction="20000"/>
+          </a:bodyPr>
+          <a:lstStyle/>
+          <a:p>
+            <a:r>
+              <a:rPr lang="en-US" dirty="0" smtClean="0"/>
+              <a:t>Each spring is a structure:</a:t>
+            </a:r>
+          </a:p>
+          <a:p>
+            <a:pPr marL="457200" lvl="1" indent="0">
+              <a:buNone/>
+            </a:pPr>
             <a:r>
               <a:rPr lang="en-US" dirty="0"/>
-              <a:t> computes the force for each </a:t>
-            </a:r>
-            <a:r>
-              <a:rPr lang="en-US" dirty="0" smtClean="0"/>
-              <a:t>spring.</a:t>
-            </a:r>
-          </a:p>
-          <a:p>
-            <a:pPr lvl="1"/>
-            <a:r>
-              <a:rPr lang="en-US" dirty="0" err="1" smtClean="0"/>
-              <a:t>deviceApplySpringForces</a:t>
-            </a:r>
-            <a:r>
-              <a:rPr lang="en-US" dirty="0" smtClean="0"/>
-              <a:t>() sums forces from each spring attached to a mass.</a:t>
+              <a:t>class Spring {</a:t>
+            </a:r>
+          </a:p>
+          <a:p>
+            <a:pPr marL="457200" lvl="1" indent="0">
+              <a:buNone/>
+            </a:pPr>
+            <a:r>
+              <a:rPr lang="en-US" dirty="0"/>
+              <a:t>	</a:t>
+            </a:r>
+            <a:r>
+              <a:rPr lang="en-US" dirty="0" smtClean="0"/>
+              <a:t>public</a:t>
+            </a:r>
+            <a:r>
+              <a:rPr lang="en-US" dirty="0"/>
+              <a:t>:</a:t>
+            </a:r>
+          </a:p>
+          <a:p>
+            <a:pPr marL="457200" lvl="1" indent="0">
+              <a:buNone/>
+            </a:pPr>
+            <a:r>
+              <a:rPr lang="en-US" dirty="0"/>
+              <a:t>		</a:t>
+            </a:r>
+            <a:r>
+              <a:rPr lang="en-US" dirty="0" smtClean="0"/>
+              <a:t>Spring</a:t>
+            </a:r>
+            <a:r>
+              <a:rPr lang="en-US" dirty="0"/>
+              <a:t>(</a:t>
+            </a:r>
+          </a:p>
+          <a:p>
+            <a:pPr marL="457200" lvl="1" indent="0">
+              <a:buNone/>
+            </a:pPr>
+            <a:r>
+              <a:rPr lang="en-US" dirty="0"/>
+              <a:t>			</a:t>
+            </a:r>
+            <a:r>
+              <a:rPr lang="en-US" dirty="0" err="1"/>
+              <a:t>MassList</a:t>
+            </a:r>
+            <a:r>
+              <a:rPr lang="en-US" dirty="0"/>
+              <a:t> &amp;masses,</a:t>
+            </a:r>
+          </a:p>
+          <a:p>
+            <a:pPr marL="457200" lvl="1" indent="0">
+              <a:buNone/>
+            </a:pPr>
+            <a:r>
+              <a:rPr lang="en-US" dirty="0"/>
+              <a:t>			</a:t>
+            </a:r>
+            <a:r>
+              <a:rPr lang="en-US" dirty="0">
+                <a:solidFill>
+                  <a:srgbClr val="00B050"/>
+                </a:solidFill>
+              </a:rPr>
+              <a:t>unsigned </a:t>
+            </a:r>
+            <a:r>
+              <a:rPr lang="en-US" dirty="0" err="1">
+                <a:solidFill>
+                  <a:srgbClr val="00B050"/>
+                </a:solidFill>
+              </a:rPr>
+              <a:t>int</a:t>
+            </a:r>
+            <a:r>
+              <a:rPr lang="en-US" dirty="0">
+                <a:solidFill>
+                  <a:srgbClr val="00B050"/>
+                </a:solidFill>
+              </a:rPr>
+              <a:t> </a:t>
+            </a:r>
+            <a:r>
+              <a:rPr lang="en-US" dirty="0"/>
+              <a:t>mass0,</a:t>
+            </a:r>
+          </a:p>
+          <a:p>
+            <a:pPr marL="457200" lvl="1" indent="0">
+              <a:buNone/>
+            </a:pPr>
+            <a:r>
+              <a:rPr lang="en-US" dirty="0"/>
+              <a:t>			</a:t>
+            </a:r>
+            <a:r>
+              <a:rPr lang="en-US" dirty="0">
+                <a:solidFill>
+                  <a:srgbClr val="00B050"/>
+                </a:solidFill>
+              </a:rPr>
+              <a:t>unsigned </a:t>
+            </a:r>
+            <a:r>
+              <a:rPr lang="en-US" dirty="0" err="1">
+                <a:solidFill>
+                  <a:srgbClr val="00B050"/>
+                </a:solidFill>
+              </a:rPr>
+              <a:t>int</a:t>
+            </a:r>
+            <a:r>
+              <a:rPr lang="en-US" dirty="0">
+                <a:solidFill>
+                  <a:srgbClr val="00B050"/>
+                </a:solidFill>
+              </a:rPr>
+              <a:t> </a:t>
+            </a:r>
+            <a:r>
+              <a:rPr lang="en-US" dirty="0"/>
+              <a:t>mass1);</a:t>
+            </a:r>
+          </a:p>
+          <a:p>
+            <a:pPr marL="457200" lvl="1" indent="0">
+              <a:buNone/>
+            </a:pPr>
+            <a:endParaRPr lang="en-US" dirty="0"/>
+          </a:p>
+          <a:p>
+            <a:pPr marL="457200" lvl="1" indent="0">
+              <a:buNone/>
+            </a:pPr>
+            <a:r>
+              <a:rPr lang="en-US" dirty="0"/>
+              <a:t>		</a:t>
+            </a:r>
+            <a:r>
+              <a:rPr lang="en-US" dirty="0" smtClean="0"/>
+              <a:t>// </a:t>
+            </a:r>
+            <a:r>
+              <a:rPr lang="en-US" dirty="0"/>
+              <a:t>data</a:t>
+            </a:r>
+          </a:p>
+          <a:p>
+            <a:pPr marL="457200" lvl="1" indent="0">
+              <a:buNone/>
+            </a:pPr>
+            <a:r>
+              <a:rPr lang="en-US" dirty="0"/>
+              <a:t>		</a:t>
+            </a:r>
+            <a:r>
+              <a:rPr lang="en-US" dirty="0" smtClean="0">
+                <a:solidFill>
+                  <a:srgbClr val="00B050"/>
+                </a:solidFill>
+              </a:rPr>
+              <a:t>unsigned </a:t>
+            </a:r>
+            <a:r>
+              <a:rPr lang="en-US" dirty="0" err="1">
+                <a:solidFill>
+                  <a:srgbClr val="00B050"/>
+                </a:solidFill>
+              </a:rPr>
+              <a:t>int</a:t>
+            </a:r>
+            <a:r>
+              <a:rPr lang="en-US" dirty="0">
+                <a:solidFill>
+                  <a:srgbClr val="00B050"/>
+                </a:solidFill>
+              </a:rPr>
+              <a:t> </a:t>
+            </a:r>
+            <a:r>
+              <a:rPr lang="en-US" dirty="0"/>
+              <a:t>_mass0; // mass 0 index</a:t>
+            </a:r>
+          </a:p>
+          <a:p>
+            <a:pPr marL="457200" lvl="1" indent="0">
+              <a:buNone/>
+            </a:pPr>
+            <a:r>
+              <a:rPr lang="en-US" dirty="0"/>
+              <a:t>		</a:t>
+            </a:r>
+            <a:r>
+              <a:rPr lang="en-US" dirty="0" smtClean="0">
+                <a:solidFill>
+                  <a:srgbClr val="00B050"/>
+                </a:solidFill>
+              </a:rPr>
+              <a:t>unsigned </a:t>
+            </a:r>
+            <a:r>
+              <a:rPr lang="en-US" dirty="0" err="1">
+                <a:solidFill>
+                  <a:srgbClr val="00B050"/>
+                </a:solidFill>
+              </a:rPr>
+              <a:t>int</a:t>
+            </a:r>
+            <a:r>
+              <a:rPr lang="en-US" dirty="0">
+                <a:solidFill>
+                  <a:srgbClr val="00B050"/>
+                </a:solidFill>
+              </a:rPr>
+              <a:t> </a:t>
+            </a:r>
+            <a:r>
+              <a:rPr lang="en-US" dirty="0"/>
+              <a:t>_mass1; // mass 1 index</a:t>
+            </a:r>
+          </a:p>
+          <a:p>
+            <a:pPr marL="457200" lvl="1" indent="0">
+              <a:buNone/>
+            </a:pPr>
+            <a:r>
+              <a:rPr lang="en-US" dirty="0"/>
+              <a:t>		</a:t>
+            </a:r>
+            <a:r>
+              <a:rPr lang="en-US" dirty="0" smtClean="0">
+                <a:solidFill>
+                  <a:srgbClr val="00B050"/>
+                </a:solidFill>
+              </a:rPr>
+              <a:t>float</a:t>
+            </a:r>
+            <a:r>
+              <a:rPr lang="en-US" dirty="0" smtClean="0"/>
+              <a:t> </a:t>
+            </a:r>
+            <a:r>
+              <a:rPr lang="en-US" dirty="0"/>
+              <a:t>_l0; // resting length</a:t>
+            </a:r>
+          </a:p>
+          <a:p>
+            <a:pPr marL="457200" lvl="1" indent="0">
+              <a:buNone/>
+            </a:pPr>
+            <a:r>
+              <a:rPr lang="en-US" dirty="0"/>
+              <a:t>		</a:t>
+            </a:r>
+            <a:r>
+              <a:rPr lang="en-US" dirty="0" smtClean="0"/>
+              <a:t>// </a:t>
+            </a:r>
+            <a:r>
+              <a:rPr lang="en-US" dirty="0"/>
+              <a:t>force applied to mass 0</a:t>
+            </a:r>
+          </a:p>
+          <a:p>
+            <a:pPr marL="457200" lvl="1" indent="0">
+              <a:buNone/>
+            </a:pPr>
+            <a:r>
+              <a:rPr lang="en-US" dirty="0"/>
+              <a:t>		</a:t>
+            </a:r>
+            <a:r>
+              <a:rPr lang="en-US" dirty="0" smtClean="0">
+                <a:solidFill>
+                  <a:srgbClr val="00B050"/>
+                </a:solidFill>
+              </a:rPr>
+              <a:t>float</a:t>
+            </a:r>
+            <a:r>
+              <a:rPr lang="en-US" dirty="0" smtClean="0"/>
+              <a:t> </a:t>
+            </a:r>
+            <a:r>
+              <a:rPr lang="en-US" dirty="0"/>
+              <a:t>_fx0; </a:t>
+            </a:r>
+            <a:r>
+              <a:rPr lang="en-US" dirty="0">
+                <a:solidFill>
+                  <a:srgbClr val="00B050"/>
+                </a:solidFill>
+              </a:rPr>
+              <a:t>float</a:t>
+            </a:r>
+            <a:r>
+              <a:rPr lang="en-US" dirty="0"/>
+              <a:t> _fy0; </a:t>
+            </a:r>
+            <a:r>
+              <a:rPr lang="en-US" dirty="0">
+                <a:solidFill>
+                  <a:srgbClr val="00B050"/>
+                </a:solidFill>
+              </a:rPr>
+              <a:t>float</a:t>
+            </a:r>
+            <a:r>
+              <a:rPr lang="en-US" dirty="0"/>
+              <a:t> _fz0;</a:t>
+            </a:r>
+          </a:p>
+          <a:p>
+            <a:pPr marL="457200" lvl="1" indent="0">
+              <a:buNone/>
+            </a:pPr>
+            <a:r>
+              <a:rPr lang="en-US" dirty="0"/>
+              <a:t>		</a:t>
+            </a:r>
+            <a:r>
+              <a:rPr lang="en-US" dirty="0" smtClean="0"/>
+              <a:t>// </a:t>
+            </a:r>
+            <a:r>
+              <a:rPr lang="en-US" dirty="0"/>
+              <a:t>force applied to mass 1</a:t>
+            </a:r>
+          </a:p>
+          <a:p>
+            <a:pPr marL="457200" lvl="1" indent="0">
+              <a:buNone/>
+            </a:pPr>
+            <a:r>
+              <a:rPr lang="en-US" dirty="0"/>
+              <a:t>		</a:t>
+            </a:r>
+            <a:r>
+              <a:rPr lang="en-US" dirty="0" smtClean="0">
+                <a:solidFill>
+                  <a:srgbClr val="00B050"/>
+                </a:solidFill>
+              </a:rPr>
+              <a:t>float</a:t>
+            </a:r>
+            <a:r>
+              <a:rPr lang="en-US" dirty="0" smtClean="0"/>
+              <a:t> </a:t>
+            </a:r>
+            <a:r>
+              <a:rPr lang="en-US" dirty="0"/>
+              <a:t>_fx1; </a:t>
+            </a:r>
+            <a:r>
+              <a:rPr lang="en-US" dirty="0">
+                <a:solidFill>
+                  <a:srgbClr val="00B050"/>
+                </a:solidFill>
+              </a:rPr>
+              <a:t>float</a:t>
+            </a:r>
+            <a:r>
+              <a:rPr lang="en-US" dirty="0"/>
+              <a:t> _fy1; </a:t>
+            </a:r>
+            <a:r>
+              <a:rPr lang="en-US" dirty="0">
+                <a:solidFill>
+                  <a:srgbClr val="00B050"/>
+                </a:solidFill>
+              </a:rPr>
+              <a:t>float</a:t>
+            </a:r>
+            <a:r>
+              <a:rPr lang="en-US" dirty="0"/>
+              <a:t> _fz1;</a:t>
+            </a:r>
+          </a:p>
+          <a:p>
+            <a:pPr marL="457200" lvl="1" indent="0">
+              <a:buNone/>
+            </a:pPr>
+            <a:r>
+              <a:rPr lang="en-US" dirty="0" smtClean="0"/>
+              <a:t>};</a:t>
             </a:r>
             <a:endParaRPr lang="en-US" dirty="0"/>
           </a:p>
@@ -15794,7 +15729,7 @@
     </p:spTree>
     <p:extLst>
       <p:ext uri="{BB962C8B-B14F-4D97-AF65-F5344CB8AC3E}">
-        <p14:creationId xmlns:p14="http://schemas.microsoft.com/office/powerpoint/2010/main" val="1170933121"/>
+        <p14:creationId xmlns:p14="http://schemas.microsoft.com/office/powerpoint/2010/main" val="1812776915"/>
       </p:ext>
     </p:extLst>
   </p:cSld>
@@ -15845,7 +15780,7 @@
           <a:p>
             <a:r>
               <a:rPr lang="en-US" dirty="0" smtClean="0"/>
-              <a:t>Collisions</a:t>
+              <a:t>Spring Forces</a:t>
             </a:r>
             <a:endParaRPr lang="en-US" dirty="0"/>
           </a:p>
@@ -15868,33 +15803,46 @@
           <a:p>
             <a:r>
               <a:rPr lang="en-US" dirty="0" smtClean="0"/>
-              <a:t>Bounding boxes are calculated around each object on the CPU.</a:t>
-            </a:r>
-          </a:p>
-          <a:p>
-            <a:endParaRPr lang="en-US" dirty="0"/>
-          </a:p>
-          <a:p>
-            <a:r>
-              <a:rPr lang="en-US" dirty="0" smtClean="0"/>
-              <a:t>Impulses from virtual springs push nearby particles apart.</a:t>
-            </a:r>
-          </a:p>
-          <a:p>
-            <a:endParaRPr lang="en-US" dirty="0"/>
-          </a:p>
-          <a:p>
-            <a:r>
-              <a:rPr lang="en-US" dirty="0" smtClean="0"/>
-              <a:t>O(n</a:t>
-            </a:r>
-            <a:r>
-              <a:rPr lang="en-US" baseline="30000" dirty="0" smtClean="0"/>
-              <a:t>2</a:t>
-            </a:r>
-            <a:r>
-              <a:rPr lang="en-US" dirty="0" smtClean="0"/>
-              <a:t>) but still fast on the GPU.</a:t>
+              <a:t>Spring forces calculated once per RK4 increment.</a:t>
+            </a:r>
+          </a:p>
+          <a:p>
+            <a:endParaRPr lang="en-US" dirty="0" smtClean="0"/>
+          </a:p>
+          <a:p>
+            <a:r>
+              <a:rPr lang="en-US" dirty="0" smtClean="0"/>
+              <a:t>Two stages:</a:t>
+            </a:r>
+          </a:p>
+          <a:p>
+            <a:pPr lvl="1"/>
+            <a:r>
+              <a:rPr lang="en-US" dirty="0" err="1" smtClean="0"/>
+              <a:t>deviceComputeSpringForces</a:t>
+            </a:r>
+            <a:r>
+              <a:rPr lang="en-US" dirty="0" smtClean="0"/>
+              <a:t>()</a:t>
+            </a:r>
+            <a:r>
+              <a:rPr lang="en-US" dirty="0"/>
+              <a:t> computes the force for each </a:t>
+            </a:r>
+            <a:r>
+              <a:rPr lang="en-US" dirty="0" smtClean="0"/>
+              <a:t>spring.</a:t>
+            </a:r>
+          </a:p>
+          <a:p>
+            <a:pPr lvl="1"/>
+            <a:r>
+              <a:rPr lang="en-US" dirty="0" err="1" smtClean="0"/>
+              <a:t>deviceApplySpringForces</a:t>
+            </a:r>
+            <a:r>
+              <a:rPr lang="en-US" dirty="0" smtClean="0"/>
+              <a:t>() sums forces from each spring attached to a mass.</a:t>
             </a:r>
             <a:endParaRPr lang="en-US" dirty="0"/>
           </a:p>
@@ -15903,7 +15851,7 @@
     </p:spTree>
     <p:extLst>
       <p:ext uri="{BB962C8B-B14F-4D97-AF65-F5344CB8AC3E}">
-        <p14:creationId xmlns:p14="http://schemas.microsoft.com/office/powerpoint/2010/main" val="1915048363"/>
+        <p14:creationId xmlns:p14="http://schemas.microsoft.com/office/powerpoint/2010/main" val="1170933121"/>
       </p:ext>
     </p:extLst>
   </p:cSld>
@@ -16128,7 +16076,7 @@
           <a:p>
             <a:r>
               <a:rPr lang="en-US" dirty="0" smtClean="0"/>
-              <a:t>CUDA to OpenGL</a:t>
+              <a:t>Collisions</a:t>
             </a:r>
             <a:endParaRPr lang="en-US" dirty="0"/>
           </a:p>
@@ -16146,109 +16094,39 @@
         </p:nvSpPr>
         <p:spPr/>
         <p:txBody>
-          <a:bodyPr>
-            <a:normAutofit/>
-          </a:bodyPr>
-          <a:lstStyle/>
-          <a:p>
-            <a:r>
-              <a:rPr lang="en-US" dirty="0" smtClean="0"/>
-              <a:t>CUDA arrays can be shared with OpenGL buffers.</a:t>
-            </a:r>
-          </a:p>
-          <a:p>
-            <a:pPr marL="0" indent="0">
-              <a:buNone/>
-            </a:pPr>
-            <a:endParaRPr lang="en-US" dirty="0" smtClean="0"/>
-          </a:p>
-          <a:p>
-            <a:pPr marL="0" indent="0">
-              <a:buNone/>
-            </a:pPr>
-            <a:r>
-              <a:rPr lang="en-US" dirty="0" err="1" smtClean="0"/>
-              <a:t>cudaGLSetGLDevice</a:t>
-            </a:r>
-            <a:r>
-              <a:rPr lang="en-US" dirty="0" smtClean="0"/>
-              <a:t>(</a:t>
-            </a:r>
-            <a:r>
-              <a:rPr lang="en-US" dirty="0" err="1" smtClean="0"/>
-              <a:t>int</a:t>
-            </a:r>
-            <a:r>
-              <a:rPr lang="en-US" dirty="0" smtClean="0"/>
-              <a:t> device)</a:t>
-            </a:r>
-          </a:p>
-          <a:p>
-            <a:pPr marL="0" indent="0">
-              <a:buNone/>
-            </a:pPr>
-            <a:endParaRPr lang="en-US" dirty="0" smtClean="0"/>
-          </a:p>
-          <a:p>
-            <a:pPr marL="0" indent="0">
-              <a:buNone/>
-            </a:pPr>
-            <a:r>
-              <a:rPr lang="en-US" dirty="0" err="1" smtClean="0"/>
-              <a:t>cudaGraphicsGLRegisterBuffer</a:t>
-            </a:r>
-            <a:r>
-              <a:rPr lang="en-US" dirty="0" smtClean="0"/>
-              <a:t>(</a:t>
-            </a:r>
-            <a:r>
-              <a:rPr lang="en-US" dirty="0" err="1" smtClean="0"/>
-              <a:t>struct</a:t>
-            </a:r>
-            <a:r>
-              <a:rPr lang="en-US" dirty="0" smtClean="0"/>
-              <a:t> 		</a:t>
-            </a:r>
-            <a:r>
-              <a:rPr lang="en-US" dirty="0" err="1" smtClean="0"/>
-              <a:t>cudaGraphicsResource</a:t>
-            </a:r>
-            <a:r>
-              <a:rPr lang="en-US" dirty="0" smtClean="0"/>
-              <a:t> **resource,</a:t>
-            </a:r>
-          </a:p>
-          <a:p>
-            <a:pPr marL="0" indent="0">
-              <a:buNone/>
-            </a:pPr>
-            <a:r>
-              <a:rPr lang="en-US" dirty="0"/>
-              <a:t>	</a:t>
-            </a:r>
-            <a:r>
-              <a:rPr lang="en-US" dirty="0" err="1" smtClean="0"/>
-              <a:t>GLuint</a:t>
-            </a:r>
-            <a:r>
-              <a:rPr lang="en-US" dirty="0" smtClean="0"/>
-              <a:t> buffer, unsigned </a:t>
-            </a:r>
-            <a:r>
-              <a:rPr lang="en-US" dirty="0" err="1"/>
-              <a:t>int</a:t>
-            </a:r>
-            <a:r>
-              <a:rPr lang="en-US" dirty="0"/>
-              <a:t> </a:t>
-            </a:r>
-            <a:r>
-              <a:rPr lang="en-US" dirty="0" smtClean="0"/>
-              <a:t>flags)</a:t>
-            </a:r>
+          <a:bodyPr/>
+          <a:lstStyle/>
+          <a:p>
+            <a:r>
+              <a:rPr lang="en-US" dirty="0" smtClean="0"/>
+              <a:t>Bounding boxes are calculated around each object on the CPU.</a:t>
+            </a:r>
+          </a:p>
+          <a:p>
             <a:endParaRPr lang="en-US" dirty="0"/>
           </a:p>
           <a:p>
+            <a:r>
+              <a:rPr lang="en-US" dirty="0" smtClean="0"/>
+              <a:t>Impulses from virtual springs push nearby particles apart.</a:t>
+            </a:r>
+          </a:p>
+          <a:p>
+            <a:endParaRPr lang="en-US" dirty="0"/>
+          </a:p>
+          <a:p>
+            <a:r>
+              <a:rPr lang="en-US" dirty="0" smtClean="0"/>
+              <a:t>O(n</a:t>
+            </a:r>
+            <a:r>
+              <a:rPr lang="en-US" baseline="30000" dirty="0" smtClean="0"/>
+              <a:t>2</a:t>
+            </a:r>
+            <a:r>
+              <a:rPr lang="en-US" dirty="0" smtClean="0"/>
+              <a:t>) but still fast on the GPU.</a:t>
+            </a:r>
             <a:endParaRPr lang="en-US" dirty="0"/>
           </a:p>
         </p:txBody>
@@ -16256,7 +16134,7 @@
     </p:spTree>
     <p:extLst>
       <p:ext uri="{BB962C8B-B14F-4D97-AF65-F5344CB8AC3E}">
-        <p14:creationId xmlns:p14="http://schemas.microsoft.com/office/powerpoint/2010/main" val="941900084"/>
+        <p14:creationId xmlns:p14="http://schemas.microsoft.com/office/powerpoint/2010/main" val="1915048363"/>
       </p:ext>
     </p:extLst>
   </p:cSld>
@@ -16326,20 +16204,92 @@
         <p:spPr/>
         <p:txBody>
           <a:bodyPr>
-            <a:normAutofit fontScale="85000" lnSpcReduction="20000"/>
+            <a:normAutofit/>
           </a:bodyPr>
           <a:lstStyle/>
           <a:p>
+            <a:r>
+              <a:rPr lang="en-US" dirty="0" smtClean="0"/>
+              <a:t>CUDA arrays can be shared with OpenGL buffers.</a:t>
+            </a:r>
+          </a:p>
+          <a:p>
             <a:pPr marL="0" indent="0">
               <a:buNone/>
             </a:pPr>
-            <a:r>
-              <a:rPr lang="en-US" dirty="0" err="1"/>
-              <a:t>cudaGraphicsMapResources</a:t>
-            </a:r>
+            <a:endParaRPr lang="en-US" dirty="0" smtClean="0"/>
+          </a:p>
+          <a:p>
+            <a:pPr marL="0" indent="0">
+              <a:buNone/>
+            </a:pPr>
+            <a:r>
+              <a:rPr lang="en-US" dirty="0" err="1" smtClean="0"/>
+              <a:t>cudaGLSetGLDevice</a:t>
+            </a:r>
+            <a:r>
+              <a:rPr lang="en-US" dirty="0" smtClean="0"/>
+              <a:t>(</a:t>
+            </a:r>
+            <a:r>
+              <a:rPr lang="en-US" dirty="0" err="1" smtClean="0"/>
+              <a:t>int</a:t>
+            </a:r>
+            <a:r>
+              <a:rPr lang="en-US" dirty="0" smtClean="0"/>
+              <a:t> device)</a:t>
+            </a:r>
+          </a:p>
+          <a:p>
+            <a:pPr marL="0" indent="0">
+              <a:buNone/>
+            </a:pPr>
+            <a:endParaRPr lang="en-US" dirty="0" smtClean="0"/>
+          </a:p>
+          <a:p>
+            <a:pPr marL="0" indent="0">
+              <a:buNone/>
+            </a:pPr>
+            <a:r>
+              <a:rPr lang="en-US" dirty="0" err="1" smtClean="0"/>
+              <a:t>cudaGraphicsGLRegisterBuffer</a:t>
+            </a:r>
+            <a:r>
+              <a:rPr lang="en-US" dirty="0" smtClean="0"/>
+              <a:t>(</a:t>
+            </a:r>
+            <a:r>
+              <a:rPr lang="en-US" dirty="0" err="1" smtClean="0"/>
+              <a:t>struct</a:t>
+            </a:r>
+            <a:r>
+              <a:rPr lang="en-US" dirty="0" smtClean="0"/>
+              <a:t> 		</a:t>
+            </a:r>
+            <a:r>
+              <a:rPr lang="en-US" dirty="0" err="1" smtClean="0"/>
+              <a:t>cudaGraphicsResource</a:t>
+            </a:r>
+            <a:r>
+              <a:rPr lang="en-US" dirty="0" smtClean="0"/>
+              <a:t> **resource,</a:t>
+            </a:r>
+          </a:p>
+          <a:p>
+            <a:pPr marL="0" indent="0">
+              <a:buNone/>
+            </a:pPr>
             <a:r>
               <a:rPr lang="en-US" dirty="0"/>
-              <a:t>(</a:t>
+              <a:t>	</a:t>
+            </a:r>
+            <a:r>
+              <a:rPr lang="en-US" dirty="0" err="1" smtClean="0"/>
+              <a:t>GLuint</a:t>
+            </a:r>
+            <a:r>
+              <a:rPr lang="en-US" dirty="0" smtClean="0"/>
+              <a:t> buffer, unsigned </a:t>
             </a:r>
             <a:r>
               <a:rPr lang="en-US" dirty="0" err="1"/>
@@ -16347,148 +16297,15 @@
             </a:r>
             <a:r>
               <a:rPr lang="en-US" dirty="0"/>
-              <a:t> count, </a:t>
-            </a:r>
-            <a:r>
-              <a:rPr lang="en-US" dirty="0" smtClean="0"/>
-              <a:t>	</a:t>
-            </a:r>
-            <a:r>
-              <a:rPr lang="en-US" dirty="0" err="1" smtClean="0"/>
-              <a:t>cudaGraphicsResource_t</a:t>
-            </a:r>
-            <a:r>
-              <a:rPr lang="en-US" dirty="0" smtClean="0"/>
               <a:t> </a:t>
             </a:r>
             <a:r>
-              <a:rPr lang="en-US" dirty="0"/>
-              <a:t>*resources, </a:t>
-            </a:r>
-            <a:r>
-              <a:rPr lang="en-US" dirty="0" smtClean="0"/>
-              <a:t>	</a:t>
-            </a:r>
-            <a:r>
-              <a:rPr lang="en-US" dirty="0" err="1" smtClean="0"/>
-              <a:t>cudaStream_t</a:t>
-            </a:r>
-            <a:r>
-              <a:rPr lang="en-US" dirty="0" smtClean="0"/>
-              <a:t> stream)</a:t>
-            </a:r>
-          </a:p>
-          <a:p>
-            <a:pPr marL="0" indent="0">
-              <a:buNone/>
-            </a:pPr>
-            <a:endParaRPr lang="en-US" dirty="0" smtClean="0"/>
-          </a:p>
-          <a:p>
-            <a:pPr marL="0" indent="0">
-              <a:buNone/>
-            </a:pPr>
-            <a:r>
-              <a:rPr lang="en-US" dirty="0"/>
-              <a:t> </a:t>
-            </a:r>
-            <a:r>
-              <a:rPr lang="en-US" dirty="0" err="1" smtClean="0"/>
-              <a:t>cudaGraphicsResourceGetMappedPointer</a:t>
-            </a:r>
-            <a:r>
-              <a:rPr lang="en-US" dirty="0" smtClean="0"/>
-              <a:t>(</a:t>
-            </a:r>
-          </a:p>
-          <a:p>
-            <a:pPr marL="0" indent="0">
-              <a:buNone/>
-            </a:pPr>
-            <a:r>
-              <a:rPr lang="en-US" dirty="0"/>
-              <a:t>	</a:t>
-            </a:r>
-            <a:r>
-              <a:rPr lang="en-US" dirty="0" smtClean="0"/>
-              <a:t>void **</a:t>
-            </a:r>
-            <a:r>
-              <a:rPr lang="en-US" dirty="0" err="1" smtClean="0"/>
-              <a:t>devPtr</a:t>
-            </a:r>
-            <a:r>
-              <a:rPr lang="en-US" dirty="0" smtClean="0"/>
-              <a:t>, </a:t>
-            </a:r>
-            <a:r>
-              <a:rPr lang="en-US" dirty="0" err="1" smtClean="0"/>
-              <a:t>size_t</a:t>
-            </a:r>
-            <a:r>
-              <a:rPr lang="en-US" dirty="0" smtClean="0"/>
-              <a:t> *size, 	</a:t>
-            </a:r>
-            <a:r>
-              <a:rPr lang="en-US" dirty="0" err="1" smtClean="0"/>
-              <a:t>cudaGraphicsResource_t</a:t>
-            </a:r>
-            <a:r>
-              <a:rPr lang="en-US" dirty="0" smtClean="0"/>
-              <a:t> resource)</a:t>
-            </a:r>
-          </a:p>
-          <a:p>
-            <a:pPr marL="0" indent="0">
-              <a:buNone/>
-            </a:pPr>
-            <a:endParaRPr lang="en-US" dirty="0" smtClean="0"/>
-          </a:p>
-          <a:p>
-            <a:pPr marL="0" indent="0">
-              <a:buNone/>
-            </a:pPr>
-            <a:r>
-              <a:rPr lang="en-US" dirty="0" err="1" smtClean="0"/>
-              <a:t>cudaGraphicsUnmapResources</a:t>
-            </a:r>
-            <a:r>
-              <a:rPr lang="en-US" dirty="0" smtClean="0"/>
-              <a:t>(</a:t>
-            </a:r>
-            <a:r>
-              <a:rPr lang="en-US" dirty="0" err="1" smtClean="0"/>
-              <a:t>int</a:t>
-            </a:r>
-            <a:r>
-              <a:rPr lang="en-US" dirty="0" smtClean="0"/>
-              <a:t> count, 	</a:t>
-            </a:r>
-            <a:r>
-              <a:rPr lang="en-US" dirty="0" err="1" smtClean="0"/>
-              <a:t>cudaGraphicsResource_t</a:t>
-            </a:r>
-            <a:r>
-              <a:rPr lang="en-US" dirty="0" smtClean="0"/>
-              <a:t> *resources,</a:t>
-            </a:r>
-          </a:p>
-          <a:p>
-            <a:pPr marL="0" indent="0">
-              <a:buNone/>
-            </a:pPr>
-            <a:r>
-              <a:rPr lang="en-US" dirty="0"/>
-              <a:t>	</a:t>
-            </a:r>
-            <a:r>
-              <a:rPr lang="en-US" dirty="0" err="1" smtClean="0"/>
-              <a:t>cudaStream_t</a:t>
-            </a:r>
-            <a:r>
-              <a:rPr lang="en-US" dirty="0" smtClean="0"/>
-              <a:t> stream)</a:t>
-            </a:r>
+              <a:rPr lang="en-US" dirty="0" smtClean="0"/>
+              <a:t>flags)</a:t>
+            </a:r>
+            <a:endParaRPr lang="en-US" dirty="0"/>
+          </a:p>
+          <a:p>
             <a:endParaRPr lang="en-US" dirty="0"/>
           </a:p>
         </p:txBody>
@@ -16496,7 +16313,7 @@
     </p:spTree>
     <p:extLst>
       <p:ext uri="{BB962C8B-B14F-4D97-AF65-F5344CB8AC3E}">
-        <p14:creationId xmlns:p14="http://schemas.microsoft.com/office/powerpoint/2010/main" val="1111593088"/>
+        <p14:creationId xmlns:p14="http://schemas.microsoft.com/office/powerpoint/2010/main" val="941900084"/>
       </p:ext>
     </p:extLst>
   </p:cSld>
@@ -16547,6 +16364,246 @@
           <a:p>
             <a:r>
               <a:rPr lang="en-US" dirty="0" smtClean="0"/>
+              <a:t>CUDA to OpenGL</a:t>
+            </a:r>
+            <a:endParaRPr lang="en-US" dirty="0"/>
+          </a:p>
+        </p:txBody>
+      </p:sp>
+      <p:sp>
+        <p:nvSpPr>
+          <p:cNvPr id="3" name="Content Placeholder 2"/>
+          <p:cNvSpPr>
+            <a:spLocks noGrp="1"/>
+          </p:cNvSpPr>
+          <p:nvPr>
+            <p:ph idx="1"/>
+          </p:nvPr>
+        </p:nvSpPr>
+        <p:spPr/>
+        <p:txBody>
+          <a:bodyPr>
+            <a:normAutofit fontScale="85000" lnSpcReduction="20000"/>
+          </a:bodyPr>
+          <a:lstStyle/>
+          <a:p>
+            <a:pPr marL="0" indent="0">
+              <a:buNone/>
+            </a:pPr>
+            <a:r>
+              <a:rPr lang="en-US" dirty="0" err="1"/>
+              <a:t>cudaGraphicsMapResources</a:t>
+            </a:r>
+            <a:r>
+              <a:rPr lang="en-US" dirty="0"/>
+              <a:t>(</a:t>
+            </a:r>
+            <a:r>
+              <a:rPr lang="en-US" dirty="0" err="1"/>
+              <a:t>int</a:t>
+            </a:r>
+            <a:r>
+              <a:rPr lang="en-US" dirty="0"/>
+              <a:t> count, </a:t>
+            </a:r>
+            <a:r>
+              <a:rPr lang="en-US" dirty="0" smtClean="0"/>
+              <a:t>	</a:t>
+            </a:r>
+            <a:r>
+              <a:rPr lang="en-US" dirty="0" err="1" smtClean="0"/>
+              <a:t>cudaGraphicsResource_t</a:t>
+            </a:r>
+            <a:r>
+              <a:rPr lang="en-US" dirty="0" smtClean="0"/>
+              <a:t> </a:t>
+            </a:r>
+            <a:r>
+              <a:rPr lang="en-US" dirty="0"/>
+              <a:t>*resources, </a:t>
+            </a:r>
+            <a:r>
+              <a:rPr lang="en-US" dirty="0" smtClean="0"/>
+              <a:t>	</a:t>
+            </a:r>
+            <a:r>
+              <a:rPr lang="en-US" dirty="0" err="1" smtClean="0"/>
+              <a:t>cudaStream_t</a:t>
+            </a:r>
+            <a:r>
+              <a:rPr lang="en-US" dirty="0" smtClean="0"/>
+              <a:t> stream)</a:t>
+            </a:r>
+          </a:p>
+          <a:p>
+            <a:pPr marL="0" indent="0">
+              <a:buNone/>
+            </a:pPr>
+            <a:endParaRPr lang="en-US" dirty="0" smtClean="0"/>
+          </a:p>
+          <a:p>
+            <a:pPr marL="0" indent="0">
+              <a:buNone/>
+            </a:pPr>
+            <a:r>
+              <a:rPr lang="en-US" dirty="0"/>
+              <a:t> </a:t>
+            </a:r>
+            <a:r>
+              <a:rPr lang="en-US" dirty="0" err="1" smtClean="0"/>
+              <a:t>cudaGraphicsResourceGetMappedPointer</a:t>
+            </a:r>
+            <a:r>
+              <a:rPr lang="en-US" dirty="0" smtClean="0"/>
+              <a:t>(</a:t>
+            </a:r>
+          </a:p>
+          <a:p>
+            <a:pPr marL="0" indent="0">
+              <a:buNone/>
+            </a:pPr>
+            <a:r>
+              <a:rPr lang="en-US" dirty="0"/>
+              <a:t>	</a:t>
+            </a:r>
+            <a:r>
+              <a:rPr lang="en-US" dirty="0" smtClean="0"/>
+              <a:t>void **</a:t>
+            </a:r>
+            <a:r>
+              <a:rPr lang="en-US" dirty="0" err="1" smtClean="0"/>
+              <a:t>devPtr</a:t>
+            </a:r>
+            <a:r>
+              <a:rPr lang="en-US" dirty="0" smtClean="0"/>
+              <a:t>, </a:t>
+            </a:r>
+            <a:r>
+              <a:rPr lang="en-US" dirty="0" err="1" smtClean="0"/>
+              <a:t>size_t</a:t>
+            </a:r>
+            <a:r>
+              <a:rPr lang="en-US" dirty="0" smtClean="0"/>
+              <a:t> *size, 	</a:t>
+            </a:r>
+            <a:r>
+              <a:rPr lang="en-US" dirty="0" err="1" smtClean="0"/>
+              <a:t>cudaGraphicsResource_t</a:t>
+            </a:r>
+            <a:r>
+              <a:rPr lang="en-US" dirty="0" smtClean="0"/>
+              <a:t> resource)</a:t>
+            </a:r>
+          </a:p>
+          <a:p>
+            <a:pPr marL="0" indent="0">
+              <a:buNone/>
+            </a:pPr>
+            <a:endParaRPr lang="en-US" dirty="0" smtClean="0"/>
+          </a:p>
+          <a:p>
+            <a:pPr marL="0" indent="0">
+              <a:buNone/>
+            </a:pPr>
+            <a:r>
+              <a:rPr lang="en-US" dirty="0" err="1" smtClean="0"/>
+              <a:t>cudaGraphicsUnmapResources</a:t>
+            </a:r>
+            <a:r>
+              <a:rPr lang="en-US" dirty="0" smtClean="0"/>
+              <a:t>(</a:t>
+            </a:r>
+            <a:r>
+              <a:rPr lang="en-US" dirty="0" err="1" smtClean="0"/>
+              <a:t>int</a:t>
+            </a:r>
+            <a:r>
+              <a:rPr lang="en-US" dirty="0" smtClean="0"/>
+              <a:t> count, 	</a:t>
+            </a:r>
+            <a:r>
+              <a:rPr lang="en-US" dirty="0" err="1" smtClean="0"/>
+              <a:t>cudaGraphicsResource_t</a:t>
+            </a:r>
+            <a:r>
+              <a:rPr lang="en-US" dirty="0" smtClean="0"/>
+              <a:t> *resources,</a:t>
+            </a:r>
+          </a:p>
+          <a:p>
+            <a:pPr marL="0" indent="0">
+              <a:buNone/>
+            </a:pPr>
+            <a:r>
+              <a:rPr lang="en-US" dirty="0"/>
+              <a:t>	</a:t>
+            </a:r>
+            <a:r>
+              <a:rPr lang="en-US" dirty="0" err="1" smtClean="0"/>
+              <a:t>cudaStream_t</a:t>
+            </a:r>
+            <a:r>
+              <a:rPr lang="en-US" dirty="0" smtClean="0"/>
+              <a:t> stream)</a:t>
+            </a:r>
+            <a:endParaRPr lang="en-US" dirty="0"/>
+          </a:p>
+        </p:txBody>
+      </p:sp>
+    </p:spTree>
+    <p:extLst>
+      <p:ext uri="{BB962C8B-B14F-4D97-AF65-F5344CB8AC3E}">
+        <p14:creationId xmlns:p14="http://schemas.microsoft.com/office/powerpoint/2010/main" val="1111593088"/>
+      </p:ext>
+    </p:extLst>
+  </p:cSld>
+  <p:clrMapOvr>
+    <a:masterClrMapping/>
+  </p:clrMapOvr>
+  <p:timing>
+    <p:tnLst>
+      <p:par>
+        <p:cTn id="1" dur="indefinite" restart="never" nodeType="tmRoot"/>
+      </p:par>
+    </p:tnLst>
+  </p:timing>
+</p:sld>
+</file>
+
+<file path=ppt/slides/slide43.xml><?xml version="1.0" encoding="utf-8"?>
+<p:sld xmlns:a="http://schemas.openxmlformats.org/drawingml/2006/main" xmlns:r="http://schemas.openxmlformats.org/officeDocument/2006/relationships" xmlns:p="http://schemas.openxmlformats.org/presentationml/2006/main">
+  <p:cSld>
+    <p:spTree>
+      <p:nvGrpSpPr>
+        <p:cNvPr id="1" name=""/>
+        <p:cNvGrpSpPr/>
+        <p:nvPr/>
+      </p:nvGrpSpPr>
+      <p:grpSpPr>
+        <a:xfrm>
+          <a:off x="0" y="0"/>
+          <a:ext cx="0" cy="0"/>
+          <a:chOff x="0" y="0"/>
+          <a:chExt cx="0" cy="0"/>
+        </a:xfrm>
+      </p:grpSpPr>
+      <p:sp>
+        <p:nvSpPr>
+          <p:cNvPr id="2" name="Title 1"/>
+          <p:cNvSpPr>
+            <a:spLocks noGrp="1"/>
+          </p:cNvSpPr>
+          <p:nvPr>
+            <p:ph type="title"/>
+          </p:nvPr>
+        </p:nvSpPr>
+        <p:spPr/>
+        <p:txBody>
+          <a:bodyPr/>
+          <a:lstStyle/>
+          <a:p>
+            <a:r>
+              <a:rPr lang="en-US" dirty="0" smtClean="0"/>
               <a:t>CUDA Debugging and Profiling</a:t>
             </a:r>
             <a:endParaRPr lang="en-US" dirty="0"/>
@@ -16628,7 +16685,7 @@
 </p:sld>
 </file>
 
-<file path=ppt/slides/slide43.xml><?xml version="1.0" encoding="utf-8"?>
+<file path=ppt/slides/slide44.xml><?xml version="1.0" encoding="utf-8"?>
 <p:sld xmlns:a="http://schemas.openxmlformats.org/drawingml/2006/main" xmlns:r="http://schemas.openxmlformats.org/officeDocument/2006/relationships" xmlns:p="http://schemas.openxmlformats.org/presentationml/2006/main">
   <p:cSld>
     <p:spTree>
@@ -16805,174 +16862,6 @@
 </p:sld>
 </file>
 
-<file path=ppt/slides/slide44.xml><?xml version="1.0" encoding="utf-8"?>
-<p:sld xmlns:a="http://schemas.openxmlformats.org/drawingml/2006/main" xmlns:r="http://schemas.openxmlformats.org/officeDocument/2006/relationships" xmlns:p="http://schemas.openxmlformats.org/presentationml/2006/main">
-  <p:cSld>
-    <p:spTree>
-      <p:nvGrpSpPr>
-        <p:cNvPr id="1" name=""/>
-        <p:cNvGrpSpPr/>
-        <p:nvPr/>
-      </p:nvGrpSpPr>
-      <p:grpSpPr>
-        <a:xfrm>
-          <a:off x="0" y="0"/>
-          <a:ext cx="0" cy="0"/>
-          <a:chOff x="0" y="0"/>
-          <a:chExt cx="0" cy="0"/>
-        </a:xfrm>
-      </p:grpSpPr>
-      <p:sp>
-        <p:nvSpPr>
-          <p:cNvPr id="5" name="Title 4"/>
-          <p:cNvSpPr>
-            <a:spLocks noGrp="1"/>
-          </p:cNvSpPr>
-          <p:nvPr>
-            <p:ph type="title"/>
-          </p:nvPr>
-        </p:nvSpPr>
-        <p:spPr/>
-        <p:txBody>
-          <a:bodyPr/>
-          <a:lstStyle/>
-          <a:p>
-            <a:r>
-              <a:rPr lang="en-US" dirty="0" smtClean="0"/>
-              <a:t>Performance</a:t>
-            </a:r>
-            <a:endParaRPr lang="en-US" dirty="0"/>
-          </a:p>
-        </p:txBody>
-      </p:sp>
-      <p:sp>
-        <p:nvSpPr>
-          <p:cNvPr id="6" name="Content Placeholder 5"/>
-          <p:cNvSpPr>
-            <a:spLocks noGrp="1"/>
-          </p:cNvSpPr>
-          <p:nvPr>
-            <p:ph idx="1"/>
-          </p:nvPr>
-        </p:nvSpPr>
-        <p:spPr/>
-        <p:txBody>
-          <a:bodyPr>
-            <a:normAutofit fontScale="77500" lnSpcReduction="20000"/>
-          </a:bodyPr>
-          <a:lstStyle/>
-          <a:p>
-            <a:r>
-              <a:rPr lang="en-US" dirty="0" smtClean="0"/>
-              <a:t>Runs at 30 fps on a </a:t>
-            </a:r>
-            <a:r>
-              <a:rPr lang="en-US" dirty="0" err="1" smtClean="0"/>
-              <a:t>Geforce</a:t>
-            </a:r>
-            <a:r>
-              <a:rPr lang="en-US" dirty="0" smtClean="0"/>
-              <a:t> 670M with 140k springs</a:t>
-            </a:r>
-          </a:p>
-          <a:p>
-            <a:endParaRPr lang="en-US" dirty="0"/>
-          </a:p>
-          <a:p>
-            <a:r>
-              <a:rPr lang="en-US" dirty="0" smtClean="0"/>
-              <a:t>Creates a plausible real-time simulation with </a:t>
-            </a:r>
-            <a:r>
-              <a:rPr lang="en-US" smtClean="0"/>
-              <a:t>50k springs</a:t>
-            </a:r>
-            <a:endParaRPr lang="en-US" dirty="0"/>
-          </a:p>
-          <a:p>
-            <a:endParaRPr lang="en-US" dirty="0" smtClean="0"/>
-          </a:p>
-          <a:p>
-            <a:r>
-              <a:rPr lang="en-US" dirty="0" smtClean="0"/>
-              <a:t>Performance based on:</a:t>
-            </a:r>
-          </a:p>
-          <a:p>
-            <a:pPr lvl="1"/>
-            <a:r>
-              <a:rPr lang="en-US" dirty="0" smtClean="0"/>
-              <a:t>Occupancy</a:t>
-            </a:r>
-          </a:p>
-          <a:p>
-            <a:pPr lvl="1"/>
-            <a:r>
-              <a:rPr lang="en-US" dirty="0" smtClean="0"/>
-              <a:t>Coalesced memory access</a:t>
-            </a:r>
-            <a:endParaRPr lang="en-US" dirty="0"/>
-          </a:p>
-          <a:p>
-            <a:endParaRPr lang="en-US" dirty="0" smtClean="0"/>
-          </a:p>
-          <a:p>
-            <a:r>
-              <a:rPr lang="en-US" dirty="0" smtClean="0"/>
-              <a:t>Potential optimizations:</a:t>
-            </a:r>
-          </a:p>
-          <a:p>
-            <a:pPr lvl="1"/>
-            <a:r>
-              <a:rPr lang="en-US" dirty="0" smtClean="0"/>
-              <a:t>Compute bounding boxes on the GPU</a:t>
-            </a:r>
-          </a:p>
-          <a:p>
-            <a:pPr lvl="1"/>
-            <a:r>
-              <a:rPr lang="en-US" dirty="0" smtClean="0"/>
-              <a:t>Shared memory spring force accumulation</a:t>
-            </a:r>
-          </a:p>
-          <a:p>
-            <a:pPr lvl="1"/>
-            <a:r>
-              <a:rPr lang="en-US" dirty="0" smtClean="0"/>
-              <a:t>Structure of arrays (SOA)</a:t>
-            </a:r>
-          </a:p>
-          <a:p>
-            <a:pPr lvl="1"/>
-            <a:endParaRPr lang="en-US" dirty="0" smtClean="0"/>
-          </a:p>
-          <a:p>
-            <a:pPr lvl="1"/>
-            <a:endParaRPr lang="en-US" dirty="0"/>
-          </a:p>
-        </p:txBody>
-      </p:sp>
-    </p:spTree>
-    <p:extLst>
-      <p:ext uri="{BB962C8B-B14F-4D97-AF65-F5344CB8AC3E}">
-        <p14:creationId xmlns:p14="http://schemas.microsoft.com/office/powerpoint/2010/main" val="4167494659"/>
-      </p:ext>
-    </p:extLst>
-  </p:cSld>
-  <p:clrMapOvr>
-    <a:masterClrMapping/>
-  </p:clrMapOvr>
-  <p:timing>
-    <p:tnLst>
-      <p:par>
-        <p:cTn id="1" dur="indefinite" restart="never" nodeType="tmRoot"/>
-      </p:par>
-    </p:tnLst>
-  </p:timing>
-</p:sld>
-</file>
-
 <file path=ppt/slides/slide45.xml><?xml version="1.0" encoding="utf-8"?>
 <p:sld xmlns:a="http://schemas.openxmlformats.org/drawingml/2006/main" xmlns:r="http://schemas.openxmlformats.org/officeDocument/2006/relationships" xmlns:p="http://schemas.openxmlformats.org/presentationml/2006/main">
   <p:cSld>
@@ -16992,7 +16881,7 @@
       </p:grpSpPr>
       <p:sp>
         <p:nvSpPr>
-          <p:cNvPr id="2" name="Title 1"/>
+          <p:cNvPr id="5" name="Title 4"/>
           <p:cNvSpPr>
             <a:spLocks noGrp="1"/>
           </p:cNvSpPr>
@@ -17007,7 +16896,7 @@
           <a:p>
             <a:r>
               <a:rPr lang="en-US" dirty="0" smtClean="0"/>
-              <a:t>Future Work</a:t>
+              <a:t>Performance</a:t>
             </a:r>
             <a:endParaRPr lang="en-US" dirty="0"/>
           </a:p>
@@ -17015,7 +16904,7 @@
       </p:sp>
       <p:sp>
         <p:nvSpPr>
-          <p:cNvPr id="3" name="Content Placeholder 2"/>
+          <p:cNvPr id="6" name="Content Placeholder 5"/>
           <p:cNvSpPr>
             <a:spLocks noGrp="1"/>
           </p:cNvSpPr>
@@ -17025,45 +16914,106 @@
         </p:nvSpPr>
         <p:spPr/>
         <p:txBody>
-          <a:bodyPr/>
-          <a:lstStyle/>
+          <a:bodyPr>
+            <a:normAutofit fontScale="77500" lnSpcReduction="20000"/>
+          </a:bodyPr>
+          <a:lstStyle/>
+          <a:p>
+            <a:r>
+              <a:rPr lang="en-US" dirty="0" smtClean="0"/>
+              <a:t>Runs at 30 fps on a </a:t>
+            </a:r>
+            <a:r>
+              <a:rPr lang="en-US" dirty="0" err="1" smtClean="0"/>
+              <a:t>Geforce</a:t>
+            </a:r>
+            <a:r>
+              <a:rPr lang="en-US" dirty="0" smtClean="0"/>
+              <a:t> 670M with 140k springs</a:t>
+            </a:r>
+          </a:p>
+          <a:p>
+            <a:endParaRPr lang="en-US" dirty="0"/>
+          </a:p>
+          <a:p>
+            <a:r>
+              <a:rPr lang="en-US" dirty="0" smtClean="0"/>
+              <a:t>Creates a plausible real-time simulation with </a:t>
+            </a:r>
+            <a:r>
+              <a:rPr lang="en-US" smtClean="0"/>
+              <a:t>50k springs</a:t>
+            </a:r>
+            <a:endParaRPr lang="en-US" dirty="0"/>
+          </a:p>
           <a:p>
             <a:endParaRPr lang="en-US" dirty="0" smtClean="0"/>
           </a:p>
           <a:p>
             <a:r>
               <a:rPr lang="en-US" dirty="0" smtClean="0"/>
-              <a:t>Convert general purpose data-parallel tools to run on the GPU</a:t>
+              <a:t>Performance based on:</a:t>
             </a:r>
           </a:p>
           <a:p>
             <a:pPr lvl="1"/>
             <a:r>
               <a:rPr lang="en-US" dirty="0" smtClean="0"/>
-              <a:t>Simulation, deformers, procedurals, etc.</a:t>
-            </a:r>
-          </a:p>
-          <a:p>
+              <a:t>Occupancy</a:t>
+            </a:r>
+          </a:p>
+          <a:p>
+            <a:pPr lvl="1"/>
+            <a:r>
+              <a:rPr lang="en-US" dirty="0" smtClean="0"/>
+              <a:t>Coalesced memory access</a:t>
+            </a:r>
             <a:endParaRPr lang="en-US" dirty="0"/>
           </a:p>
           <a:p>
-            <a:r>
-              <a:rPr lang="en-US" dirty="0" smtClean="0"/>
-              <a:t>Dynamic Parallelism	</a:t>
-            </a:r>
-          </a:p>
-          <a:p>
+            <a:endParaRPr lang="en-US" dirty="0" smtClean="0"/>
+          </a:p>
+          <a:p>
+            <a:r>
+              <a:rPr lang="en-US" dirty="0" smtClean="0"/>
+              <a:t>Potential optimizations:</a:t>
+            </a:r>
+          </a:p>
+          <a:p>
+            <a:pPr lvl="1"/>
+            <a:r>
+              <a:rPr lang="en-US" dirty="0" smtClean="0"/>
+              <a:t>Compute bounding boxes on the GPU</a:t>
+            </a:r>
+          </a:p>
+          <a:p>
+            <a:pPr lvl="1"/>
+            <a:r>
+              <a:rPr lang="en-US" dirty="0" smtClean="0"/>
+              <a:t>Shared memory spring force accumulation</a:t>
+            </a:r>
+          </a:p>
+          <a:p>
+            <a:pPr lvl="1"/>
+            <a:r>
+              <a:rPr lang="en-US" dirty="0" smtClean="0"/>
+              <a:t>Structure of arrays (SOA)</a:t>
+            </a:r>
+          </a:p>
+          <a:p>
+            <a:pPr lvl="1"/>
+            <a:endParaRPr lang="en-US" dirty="0" smtClean="0"/>
+          </a:p>
+          <a:p>
+            <a:pPr lvl="1"/>
             <a:endParaRPr lang="en-US" dirty="0"/>
-          </a:p>
-          <a:p>
-            <a:endParaRPr lang="en-US" dirty="0" smtClean="0"/>
           </a:p>
         </p:txBody>
       </p:sp>
     </p:spTree>
     <p:extLst>
       <p:ext uri="{BB962C8B-B14F-4D97-AF65-F5344CB8AC3E}">
-        <p14:creationId xmlns:p14="http://schemas.microsoft.com/office/powerpoint/2010/main" val="1940663772"/>
+        <p14:creationId xmlns:p14="http://schemas.microsoft.com/office/powerpoint/2010/main" val="4167494659"/>
       </p:ext>
     </p:extLst>
   </p:cSld>
@@ -17107,28 +17057,70 @@
             <p:ph type="title"/>
           </p:nvPr>
         </p:nvSpPr>
-        <p:spPr>
-          <a:xfrm>
-            <a:off x="381000" y="2819400"/>
-            <a:ext cx="8229600" cy="1143000"/>
-          </a:xfrm>
-        </p:spPr>
-        <p:txBody>
-          <a:bodyPr/>
-          <a:lstStyle/>
-          <a:p>
-            <a:r>
-              <a:rPr lang="en-US" dirty="0" smtClean="0"/>
-              <a:t>Questions</a:t>
+        <p:spPr/>
+        <p:txBody>
+          <a:bodyPr/>
+          <a:lstStyle/>
+          <a:p>
+            <a:r>
+              <a:rPr lang="en-US" dirty="0" smtClean="0"/>
+              <a:t>Future Work</a:t>
             </a:r>
             <a:endParaRPr lang="en-US" dirty="0"/>
+          </a:p>
+        </p:txBody>
+      </p:sp>
+      <p:sp>
+        <p:nvSpPr>
+          <p:cNvPr id="3" name="Content Placeholder 2"/>
+          <p:cNvSpPr>
+            <a:spLocks noGrp="1"/>
+          </p:cNvSpPr>
+          <p:nvPr>
+            <p:ph idx="1"/>
+          </p:nvPr>
+        </p:nvSpPr>
+        <p:spPr/>
+        <p:txBody>
+          <a:bodyPr/>
+          <a:lstStyle/>
+          <a:p>
+            <a:endParaRPr lang="en-US" dirty="0" smtClean="0"/>
+          </a:p>
+          <a:p>
+            <a:r>
+              <a:rPr lang="en-US" dirty="0" smtClean="0"/>
+              <a:t>Convert general purpose data-parallel tools to run on the GPU</a:t>
+            </a:r>
+          </a:p>
+          <a:p>
+            <a:pPr lvl="1"/>
+            <a:r>
+              <a:rPr lang="en-US" dirty="0" smtClean="0"/>
+              <a:t>Simulation, deformers, procedurals, etc.</a:t>
+            </a:r>
+          </a:p>
+          <a:p>
+            <a:endParaRPr lang="en-US" dirty="0"/>
+          </a:p>
+          <a:p>
+            <a:r>
+              <a:rPr lang="en-US" dirty="0" smtClean="0"/>
+              <a:t>Dynamic Parallelism	</a:t>
+            </a:r>
+          </a:p>
+          <a:p>
+            <a:endParaRPr lang="en-US" dirty="0"/>
+          </a:p>
+          <a:p>
+            <a:endParaRPr lang="en-US" dirty="0" smtClean="0"/>
           </a:p>
         </p:txBody>
       </p:sp>
     </p:spTree>
     <p:extLst>
       <p:ext uri="{BB962C8B-B14F-4D97-AF65-F5344CB8AC3E}">
-        <p14:creationId xmlns:p14="http://schemas.microsoft.com/office/powerpoint/2010/main" val="2451699300"/>
+        <p14:creationId xmlns:p14="http://schemas.microsoft.com/office/powerpoint/2010/main" val="1940663772"/>
       </p:ext>
     </p:extLst>
   </p:cSld>
@@ -17172,6 +17164,71 @@
             <p:ph type="title"/>
           </p:nvPr>
         </p:nvSpPr>
+        <p:spPr>
+          <a:xfrm>
+            <a:off x="381000" y="2819400"/>
+            <a:ext cx="8229600" cy="1143000"/>
+          </a:xfrm>
+        </p:spPr>
+        <p:txBody>
+          <a:bodyPr/>
+          <a:lstStyle/>
+          <a:p>
+            <a:r>
+              <a:rPr lang="en-US" dirty="0" smtClean="0"/>
+              <a:t>Questions</a:t>
+            </a:r>
+            <a:endParaRPr lang="en-US" dirty="0"/>
+          </a:p>
+        </p:txBody>
+      </p:sp>
+    </p:spTree>
+    <p:extLst>
+      <p:ext uri="{BB962C8B-B14F-4D97-AF65-F5344CB8AC3E}">
+        <p14:creationId xmlns:p14="http://schemas.microsoft.com/office/powerpoint/2010/main" val="2451699300"/>
+      </p:ext>
+    </p:extLst>
+  </p:cSld>
+  <p:clrMapOvr>
+    <a:masterClrMapping/>
+  </p:clrMapOvr>
+  <p:timing>
+    <p:tnLst>
+      <p:par>
+        <p:cTn id="1" dur="indefinite" restart="never" nodeType="tmRoot"/>
+      </p:par>
+    </p:tnLst>
+  </p:timing>
+</p:sld>
+</file>
+
+<file path=ppt/slides/slide48.xml><?xml version="1.0" encoding="utf-8"?>
+<p:sld xmlns:a="http://schemas.openxmlformats.org/drawingml/2006/main" xmlns:r="http://schemas.openxmlformats.org/officeDocument/2006/relationships" xmlns:p="http://schemas.openxmlformats.org/presentationml/2006/main">
+  <p:cSld>
+    <p:spTree>
+      <p:nvGrpSpPr>
+        <p:cNvPr id="1" name=""/>
+        <p:cNvGrpSpPr/>
+        <p:nvPr/>
+      </p:nvGrpSpPr>
+      <p:grpSpPr>
+        <a:xfrm>
+          <a:off x="0" y="0"/>
+          <a:ext cx="0" cy="0"/>
+          <a:chOff x="0" y="0"/>
+          <a:chExt cx="0" cy="0"/>
+        </a:xfrm>
+      </p:grpSpPr>
+      <p:sp>
+        <p:nvSpPr>
+          <p:cNvPr id="2" name="Title 1"/>
+          <p:cNvSpPr>
+            <a:spLocks noGrp="1"/>
+          </p:cNvSpPr>
+          <p:nvPr>
+            <p:ph type="title"/>
+          </p:nvPr>
+        </p:nvSpPr>
         <p:spPr/>
         <p:txBody>
           <a:bodyPr/>
@@ -17195,7 +17252,12 @@
             <p:ph idx="1"/>
           </p:nvPr>
         </p:nvSpPr>
-        <p:spPr/>
+        <p:spPr>
+          <a:xfrm>
+            <a:off x="533400" y="2362200"/>
+            <a:ext cx="8229600" cy="609600"/>
+          </a:xfrm>
+        </p:spPr>
         <p:style>
           <a:lnRef idx="2">
             <a:schemeClr val="accent1"/>
@@ -17216,11 +17278,11 @@
           <a:p>
             <a:r>
               <a:rPr lang="en-US" dirty="0" smtClean="0"/>
-              <a:t>Paul </a:t>
+              <a:t>Laurence </a:t>
             </a:r>
             <a:r>
               <a:rPr lang="en-US" dirty="0" err="1" smtClean="0"/>
-              <a:t>Kanyuk</a:t>
+              <a:t>Emms</a:t>
             </a:r>
             <a:r>
               <a:rPr lang="en-US" dirty="0" smtClean="0"/>
@@ -17230,83 +17292,12 @@
               <a:rPr lang="en-US" dirty="0" smtClean="0">
                 <a:hlinkClick r:id="rId2"/>
               </a:rPr>
-              <a:t>pkanyuk@pixar.com</a:t>
+              <a:t>lemms@pixar.com</a:t>
             </a:r>
             <a:endParaRPr lang="en-US" dirty="0" smtClean="0"/>
           </a:p>
           <a:p>
-            <a:r>
-              <a:rPr lang="en-US" dirty="0" smtClean="0"/>
-              <a:t>Laurence </a:t>
-            </a:r>
-            <a:r>
-              <a:rPr lang="en-US" dirty="0" err="1" smtClean="0"/>
-              <a:t>Emms</a:t>
-            </a:r>
-            <a:r>
-              <a:rPr lang="en-US" dirty="0" smtClean="0"/>
-              <a:t> – </a:t>
-            </a:r>
-            <a:r>
-              <a:rPr lang="en-US" dirty="0" smtClean="0">
-                <a:hlinkClick r:id="rId3"/>
-              </a:rPr>
-              <a:t>lemms@pixar.com</a:t>
-            </a:r>
-            <a:endParaRPr lang="en-US" dirty="0" smtClean="0"/>
-          </a:p>
-          <a:p>
             <a:endParaRPr lang="en-US" dirty="0"/>
-          </a:p>
-          <a:p>
-            <a:r>
-              <a:rPr lang="en-US" dirty="0" err="1" smtClean="0"/>
-              <a:t>Wondermoss</a:t>
-            </a:r>
-            <a:r>
-              <a:rPr lang="en-US" dirty="0" smtClean="0"/>
-              <a:t> – </a:t>
-            </a:r>
-            <a:r>
-              <a:rPr lang="en-US" dirty="0" err="1" smtClean="0"/>
-              <a:t>Inigo</a:t>
-            </a:r>
-            <a:r>
-              <a:rPr lang="en-US" dirty="0" smtClean="0"/>
-              <a:t> </a:t>
-            </a:r>
-            <a:r>
-              <a:rPr lang="en-US" dirty="0" err="1" smtClean="0"/>
-              <a:t>Quilez</a:t>
-            </a:r>
-            <a:r>
-              <a:rPr lang="en-US"/>
-              <a:t> - http://www.iquilezles.org/</a:t>
-            </a:r>
-            <a:endParaRPr lang="en-US" dirty="0" smtClean="0"/>
-          </a:p>
-          <a:p>
-            <a:endParaRPr lang="en-US" dirty="0"/>
-          </a:p>
-          <a:p>
-            <a:r>
-              <a:rPr lang="en-US" dirty="0">
-                <a:solidFill>
-                  <a:schemeClr val="tx1">
-                    <a:lumMod val="95000"/>
-                  </a:schemeClr>
-                </a:solidFill>
-                <a:hlinkClick r:id="rId4"/>
-              </a:rPr>
-              <a:t>https://github.com/lemms/SiggraphAsiaDemo2012</a:t>
-            </a:r>
-            <a:endParaRPr lang="en-US" dirty="0">
-              <a:solidFill>
-                <a:schemeClr val="tx1">
-                  <a:lumMod val="95000"/>
-                </a:schemeClr>
-              </a:solidFill>
-            </a:endParaRPr>
           </a:p>
           <a:p>
             <a:endParaRPr lang="en-US" dirty="0" smtClean="0"/>
